--- a/Autodesk_MembersPlatform_Architecture.pptx
+++ b/Autodesk_MembersPlatform_Architecture.pptx
@@ -7,8 +7,9 @@
   <p:sldIdLst>
     <p:sldId id="256" r:id="rId2"/>
     <p:sldId id="257" r:id="rId3"/>
-    <p:sldId id="258" r:id="rId4"/>
-    <p:sldId id="259" r:id="rId5"/>
+    <p:sldId id="260" r:id="rId4"/>
+    <p:sldId id="258" r:id="rId5"/>
+    <p:sldId id="259" r:id="rId6"/>
   </p:sldIdLst>
   <p:sldSz cx="9144000" cy="6858000" type="screen4x3"/>
   <p:notesSz cx="6858000" cy="9144000"/>
@@ -4219,6 +4220,542 @@
     </p:bg>
     <p:spTree>
       <p:nvGrpSpPr>
+        <p:cNvPr id="1" name="">
+          <a:extLst>
+            <a:ext uri="{FF2B5EF4-FFF2-40B4-BE49-F238E27FC236}">
+              <a16:creationId xmlns:a16="http://schemas.microsoft.com/office/drawing/2014/main" id="{08BBFEB9-B96E-FDD2-C0F5-E3B695CF92F9}"/>
+            </a:ext>
+          </a:extLst>
+        </p:cNvPr>
+        <p:cNvGrpSpPr/>
+        <p:nvPr/>
+      </p:nvGrpSpPr>
+      <p:grpSpPr>
+        <a:xfrm>
+          <a:off x="0" y="0"/>
+          <a:ext cx="0" cy="0"/>
+          <a:chOff x="0" y="0"/>
+          <a:chExt cx="0" cy="0"/>
+        </a:xfrm>
+      </p:grpSpPr>
+      <p:sp useBgFill="1">
+        <p:nvSpPr>
+          <p:cNvPr id="8" name="Rectangle 7">
+            <a:extLst>
+              <a:ext uri="{FF2B5EF4-FFF2-40B4-BE49-F238E27FC236}">
+                <a16:creationId xmlns:a16="http://schemas.microsoft.com/office/drawing/2014/main" id="{1B15ED52-F352-441B-82BF-E0EA34836D08}"/>
+              </a:ext>
+              <a:ext uri="{C183D7F6-B498-43B3-948B-1728B52AA6E4}">
+                <adec:decorative xmlns:adec="http://schemas.microsoft.com/office/drawing/2017/decorative" val="1"/>
+              </a:ext>
+            </a:extLst>
+          </p:cNvPr>
+          <p:cNvSpPr>
+            <a:spLocks noGrp="1" noRot="1" noChangeAspect="1" noMove="1" noResize="1" noEditPoints="1" noAdjustHandles="1" noChangeArrowheads="1" noChangeShapeType="1" noTextEdit="1"/>
+          </p:cNvSpPr>
+          <p:nvPr>
+            <p:extLst>
+              <p:ext uri="{386F3935-93C4-4BCD-93E2-E3B085C9AB24}">
+                <p16:designElem xmlns:p16="http://schemas.microsoft.com/office/powerpoint/2015/main" val="1"/>
+              </p:ext>
+            </p:extLst>
+          </p:nvPr>
+        </p:nvSpPr>
+        <p:spPr>
+          <a:xfrm>
+            <a:off x="0" y="0"/>
+            <a:ext cx="9144000" cy="6858000"/>
+          </a:xfrm>
+          <a:prstGeom prst="rect">
+            <a:avLst/>
+          </a:prstGeom>
+          <a:ln w="12700" cap="flat" cmpd="sng" algn="ctr">
+            <a:noFill/>
+            <a:prstDash val="solid"/>
+            <a:miter lim="800000"/>
+          </a:ln>
+          <a:effectLst/>
+          <a:extLst>
+            <a:ext uri="{91240B29-F687-4F45-9708-019B960494DF}">
+              <a14:hiddenLine xmlns:a14="http://schemas.microsoft.com/office/drawing/2010/main" w="12700" cap="flat" cmpd="sng" algn="ctr">
+                <a:solidFill>
+                  <a:schemeClr val="accent1">
+                    <a:shade val="50000"/>
+                  </a:schemeClr>
+                </a:solidFill>
+                <a:prstDash val="solid"/>
+                <a:miter lim="800000"/>
+              </a14:hiddenLine>
+            </a:ext>
+          </a:extLst>
+        </p:spPr>
+        <p:style>
+          <a:lnRef idx="2">
+            <a:schemeClr val="accent1">
+              <a:shade val="50000"/>
+            </a:schemeClr>
+          </a:lnRef>
+          <a:fillRef idx="1">
+            <a:schemeClr val="accent1"/>
+          </a:fillRef>
+          <a:effectRef idx="0">
+            <a:schemeClr val="accent1"/>
+          </a:effectRef>
+          <a:fontRef idx="minor">
+            <a:schemeClr val="lt1"/>
+          </a:fontRef>
+        </p:style>
+        <p:txBody>
+          <a:bodyPr rtlCol="0" anchor="ctr"/>
+          <a:lstStyle/>
+          <a:p>
+            <a:pPr algn="ctr"/>
+            <a:endParaRPr lang="en-US"/>
+          </a:p>
+        </p:txBody>
+      </p:sp>
+      <p:sp>
+        <p:nvSpPr>
+          <p:cNvPr id="10" name="Rectangle 9">
+            <a:extLst>
+              <a:ext uri="{FF2B5EF4-FFF2-40B4-BE49-F238E27FC236}">
+                <a16:creationId xmlns:a16="http://schemas.microsoft.com/office/drawing/2014/main" id="{3B2E3793-BFE6-45A2-9B7B-E18844431C99}"/>
+              </a:ext>
+              <a:ext uri="{C183D7F6-B498-43B3-948B-1728B52AA6E4}">
+                <adec:decorative xmlns:adec="http://schemas.microsoft.com/office/drawing/2017/decorative" val="1"/>
+              </a:ext>
+            </a:extLst>
+          </p:cNvPr>
+          <p:cNvSpPr>
+            <a:spLocks noGrp="1" noRot="1" noChangeAspect="1" noMove="1" noResize="1" noEditPoints="1" noAdjustHandles="1" noChangeArrowheads="1" noChangeShapeType="1" noTextEdit="1"/>
+          </p:cNvSpPr>
+          <p:nvPr>
+            <p:extLst>
+              <p:ext uri="{386F3935-93C4-4BCD-93E2-E3B085C9AB24}">
+                <p16:designElem xmlns:p16="http://schemas.microsoft.com/office/powerpoint/2015/main" val="1"/>
+              </p:ext>
+            </p:extLst>
+          </p:nvPr>
+        </p:nvSpPr>
+        <p:spPr>
+          <a:xfrm flipH="1">
+            <a:off x="0" y="-1"/>
+            <a:ext cx="9143997" cy="1590742"/>
+          </a:xfrm>
+          <a:prstGeom prst="rect">
+            <a:avLst/>
+          </a:prstGeom>
+          <a:gradFill>
+            <a:gsLst>
+              <a:gs pos="0">
+                <a:srgbClr val="000000"/>
+              </a:gs>
+              <a:gs pos="100000">
+                <a:schemeClr val="accent1">
+                  <a:lumMod val="75000"/>
+                </a:schemeClr>
+              </a:gs>
+            </a:gsLst>
+            <a:lin ang="8400000" scaled="0"/>
+          </a:gradFill>
+          <a:ln>
+            <a:noFill/>
+          </a:ln>
+        </p:spPr>
+        <p:style>
+          <a:lnRef idx="2">
+            <a:schemeClr val="accent1">
+              <a:shade val="50000"/>
+            </a:schemeClr>
+          </a:lnRef>
+          <a:fillRef idx="1">
+            <a:schemeClr val="accent1"/>
+          </a:fillRef>
+          <a:effectRef idx="0">
+            <a:schemeClr val="accent1"/>
+          </a:effectRef>
+          <a:fontRef idx="minor">
+            <a:schemeClr val="lt1"/>
+          </a:fontRef>
+        </p:style>
+        <p:txBody>
+          <a:bodyPr rtlCol="0" anchor="ctr"/>
+          <a:lstStyle/>
+          <a:p>
+            <a:pPr algn="ctr"/>
+            <a:endParaRPr lang="en-US"/>
+          </a:p>
+        </p:txBody>
+      </p:sp>
+      <p:sp>
+        <p:nvSpPr>
+          <p:cNvPr id="12" name="Rectangle 11">
+            <a:extLst>
+              <a:ext uri="{FF2B5EF4-FFF2-40B4-BE49-F238E27FC236}">
+                <a16:creationId xmlns:a16="http://schemas.microsoft.com/office/drawing/2014/main" id="{BC4C4868-CB8F-4AF9-9CDB-8108F2C19B67}"/>
+              </a:ext>
+              <a:ext uri="{C183D7F6-B498-43B3-948B-1728B52AA6E4}">
+                <adec:decorative xmlns:adec="http://schemas.microsoft.com/office/drawing/2017/decorative" val="1"/>
+              </a:ext>
+            </a:extLst>
+          </p:cNvPr>
+          <p:cNvSpPr>
+            <a:spLocks noGrp="1" noRot="1" noChangeAspect="1" noMove="1" noResize="1" noEditPoints="1" noAdjustHandles="1" noChangeArrowheads="1" noChangeShapeType="1" noTextEdit="1"/>
+          </p:cNvSpPr>
+          <p:nvPr>
+            <p:extLst>
+              <p:ext uri="{386F3935-93C4-4BCD-93E2-E3B085C9AB24}">
+                <p16:designElem xmlns:p16="http://schemas.microsoft.com/office/powerpoint/2015/main" val="1"/>
+              </p:ext>
+            </p:extLst>
+          </p:nvPr>
+        </p:nvSpPr>
+        <p:spPr>
+          <a:xfrm rot="10800000" flipH="1">
+            <a:off x="-2" y="0"/>
+            <a:ext cx="6086479" cy="1590742"/>
+          </a:xfrm>
+          <a:prstGeom prst="rect">
+            <a:avLst/>
+          </a:prstGeom>
+          <a:gradFill>
+            <a:gsLst>
+              <a:gs pos="20000">
+                <a:schemeClr val="accent1">
+                  <a:alpha val="0"/>
+                </a:schemeClr>
+              </a:gs>
+              <a:gs pos="100000">
+                <a:schemeClr val="accent1">
+                  <a:lumMod val="50000"/>
+                  <a:alpha val="55000"/>
+                </a:schemeClr>
+              </a:gs>
+            </a:gsLst>
+            <a:lin ang="13800000" scaled="0"/>
+          </a:gradFill>
+          <a:ln>
+            <a:noFill/>
+          </a:ln>
+        </p:spPr>
+        <p:style>
+          <a:lnRef idx="2">
+            <a:schemeClr val="accent1">
+              <a:shade val="50000"/>
+            </a:schemeClr>
+          </a:lnRef>
+          <a:fillRef idx="1">
+            <a:schemeClr val="accent1"/>
+          </a:fillRef>
+          <a:effectRef idx="0">
+            <a:schemeClr val="accent1"/>
+          </a:effectRef>
+          <a:fontRef idx="minor">
+            <a:schemeClr val="lt1"/>
+          </a:fontRef>
+        </p:style>
+        <p:txBody>
+          <a:bodyPr rtlCol="0" anchor="ctr"/>
+          <a:lstStyle/>
+          <a:p>
+            <a:pPr algn="ctr"/>
+            <a:endParaRPr lang="en-US"/>
+          </a:p>
+        </p:txBody>
+      </p:sp>
+      <p:sp>
+        <p:nvSpPr>
+          <p:cNvPr id="14" name="Rectangle 13">
+            <a:extLst>
+              <a:ext uri="{FF2B5EF4-FFF2-40B4-BE49-F238E27FC236}">
+                <a16:creationId xmlns:a16="http://schemas.microsoft.com/office/drawing/2014/main" id="{375E0459-6403-40CD-989D-56A4407CA12E}"/>
+              </a:ext>
+              <a:ext uri="{C183D7F6-B498-43B3-948B-1728B52AA6E4}">
+                <adec:decorative xmlns:adec="http://schemas.microsoft.com/office/drawing/2017/decorative" val="1"/>
+              </a:ext>
+            </a:extLst>
+          </p:cNvPr>
+          <p:cNvSpPr>
+            <a:spLocks noGrp="1" noRot="1" noChangeAspect="1" noMove="1" noResize="1" noEditPoints="1" noAdjustHandles="1" noChangeArrowheads="1" noChangeShapeType="1" noTextEdit="1"/>
+          </p:cNvSpPr>
+          <p:nvPr>
+            <p:extLst>
+              <p:ext uri="{386F3935-93C4-4BCD-93E2-E3B085C9AB24}">
+                <p16:designElem xmlns:p16="http://schemas.microsoft.com/office/powerpoint/2015/main" val="1"/>
+              </p:ext>
+            </p:extLst>
+          </p:nvPr>
+        </p:nvSpPr>
+        <p:spPr>
+          <a:xfrm flipH="1">
+            <a:off x="6086474" y="-1"/>
+            <a:ext cx="3057523" cy="1590742"/>
+          </a:xfrm>
+          <a:prstGeom prst="rect">
+            <a:avLst/>
+          </a:prstGeom>
+          <a:gradFill>
+            <a:gsLst>
+              <a:gs pos="0">
+                <a:schemeClr val="accent1">
+                  <a:alpha val="66000"/>
+                </a:schemeClr>
+              </a:gs>
+              <a:gs pos="100000">
+                <a:srgbClr val="000000">
+                  <a:alpha val="30000"/>
+                </a:srgbClr>
+              </a:gs>
+            </a:gsLst>
+            <a:lin ang="13200000" scaled="0"/>
+          </a:gradFill>
+          <a:ln>
+            <a:noFill/>
+          </a:ln>
+        </p:spPr>
+        <p:style>
+          <a:lnRef idx="2">
+            <a:schemeClr val="accent1">
+              <a:shade val="50000"/>
+            </a:schemeClr>
+          </a:lnRef>
+          <a:fillRef idx="1">
+            <a:schemeClr val="accent1"/>
+          </a:fillRef>
+          <a:effectRef idx="0">
+            <a:schemeClr val="accent1"/>
+          </a:effectRef>
+          <a:fontRef idx="minor">
+            <a:schemeClr val="lt1"/>
+          </a:fontRef>
+        </p:style>
+        <p:txBody>
+          <a:bodyPr rtlCol="0" anchor="ctr"/>
+          <a:lstStyle/>
+          <a:p>
+            <a:pPr algn="ctr"/>
+            <a:endParaRPr lang="en-US"/>
+          </a:p>
+        </p:txBody>
+      </p:sp>
+      <p:sp>
+        <p:nvSpPr>
+          <p:cNvPr id="16" name="Rectangle 15">
+            <a:extLst>
+              <a:ext uri="{FF2B5EF4-FFF2-40B4-BE49-F238E27FC236}">
+                <a16:creationId xmlns:a16="http://schemas.microsoft.com/office/drawing/2014/main" id="{53E5B1A8-3AC9-4BD1-9BBC-78CA94F2D1BA}"/>
+              </a:ext>
+              <a:ext uri="{C183D7F6-B498-43B3-948B-1728B52AA6E4}">
+                <adec:decorative xmlns:adec="http://schemas.microsoft.com/office/drawing/2017/decorative" val="1"/>
+              </a:ext>
+            </a:extLst>
+          </p:cNvPr>
+          <p:cNvSpPr>
+            <a:spLocks noGrp="1" noRot="1" noChangeAspect="1" noMove="1" noResize="1" noEditPoints="1" noAdjustHandles="1" noChangeArrowheads="1" noChangeShapeType="1" noTextEdit="1"/>
+          </p:cNvSpPr>
+          <p:nvPr>
+            <p:extLst>
+              <p:ext uri="{386F3935-93C4-4BCD-93E2-E3B085C9AB24}">
+                <p16:designElem xmlns:p16="http://schemas.microsoft.com/office/powerpoint/2015/main" val="1"/>
+              </p:ext>
+            </p:extLst>
+          </p:nvPr>
+        </p:nvSpPr>
+        <p:spPr>
+          <a:xfrm>
+            <a:off x="344512" y="-1"/>
+            <a:ext cx="8799485" cy="1597433"/>
+          </a:xfrm>
+          <a:prstGeom prst="rect">
+            <a:avLst/>
+          </a:prstGeom>
+          <a:gradFill>
+            <a:gsLst>
+              <a:gs pos="50000">
+                <a:srgbClr val="000000">
+                  <a:alpha val="0"/>
+                </a:srgbClr>
+              </a:gs>
+              <a:gs pos="99000">
+                <a:schemeClr val="accent1">
+                  <a:lumMod val="50000"/>
+                  <a:alpha val="52000"/>
+                </a:schemeClr>
+              </a:gs>
+            </a:gsLst>
+            <a:lin ang="16800000" scaled="0"/>
+          </a:gradFill>
+          <a:ln>
+            <a:noFill/>
+          </a:ln>
+        </p:spPr>
+        <p:style>
+          <a:lnRef idx="2">
+            <a:schemeClr val="accent1">
+              <a:shade val="50000"/>
+            </a:schemeClr>
+          </a:lnRef>
+          <a:fillRef idx="1">
+            <a:schemeClr val="accent1"/>
+          </a:fillRef>
+          <a:effectRef idx="0">
+            <a:schemeClr val="accent1"/>
+          </a:effectRef>
+          <a:fontRef idx="minor">
+            <a:schemeClr val="lt1"/>
+          </a:fontRef>
+        </p:style>
+        <p:txBody>
+          <a:bodyPr rtlCol="0" anchor="ctr"/>
+          <a:lstStyle/>
+          <a:p>
+            <a:pPr algn="ctr"/>
+            <a:endParaRPr lang="en-US"/>
+          </a:p>
+        </p:txBody>
+      </p:sp>
+      <p:sp>
+        <p:nvSpPr>
+          <p:cNvPr id="2" name="Title 1">
+            <a:extLst>
+              <a:ext uri="{FF2B5EF4-FFF2-40B4-BE49-F238E27FC236}">
+                <a16:creationId xmlns:a16="http://schemas.microsoft.com/office/drawing/2014/main" id="{4C2E59CA-67ED-07F2-95EB-91A3ABE29178}"/>
+              </a:ext>
+            </a:extLst>
+          </p:cNvPr>
+          <p:cNvSpPr>
+            <a:spLocks noGrp="1"/>
+          </p:cNvSpPr>
+          <p:nvPr>
+            <p:ph type="title"/>
+          </p:nvPr>
+        </p:nvSpPr>
+        <p:spPr>
+          <a:xfrm>
+            <a:off x="1028699" y="294538"/>
+            <a:ext cx="7421963" cy="1033669"/>
+          </a:xfrm>
+        </p:spPr>
+        <p:txBody>
+          <a:bodyPr>
+            <a:normAutofit/>
+          </a:bodyPr>
+          <a:lstStyle/>
+          <a:p>
+            <a:r>
+              <a:rPr lang="en-CA" sz="3500">
+                <a:solidFill>
+                  <a:srgbClr val="FFFFFF"/>
+                </a:solidFill>
+              </a:rPr>
+              <a:t>Solution Structure</a:t>
+            </a:r>
+          </a:p>
+        </p:txBody>
+      </p:sp>
+      <p:sp>
+        <p:nvSpPr>
+          <p:cNvPr id="3" name="Content Placeholder 2">
+            <a:extLst>
+              <a:ext uri="{FF2B5EF4-FFF2-40B4-BE49-F238E27FC236}">
+                <a16:creationId xmlns:a16="http://schemas.microsoft.com/office/drawing/2014/main" id="{F02EA632-7E52-F933-5658-93F01F9A6AC8}"/>
+              </a:ext>
+            </a:extLst>
+          </p:cNvPr>
+          <p:cNvSpPr>
+            <a:spLocks noGrp="1"/>
+          </p:cNvSpPr>
+          <p:nvPr>
+            <p:ph idx="1"/>
+          </p:nvPr>
+        </p:nvSpPr>
+        <p:spPr>
+          <a:xfrm>
+            <a:off x="1028699" y="2318197"/>
+            <a:ext cx="7293023" cy="3683358"/>
+          </a:xfrm>
+        </p:spPr>
+        <p:txBody>
+          <a:bodyPr anchor="ctr">
+            <a:normAutofit/>
+          </a:bodyPr>
+          <a:lstStyle/>
+          <a:p>
+            <a:r>
+              <a:rPr lang="en-CA" sz="1700"/>
+              <a:t>Autodesk.MembersPlatform.sln – Root solution coordinating all projects</a:t>
+            </a:r>
+          </a:p>
+          <a:p>
+            <a:pPr lvl="1"/>
+            <a:r>
+              <a:rPr lang="en-CA" sz="1700"/>
+              <a:t>Domain.Interfaces.Entity – Abstractions (IIdentifiable, IActivatable, IEntity)</a:t>
+            </a:r>
+          </a:p>
+          <a:p>
+            <a:pPr lvl="1"/>
+            <a:r>
+              <a:rPr lang="en-CA" sz="1700"/>
+              <a:t>Autodesk.Members.Api – ASP.NET Core Web API (CRUD endpoints)</a:t>
+            </a:r>
+          </a:p>
+          <a:p>
+            <a:pPr lvl="1"/>
+            <a:r>
+              <a:rPr lang="en-CA" sz="1700"/>
+              <a:t>Autodesk.Members.Core – Domain logic and business rules</a:t>
+            </a:r>
+          </a:p>
+          <a:p>
+            <a:pPr lvl="1"/>
+            <a:r>
+              <a:rPr lang="en-CA" sz="1700"/>
+              <a:t>Autodesk.Members.Infrastructure – EF Core + SQLite (data access)</a:t>
+            </a:r>
+          </a:p>
+          <a:p>
+            <a:pPr lvl="1"/>
+            <a:r>
+              <a:rPr lang="en-CA" sz="1700"/>
+              <a:t>Autodesk.Members.Client – Blazor WebAssembly UI (sample consumer)</a:t>
+            </a:r>
+          </a:p>
+          <a:p>
+            <a:pPr lvl="1"/>
+            <a:r>
+              <a:rPr lang="en-CA" sz="1700"/>
+              <a:t>Autodesk.Members.Tests – xUnit unit &amp; integration tests</a:t>
+            </a:r>
+          </a:p>
+        </p:txBody>
+      </p:sp>
+    </p:spTree>
+    <p:extLst>
+      <p:ext uri="{BB962C8B-B14F-4D97-AF65-F5344CB8AC3E}">
+        <p14:creationId xmlns:p14="http://schemas.microsoft.com/office/powerpoint/2010/main" val="778288290"/>
+      </p:ext>
+    </p:extLst>
+  </p:cSld>
+  <p:clrMapOvr>
+    <a:masterClrMapping/>
+  </p:clrMapOvr>
+</p:sld>
+</file>
+
+<file path=ppt/slides/slide4.xml><?xml version="1.0" encoding="utf-8"?>
+<p:sld xmlns:a="http://schemas.openxmlformats.org/drawingml/2006/main" xmlns:r="http://schemas.openxmlformats.org/officeDocument/2006/relationships" xmlns:p="http://schemas.openxmlformats.org/presentationml/2006/main">
+  <p:cSld>
+    <p:bg>
+      <p:bgPr>
+        <a:solidFill>
+          <a:schemeClr val="bg1"/>
+        </a:solidFill>
+        <a:effectLst/>
+      </p:bgPr>
+    </p:bg>
+    <p:spTree>
+      <p:nvGrpSpPr>
         <p:cNvPr id="1" name=""/>
         <p:cNvGrpSpPr/>
         <p:nvPr/>
@@ -4938,7 +5475,7 @@
 </p:sld>
 </file>
 
-<file path=ppt/slides/slide4.xml><?xml version="1.0" encoding="utf-8"?>
+<file path=ppt/slides/slide5.xml><?xml version="1.0" encoding="utf-8"?>
 <p:sld xmlns:a="http://schemas.openxmlformats.org/drawingml/2006/main" xmlns:r="http://schemas.openxmlformats.org/officeDocument/2006/relationships" xmlns:p="http://schemas.openxmlformats.org/presentationml/2006/main">
   <p:cSld>
     <p:bg>

--- a/Autodesk_MembersPlatform_Architecture.pptx
+++ b/Autodesk_MembersPlatform_Architecture.pptx
@@ -7,9 +7,10 @@
   <p:sldIdLst>
     <p:sldId id="256" r:id="rId2"/>
     <p:sldId id="257" r:id="rId3"/>
-    <p:sldId id="260" r:id="rId4"/>
+    <p:sldId id="261" r:id="rId4"/>
     <p:sldId id="258" r:id="rId5"/>
-    <p:sldId id="259" r:id="rId6"/>
+    <p:sldId id="260" r:id="rId6"/>
+    <p:sldId id="259" r:id="rId7"/>
   </p:sldIdLst>
   <p:sldSz cx="9144000" cy="6858000" type="screen4x3"/>
   <p:notesSz cx="6858000" cy="9144000"/>
@@ -4130,72 +4131,109 @@
       </p:sp>
       <p:sp>
         <p:nvSpPr>
-          <p:cNvPr id="3" name="Content Placeholder 2"/>
-          <p:cNvSpPr>
-            <a:spLocks noGrp="1"/>
+          <p:cNvPr id="5" name="Rectangle 2">
+            <a:extLst>
+              <a:ext uri="{FF2B5EF4-FFF2-40B4-BE49-F238E27FC236}">
+                <a16:creationId xmlns:a16="http://schemas.microsoft.com/office/drawing/2014/main" id="{CB9C19AA-5755-5767-8012-27F6122D4FC9}"/>
+              </a:ext>
+            </a:extLst>
+          </p:cNvPr>
+          <p:cNvSpPr>
+            <a:spLocks noGrp="1" noChangeArrowheads="1"/>
           </p:cNvSpPr>
           <p:nvPr>
             <p:ph idx="1"/>
           </p:nvPr>
         </p:nvSpPr>
-        <p:spPr>
+        <p:spPr bwMode="auto">
           <a:xfrm>
-            <a:off x="1028699" y="2318197"/>
-            <a:ext cx="7293023" cy="3683358"/>
+            <a:off x="684488" y="3792655"/>
+            <a:ext cx="7775023" cy="600164"/>
           </a:xfrm>
+          <a:prstGeom prst="rect">
+            <a:avLst/>
+          </a:prstGeom>
+          <a:noFill/>
+          <a:ln>
+            <a:noFill/>
+          </a:ln>
+          <a:effectLst/>
+          <a:extLst>
+            <a:ext uri="{909E8E84-426E-40DD-AFC4-6F175D3DCCD1}">
+              <a14:hiddenFill xmlns:a14="http://schemas.microsoft.com/office/drawing/2010/main">
+                <a:solidFill>
+                  <a:schemeClr val="accent1"/>
+                </a:solidFill>
+              </a14:hiddenFill>
+            </a:ext>
+            <a:ext uri="{91240B29-F687-4F45-9708-019B960494DF}">
+              <a14:hiddenLine xmlns:a14="http://schemas.microsoft.com/office/drawing/2010/main" w="9525">
+                <a:solidFill>
+                  <a:schemeClr val="tx1"/>
+                </a:solidFill>
+                <a:miter lim="800000"/>
+                <a:headEnd/>
+                <a:tailEnd/>
+              </a14:hiddenLine>
+            </a:ext>
+            <a:ext uri="{AF507438-7753-43E0-B8FC-AC1667EBCBE1}">
+              <a14:hiddenEffects xmlns:a14="http://schemas.microsoft.com/office/drawing/2010/main">
+                <a:effectLst>
+                  <a:outerShdw dist="35921" dir="2700000" algn="ctr" rotWithShape="0">
+                    <a:schemeClr val="bg2"/>
+                  </a:outerShdw>
+                </a:effectLst>
+              </a14:hiddenEffects>
+            </a:ext>
+          </a:extLst>
         </p:spPr>
         <p:txBody>
-          <a:bodyPr anchor="ctr">
-            <a:normAutofit/>
+          <a:bodyPr vert="horz" wrap="square" lIns="91440" tIns="45720" rIns="91440" bIns="45720" numCol="1" anchor="ctr" anchorCtr="0" compatLnSpc="1">
+            <a:prstTxWarp prst="textNoShape">
+              <a:avLst/>
+            </a:prstTxWarp>
+            <a:spAutoFit/>
           </a:bodyPr>
           <a:lstStyle/>
           <a:p>
-            <a:r>
-              <a:rPr lang="en-CA" sz="1700"/>
-              <a:t>Autodesk.MembersPlatform.sln – Root solution coordinating all projects</a:t>
-            </a:r>
-          </a:p>
-          <a:p>
-            <a:pPr lvl="1"/>
-            <a:r>
-              <a:rPr lang="en-CA" sz="1700"/>
-              <a:t>Domain.Interfaces.Entity – Abstractions (IIdentifiable, IActivatable, IEntity)</a:t>
-            </a:r>
-          </a:p>
-          <a:p>
-            <a:pPr lvl="1"/>
-            <a:r>
-              <a:rPr lang="en-CA" sz="1700"/>
-              <a:t>Autodesk.Members.Api – ASP.NET Core Web API (CRUD endpoints)</a:t>
-            </a:r>
-          </a:p>
-          <a:p>
-            <a:pPr lvl="1"/>
-            <a:r>
-              <a:rPr lang="en-CA" sz="1700"/>
-              <a:t>Autodesk.Members.Core – Domain logic and business rules</a:t>
-            </a:r>
-          </a:p>
-          <a:p>
-            <a:pPr lvl="1"/>
-            <a:r>
-              <a:rPr lang="en-CA" sz="1700"/>
-              <a:t>Autodesk.Members.Infrastructure – EF Core + SQLite (data access)</a:t>
-            </a:r>
-          </a:p>
-          <a:p>
-            <a:pPr lvl="1"/>
-            <a:r>
-              <a:rPr lang="en-CA" sz="1700"/>
-              <a:t>Autodesk.Members.Client – Blazor WebAssembly UI (sample consumer)</a:t>
-            </a:r>
-          </a:p>
-          <a:p>
-            <a:pPr lvl="1"/>
-            <a:r>
-              <a:rPr lang="en-CA" sz="1700"/>
-              <a:t>Autodesk.Members.Tests – xUnit unit &amp; integration tests</a:t>
-            </a:r>
+            <a:pPr marL="0" marR="0" lvl="0" indent="0" algn="l" defTabSz="914400" rtl="0" eaLnBrk="0" fontAlgn="base" latinLnBrk="0" hangingPunct="0">
+              <a:lnSpc>
+                <a:spcPct val="100000"/>
+              </a:lnSpc>
+              <a:spcBef>
+                <a:spcPct val="0"/>
+              </a:spcBef>
+              <a:spcAft>
+                <a:spcPct val="0"/>
+              </a:spcAft>
+              <a:buClrTx/>
+              <a:buSzTx/>
+              <a:buFontTx/>
+              <a:buChar char="•"/>
+              <a:tabLst/>
+            </a:pPr>
+            <a:r>
+              <a:rPr lang="en-US" sz="1100" dirty="0"/>
+              <a:t>The domain outlines the general characteristics for defining an entity, ensuring that every entity is identifiable and can be activated or deactivated. A single class called </a:t>
+            </a:r>
+            <a:r>
+              <a:rPr lang="en-US" sz="1100" b="1" dirty="0"/>
+              <a:t>Entity</a:t>
+            </a:r>
+            <a:r>
+              <a:rPr lang="en-US" sz="1100" dirty="0"/>
+              <a:t> is created to make it clear that all entities will have at least one identifier (ID) and the ability to be activated or deactivated, enabling a logical (soft) delete instead of a physical one.</a:t>
+            </a:r>
+            <a:endParaRPr kumimoji="0" lang="en-US" altLang="en-US" sz="1800" b="0" i="0" u="none" strike="noStrike" cap="none" normalizeH="0" baseline="0" dirty="0">
+              <a:ln>
+                <a:noFill/>
+              </a:ln>
+              <a:solidFill>
+                <a:schemeClr val="tx1"/>
+              </a:solidFill>
+              <a:effectLst/>
+              <a:latin typeface="Arial" panose="020B0604020202020204" pitchFamily="34" charset="0"/>
+            </a:endParaRPr>
           </a:p>
         </p:txBody>
       </p:sp>
@@ -4210,20 +4248,12 @@
 <file path=ppt/slides/slide3.xml><?xml version="1.0" encoding="utf-8"?>
 <p:sld xmlns:a="http://schemas.openxmlformats.org/drawingml/2006/main" xmlns:r="http://schemas.openxmlformats.org/officeDocument/2006/relationships" xmlns:p="http://schemas.openxmlformats.org/presentationml/2006/main">
   <p:cSld>
-    <p:bg>
-      <p:bgPr>
-        <a:solidFill>
-          <a:schemeClr val="bg1"/>
-        </a:solidFill>
-        <a:effectLst/>
-      </p:bgPr>
-    </p:bg>
     <p:spTree>
       <p:nvGrpSpPr>
         <p:cNvPr id="1" name="">
           <a:extLst>
             <a:ext uri="{FF2B5EF4-FFF2-40B4-BE49-F238E27FC236}">
-              <a16:creationId xmlns:a16="http://schemas.microsoft.com/office/drawing/2014/main" id="{08BBFEB9-B96E-FDD2-C0F5-E3B695CF92F9}"/>
+              <a16:creationId xmlns:a16="http://schemas.microsoft.com/office/drawing/2014/main" id="{4BA363D4-8744-13AE-FF59-449E266B6E2F}"/>
             </a:ext>
           </a:extLst>
         </p:cNvPr>
@@ -4238,388 +4268,12 @@
           <a:chExt cx="0" cy="0"/>
         </a:xfrm>
       </p:grpSpPr>
-      <p:sp useBgFill="1">
-        <p:nvSpPr>
-          <p:cNvPr id="8" name="Rectangle 7">
-            <a:extLst>
-              <a:ext uri="{FF2B5EF4-FFF2-40B4-BE49-F238E27FC236}">
-                <a16:creationId xmlns:a16="http://schemas.microsoft.com/office/drawing/2014/main" id="{1B15ED52-F352-441B-82BF-E0EA34836D08}"/>
-              </a:ext>
-              <a:ext uri="{C183D7F6-B498-43B3-948B-1728B52AA6E4}">
-                <adec:decorative xmlns:adec="http://schemas.microsoft.com/office/drawing/2017/decorative" val="1"/>
-              </a:ext>
-            </a:extLst>
-          </p:cNvPr>
-          <p:cNvSpPr>
-            <a:spLocks noGrp="1" noRot="1" noChangeAspect="1" noMove="1" noResize="1" noEditPoints="1" noAdjustHandles="1" noChangeArrowheads="1" noChangeShapeType="1" noTextEdit="1"/>
-          </p:cNvSpPr>
-          <p:nvPr>
-            <p:extLst>
-              <p:ext uri="{386F3935-93C4-4BCD-93E2-E3B085C9AB24}">
-                <p16:designElem xmlns:p16="http://schemas.microsoft.com/office/powerpoint/2015/main" val="1"/>
-              </p:ext>
-            </p:extLst>
-          </p:nvPr>
-        </p:nvSpPr>
-        <p:spPr>
-          <a:xfrm>
-            <a:off x="0" y="0"/>
-            <a:ext cx="9144000" cy="6858000"/>
-          </a:xfrm>
-          <a:prstGeom prst="rect">
-            <a:avLst/>
-          </a:prstGeom>
-          <a:ln w="12700" cap="flat" cmpd="sng" algn="ctr">
-            <a:noFill/>
-            <a:prstDash val="solid"/>
-            <a:miter lim="800000"/>
-          </a:ln>
-          <a:effectLst/>
-          <a:extLst>
-            <a:ext uri="{91240B29-F687-4F45-9708-019B960494DF}">
-              <a14:hiddenLine xmlns:a14="http://schemas.microsoft.com/office/drawing/2010/main" w="12700" cap="flat" cmpd="sng" algn="ctr">
-                <a:solidFill>
-                  <a:schemeClr val="accent1">
-                    <a:shade val="50000"/>
-                  </a:schemeClr>
-                </a:solidFill>
-                <a:prstDash val="solid"/>
-                <a:miter lim="800000"/>
-              </a14:hiddenLine>
-            </a:ext>
-          </a:extLst>
-        </p:spPr>
-        <p:style>
-          <a:lnRef idx="2">
-            <a:schemeClr val="accent1">
-              <a:shade val="50000"/>
-            </a:schemeClr>
-          </a:lnRef>
-          <a:fillRef idx="1">
-            <a:schemeClr val="accent1"/>
-          </a:fillRef>
-          <a:effectRef idx="0">
-            <a:schemeClr val="accent1"/>
-          </a:effectRef>
-          <a:fontRef idx="minor">
-            <a:schemeClr val="lt1"/>
-          </a:fontRef>
-        </p:style>
-        <p:txBody>
-          <a:bodyPr rtlCol="0" anchor="ctr"/>
-          <a:lstStyle/>
-          <a:p>
-            <a:pPr algn="ctr"/>
-            <a:endParaRPr lang="en-US"/>
-          </a:p>
-        </p:txBody>
-      </p:sp>
-      <p:sp>
-        <p:nvSpPr>
-          <p:cNvPr id="10" name="Rectangle 9">
-            <a:extLst>
-              <a:ext uri="{FF2B5EF4-FFF2-40B4-BE49-F238E27FC236}">
-                <a16:creationId xmlns:a16="http://schemas.microsoft.com/office/drawing/2014/main" id="{3B2E3793-BFE6-45A2-9B7B-E18844431C99}"/>
-              </a:ext>
-              <a:ext uri="{C183D7F6-B498-43B3-948B-1728B52AA6E4}">
-                <adec:decorative xmlns:adec="http://schemas.microsoft.com/office/drawing/2017/decorative" val="1"/>
-              </a:ext>
-            </a:extLst>
-          </p:cNvPr>
-          <p:cNvSpPr>
-            <a:spLocks noGrp="1" noRot="1" noChangeAspect="1" noMove="1" noResize="1" noEditPoints="1" noAdjustHandles="1" noChangeArrowheads="1" noChangeShapeType="1" noTextEdit="1"/>
-          </p:cNvSpPr>
-          <p:nvPr>
-            <p:extLst>
-              <p:ext uri="{386F3935-93C4-4BCD-93E2-E3B085C9AB24}">
-                <p16:designElem xmlns:p16="http://schemas.microsoft.com/office/powerpoint/2015/main" val="1"/>
-              </p:ext>
-            </p:extLst>
-          </p:nvPr>
-        </p:nvSpPr>
-        <p:spPr>
-          <a:xfrm flipH="1">
-            <a:off x="0" y="-1"/>
-            <a:ext cx="9143997" cy="1590742"/>
-          </a:xfrm>
-          <a:prstGeom prst="rect">
-            <a:avLst/>
-          </a:prstGeom>
-          <a:gradFill>
-            <a:gsLst>
-              <a:gs pos="0">
-                <a:srgbClr val="000000"/>
-              </a:gs>
-              <a:gs pos="100000">
-                <a:schemeClr val="accent1">
-                  <a:lumMod val="75000"/>
-                </a:schemeClr>
-              </a:gs>
-            </a:gsLst>
-            <a:lin ang="8400000" scaled="0"/>
-          </a:gradFill>
-          <a:ln>
-            <a:noFill/>
-          </a:ln>
-        </p:spPr>
-        <p:style>
-          <a:lnRef idx="2">
-            <a:schemeClr val="accent1">
-              <a:shade val="50000"/>
-            </a:schemeClr>
-          </a:lnRef>
-          <a:fillRef idx="1">
-            <a:schemeClr val="accent1"/>
-          </a:fillRef>
-          <a:effectRef idx="0">
-            <a:schemeClr val="accent1"/>
-          </a:effectRef>
-          <a:fontRef idx="minor">
-            <a:schemeClr val="lt1"/>
-          </a:fontRef>
-        </p:style>
-        <p:txBody>
-          <a:bodyPr rtlCol="0" anchor="ctr"/>
-          <a:lstStyle/>
-          <a:p>
-            <a:pPr algn="ctr"/>
-            <a:endParaRPr lang="en-US"/>
-          </a:p>
-        </p:txBody>
-      </p:sp>
-      <p:sp>
-        <p:nvSpPr>
-          <p:cNvPr id="12" name="Rectangle 11">
-            <a:extLst>
-              <a:ext uri="{FF2B5EF4-FFF2-40B4-BE49-F238E27FC236}">
-                <a16:creationId xmlns:a16="http://schemas.microsoft.com/office/drawing/2014/main" id="{BC4C4868-CB8F-4AF9-9CDB-8108F2C19B67}"/>
-              </a:ext>
-              <a:ext uri="{C183D7F6-B498-43B3-948B-1728B52AA6E4}">
-                <adec:decorative xmlns:adec="http://schemas.microsoft.com/office/drawing/2017/decorative" val="1"/>
-              </a:ext>
-            </a:extLst>
-          </p:cNvPr>
-          <p:cNvSpPr>
-            <a:spLocks noGrp="1" noRot="1" noChangeAspect="1" noMove="1" noResize="1" noEditPoints="1" noAdjustHandles="1" noChangeArrowheads="1" noChangeShapeType="1" noTextEdit="1"/>
-          </p:cNvSpPr>
-          <p:nvPr>
-            <p:extLst>
-              <p:ext uri="{386F3935-93C4-4BCD-93E2-E3B085C9AB24}">
-                <p16:designElem xmlns:p16="http://schemas.microsoft.com/office/powerpoint/2015/main" val="1"/>
-              </p:ext>
-            </p:extLst>
-          </p:nvPr>
-        </p:nvSpPr>
-        <p:spPr>
-          <a:xfrm rot="10800000" flipH="1">
-            <a:off x="-2" y="0"/>
-            <a:ext cx="6086479" cy="1590742"/>
-          </a:xfrm>
-          <a:prstGeom prst="rect">
-            <a:avLst/>
-          </a:prstGeom>
-          <a:gradFill>
-            <a:gsLst>
-              <a:gs pos="20000">
-                <a:schemeClr val="accent1">
-                  <a:alpha val="0"/>
-                </a:schemeClr>
-              </a:gs>
-              <a:gs pos="100000">
-                <a:schemeClr val="accent1">
-                  <a:lumMod val="50000"/>
-                  <a:alpha val="55000"/>
-                </a:schemeClr>
-              </a:gs>
-            </a:gsLst>
-            <a:lin ang="13800000" scaled="0"/>
-          </a:gradFill>
-          <a:ln>
-            <a:noFill/>
-          </a:ln>
-        </p:spPr>
-        <p:style>
-          <a:lnRef idx="2">
-            <a:schemeClr val="accent1">
-              <a:shade val="50000"/>
-            </a:schemeClr>
-          </a:lnRef>
-          <a:fillRef idx="1">
-            <a:schemeClr val="accent1"/>
-          </a:fillRef>
-          <a:effectRef idx="0">
-            <a:schemeClr val="accent1"/>
-          </a:effectRef>
-          <a:fontRef idx="minor">
-            <a:schemeClr val="lt1"/>
-          </a:fontRef>
-        </p:style>
-        <p:txBody>
-          <a:bodyPr rtlCol="0" anchor="ctr"/>
-          <a:lstStyle/>
-          <a:p>
-            <a:pPr algn="ctr"/>
-            <a:endParaRPr lang="en-US"/>
-          </a:p>
-        </p:txBody>
-      </p:sp>
-      <p:sp>
-        <p:nvSpPr>
-          <p:cNvPr id="14" name="Rectangle 13">
-            <a:extLst>
-              <a:ext uri="{FF2B5EF4-FFF2-40B4-BE49-F238E27FC236}">
-                <a16:creationId xmlns:a16="http://schemas.microsoft.com/office/drawing/2014/main" id="{375E0459-6403-40CD-989D-56A4407CA12E}"/>
-              </a:ext>
-              <a:ext uri="{C183D7F6-B498-43B3-948B-1728B52AA6E4}">
-                <adec:decorative xmlns:adec="http://schemas.microsoft.com/office/drawing/2017/decorative" val="1"/>
-              </a:ext>
-            </a:extLst>
-          </p:cNvPr>
-          <p:cNvSpPr>
-            <a:spLocks noGrp="1" noRot="1" noChangeAspect="1" noMove="1" noResize="1" noEditPoints="1" noAdjustHandles="1" noChangeArrowheads="1" noChangeShapeType="1" noTextEdit="1"/>
-          </p:cNvSpPr>
-          <p:nvPr>
-            <p:extLst>
-              <p:ext uri="{386F3935-93C4-4BCD-93E2-E3B085C9AB24}">
-                <p16:designElem xmlns:p16="http://schemas.microsoft.com/office/powerpoint/2015/main" val="1"/>
-              </p:ext>
-            </p:extLst>
-          </p:nvPr>
-        </p:nvSpPr>
-        <p:spPr>
-          <a:xfrm flipH="1">
-            <a:off x="6086474" y="-1"/>
-            <a:ext cx="3057523" cy="1590742"/>
-          </a:xfrm>
-          <a:prstGeom prst="rect">
-            <a:avLst/>
-          </a:prstGeom>
-          <a:gradFill>
-            <a:gsLst>
-              <a:gs pos="0">
-                <a:schemeClr val="accent1">
-                  <a:alpha val="66000"/>
-                </a:schemeClr>
-              </a:gs>
-              <a:gs pos="100000">
-                <a:srgbClr val="000000">
-                  <a:alpha val="30000"/>
-                </a:srgbClr>
-              </a:gs>
-            </a:gsLst>
-            <a:lin ang="13200000" scaled="0"/>
-          </a:gradFill>
-          <a:ln>
-            <a:noFill/>
-          </a:ln>
-        </p:spPr>
-        <p:style>
-          <a:lnRef idx="2">
-            <a:schemeClr val="accent1">
-              <a:shade val="50000"/>
-            </a:schemeClr>
-          </a:lnRef>
-          <a:fillRef idx="1">
-            <a:schemeClr val="accent1"/>
-          </a:fillRef>
-          <a:effectRef idx="0">
-            <a:schemeClr val="accent1"/>
-          </a:effectRef>
-          <a:fontRef idx="minor">
-            <a:schemeClr val="lt1"/>
-          </a:fontRef>
-        </p:style>
-        <p:txBody>
-          <a:bodyPr rtlCol="0" anchor="ctr"/>
-          <a:lstStyle/>
-          <a:p>
-            <a:pPr algn="ctr"/>
-            <a:endParaRPr lang="en-US"/>
-          </a:p>
-        </p:txBody>
-      </p:sp>
-      <p:sp>
-        <p:nvSpPr>
-          <p:cNvPr id="16" name="Rectangle 15">
-            <a:extLst>
-              <a:ext uri="{FF2B5EF4-FFF2-40B4-BE49-F238E27FC236}">
-                <a16:creationId xmlns:a16="http://schemas.microsoft.com/office/drawing/2014/main" id="{53E5B1A8-3AC9-4BD1-9BBC-78CA94F2D1BA}"/>
-              </a:ext>
-              <a:ext uri="{C183D7F6-B498-43B3-948B-1728B52AA6E4}">
-                <adec:decorative xmlns:adec="http://schemas.microsoft.com/office/drawing/2017/decorative" val="1"/>
-              </a:ext>
-            </a:extLst>
-          </p:cNvPr>
-          <p:cNvSpPr>
-            <a:spLocks noGrp="1" noRot="1" noChangeAspect="1" noMove="1" noResize="1" noEditPoints="1" noAdjustHandles="1" noChangeArrowheads="1" noChangeShapeType="1" noTextEdit="1"/>
-          </p:cNvSpPr>
-          <p:nvPr>
-            <p:extLst>
-              <p:ext uri="{386F3935-93C4-4BCD-93E2-E3B085C9AB24}">
-                <p16:designElem xmlns:p16="http://schemas.microsoft.com/office/powerpoint/2015/main" val="1"/>
-              </p:ext>
-            </p:extLst>
-          </p:nvPr>
-        </p:nvSpPr>
-        <p:spPr>
-          <a:xfrm>
-            <a:off x="344512" y="-1"/>
-            <a:ext cx="8799485" cy="1597433"/>
-          </a:xfrm>
-          <a:prstGeom prst="rect">
-            <a:avLst/>
-          </a:prstGeom>
-          <a:gradFill>
-            <a:gsLst>
-              <a:gs pos="50000">
-                <a:srgbClr val="000000">
-                  <a:alpha val="0"/>
-                </a:srgbClr>
-              </a:gs>
-              <a:gs pos="99000">
-                <a:schemeClr val="accent1">
-                  <a:lumMod val="50000"/>
-                  <a:alpha val="52000"/>
-                </a:schemeClr>
-              </a:gs>
-            </a:gsLst>
-            <a:lin ang="16800000" scaled="0"/>
-          </a:gradFill>
-          <a:ln>
-            <a:noFill/>
-          </a:ln>
-        </p:spPr>
-        <p:style>
-          <a:lnRef idx="2">
-            <a:schemeClr val="accent1">
-              <a:shade val="50000"/>
-            </a:schemeClr>
-          </a:lnRef>
-          <a:fillRef idx="1">
-            <a:schemeClr val="accent1"/>
-          </a:fillRef>
-          <a:effectRef idx="0">
-            <a:schemeClr val="accent1"/>
-          </a:effectRef>
-          <a:fontRef idx="minor">
-            <a:schemeClr val="lt1"/>
-          </a:fontRef>
-        </p:style>
-        <p:txBody>
-          <a:bodyPr rtlCol="0" anchor="ctr"/>
-          <a:lstStyle/>
-          <a:p>
-            <a:pPr algn="ctr"/>
-            <a:endParaRPr lang="en-US"/>
-          </a:p>
-        </p:txBody>
-      </p:sp>
       <p:sp>
         <p:nvSpPr>
           <p:cNvPr id="2" name="Title 1">
             <a:extLst>
               <a:ext uri="{FF2B5EF4-FFF2-40B4-BE49-F238E27FC236}">
-                <a16:creationId xmlns:a16="http://schemas.microsoft.com/office/drawing/2014/main" id="{4C2E59CA-67ED-07F2-95EB-91A3ABE29178}"/>
+                <a16:creationId xmlns:a16="http://schemas.microsoft.com/office/drawing/2014/main" id="{E33AB8A5-16FA-6F13-E999-220180C15DB8}"/>
               </a:ext>
             </a:extLst>
           </p:cNvPr>
@@ -4655,77 +4309,468 @@
       </p:sp>
       <p:sp>
         <p:nvSpPr>
-          <p:cNvPr id="3" name="Content Placeholder 2">
+          <p:cNvPr id="5" name="Rectangle 2">
             <a:extLst>
               <a:ext uri="{FF2B5EF4-FFF2-40B4-BE49-F238E27FC236}">
-                <a16:creationId xmlns:a16="http://schemas.microsoft.com/office/drawing/2014/main" id="{F02EA632-7E52-F933-5658-93F01F9A6AC8}"/>
+                <a16:creationId xmlns:a16="http://schemas.microsoft.com/office/drawing/2014/main" id="{D061539A-8493-1B8E-3592-A4D57065C88F}"/>
               </a:ext>
             </a:extLst>
           </p:cNvPr>
           <p:cNvSpPr>
-            <a:spLocks noGrp="1"/>
+            <a:spLocks noGrp="1" noChangeArrowheads="1"/>
           </p:cNvSpPr>
           <p:nvPr>
             <p:ph idx="1"/>
           </p:nvPr>
         </p:nvSpPr>
-        <p:spPr>
+        <p:spPr bwMode="auto">
           <a:xfrm>
-            <a:off x="1028699" y="2318197"/>
-            <a:ext cx="7293023" cy="3683358"/>
+            <a:off x="684488" y="2107578"/>
+            <a:ext cx="7775023" cy="3970318"/>
           </a:xfrm>
+          <a:prstGeom prst="rect">
+            <a:avLst/>
+          </a:prstGeom>
+          <a:noFill/>
+          <a:ln>
+            <a:noFill/>
+          </a:ln>
+          <a:effectLst/>
+          <a:extLst>
+            <a:ext uri="{909E8E84-426E-40DD-AFC4-6F175D3DCCD1}">
+              <a14:hiddenFill xmlns:a14="http://schemas.microsoft.com/office/drawing/2010/main">
+                <a:solidFill>
+                  <a:schemeClr val="accent1"/>
+                </a:solidFill>
+              </a14:hiddenFill>
+            </a:ext>
+            <a:ext uri="{91240B29-F687-4F45-9708-019B960494DF}">
+              <a14:hiddenLine xmlns:a14="http://schemas.microsoft.com/office/drawing/2010/main" w="9525">
+                <a:solidFill>
+                  <a:schemeClr val="tx1"/>
+                </a:solidFill>
+                <a:miter lim="800000"/>
+                <a:headEnd/>
+                <a:tailEnd/>
+              </a14:hiddenLine>
+            </a:ext>
+            <a:ext uri="{AF507438-7753-43E0-B8FC-AC1667EBCBE1}">
+              <a14:hiddenEffects xmlns:a14="http://schemas.microsoft.com/office/drawing/2010/main">
+                <a:effectLst>
+                  <a:outerShdw dist="35921" dir="2700000" algn="ctr" rotWithShape="0">
+                    <a:schemeClr val="bg2"/>
+                  </a:outerShdw>
+                </a:effectLst>
+              </a14:hiddenEffects>
+            </a:ext>
+          </a:extLst>
         </p:spPr>
         <p:txBody>
-          <a:bodyPr anchor="ctr">
-            <a:normAutofit/>
+          <a:bodyPr vert="horz" wrap="square" lIns="91440" tIns="45720" rIns="91440" bIns="45720" numCol="1" anchor="ctr" anchorCtr="0" compatLnSpc="1">
+            <a:prstTxWarp prst="textNoShape">
+              <a:avLst/>
+            </a:prstTxWarp>
+            <a:spAutoFit/>
           </a:bodyPr>
           <a:lstStyle/>
           <a:p>
-            <a:r>
-              <a:rPr lang="en-CA" sz="1700"/>
-              <a:t>Autodesk.MembersPlatform.sln – Root solution coordinating all projects</a:t>
-            </a:r>
-          </a:p>
-          <a:p>
-            <a:pPr lvl="1"/>
-            <a:r>
-              <a:rPr lang="en-CA" sz="1700"/>
-              <a:t>Domain.Interfaces.Entity – Abstractions (IIdentifiable, IActivatable, IEntity)</a:t>
-            </a:r>
-          </a:p>
-          <a:p>
-            <a:pPr lvl="1"/>
-            <a:r>
-              <a:rPr lang="en-CA" sz="1700"/>
-              <a:t>Autodesk.Members.Api – ASP.NET Core Web API (CRUD endpoints)</a:t>
-            </a:r>
-          </a:p>
-          <a:p>
-            <a:pPr lvl="1"/>
-            <a:r>
-              <a:rPr lang="en-CA" sz="1700"/>
-              <a:t>Autodesk.Members.Core – Domain logic and business rules</a:t>
-            </a:r>
-          </a:p>
-          <a:p>
-            <a:pPr lvl="1"/>
-            <a:r>
-              <a:rPr lang="en-CA" sz="1700"/>
-              <a:t>Autodesk.Members.Infrastructure – EF Core + SQLite (data access)</a:t>
-            </a:r>
-          </a:p>
-          <a:p>
-            <a:pPr lvl="1"/>
-            <a:r>
-              <a:rPr lang="en-CA" sz="1700"/>
-              <a:t>Autodesk.Members.Client – Blazor WebAssembly UI (sample consumer)</a:t>
-            </a:r>
-          </a:p>
-          <a:p>
-            <a:pPr lvl="1"/>
-            <a:r>
-              <a:rPr lang="en-CA" sz="1700"/>
-              <a:t>Autodesk.Members.Tests – xUnit unit &amp; integration tests</a:t>
+            <a:pPr marL="0" marR="0" lvl="0" indent="0" algn="l" defTabSz="914400" rtl="0" eaLnBrk="0" fontAlgn="base" latinLnBrk="0" hangingPunct="0">
+              <a:lnSpc>
+                <a:spcPct val="100000"/>
+              </a:lnSpc>
+              <a:spcBef>
+                <a:spcPct val="0"/>
+              </a:spcBef>
+              <a:spcAft>
+                <a:spcPct val="0"/>
+              </a:spcAft>
+              <a:buClrTx/>
+              <a:buSzTx/>
+              <a:buFontTx/>
+              <a:buChar char="•"/>
+              <a:tabLst/>
+            </a:pPr>
+            <a:r>
+              <a:rPr kumimoji="0" lang="en-US" altLang="en-US" sz="1800" b="1" i="0" u="none" strike="noStrike" cap="none" normalizeH="0" baseline="0" dirty="0">
+                <a:ln>
+                  <a:noFill/>
+                </a:ln>
+                <a:solidFill>
+                  <a:schemeClr val="tx1"/>
+                </a:solidFill>
+                <a:effectLst/>
+                <a:latin typeface="Arial" panose="020B0604020202020204" pitchFamily="34" charset="0"/>
+              </a:rPr>
+              <a:t>Autodesk.MembersPlatform.sln</a:t>
+            </a:r>
+            <a:br>
+              <a:rPr kumimoji="0" lang="en-US" altLang="en-US" sz="1800" b="0" i="0" u="none" strike="noStrike" cap="none" normalizeH="0" baseline="0" dirty="0">
+                <a:ln>
+                  <a:noFill/>
+                </a:ln>
+                <a:solidFill>
+                  <a:schemeClr val="tx1"/>
+                </a:solidFill>
+                <a:effectLst/>
+                <a:latin typeface="Arial" panose="020B0604020202020204" pitchFamily="34" charset="0"/>
+              </a:rPr>
+            </a:br>
+            <a:r>
+              <a:rPr kumimoji="0" lang="en-US" altLang="en-US" sz="1800" b="0" i="0" u="none" strike="noStrike" cap="none" normalizeH="0" baseline="0" dirty="0">
+                <a:ln>
+                  <a:noFill/>
+                </a:ln>
+                <a:solidFill>
+                  <a:schemeClr val="tx1"/>
+                </a:solidFill>
+                <a:effectLst/>
+                <a:latin typeface="Arial" panose="020B0604020202020204" pitchFamily="34" charset="0"/>
+              </a:rPr>
+              <a:t>Orchestrates all projects in one Visual Studio solution.</a:t>
+            </a:r>
+          </a:p>
+          <a:p>
+            <a:pPr marL="0" marR="0" lvl="0" indent="0" algn="l" defTabSz="914400" rtl="0" eaLnBrk="0" fontAlgn="base" latinLnBrk="0" hangingPunct="0">
+              <a:lnSpc>
+                <a:spcPct val="100000"/>
+              </a:lnSpc>
+              <a:spcBef>
+                <a:spcPct val="0"/>
+              </a:spcBef>
+              <a:spcAft>
+                <a:spcPct val="0"/>
+              </a:spcAft>
+              <a:buClrTx/>
+              <a:buSzTx/>
+              <a:buFontTx/>
+              <a:buChar char="•"/>
+              <a:tabLst/>
+            </a:pPr>
+            <a:r>
+              <a:rPr kumimoji="0" lang="en-US" altLang="en-US" sz="1800" b="1" i="0" u="none" strike="noStrike" cap="none" normalizeH="0" baseline="0" dirty="0" err="1">
+                <a:ln>
+                  <a:noFill/>
+                </a:ln>
+                <a:solidFill>
+                  <a:schemeClr val="tx1"/>
+                </a:solidFill>
+                <a:effectLst/>
+                <a:latin typeface="Arial" panose="020B0604020202020204" pitchFamily="34" charset="0"/>
+              </a:rPr>
+              <a:t>Domain.Interfaces.Entity</a:t>
+            </a:r>
+            <a:br>
+              <a:rPr kumimoji="0" lang="en-US" altLang="en-US" sz="1800" b="0" i="0" u="none" strike="noStrike" cap="none" normalizeH="0" baseline="0" dirty="0">
+                <a:ln>
+                  <a:noFill/>
+                </a:ln>
+                <a:solidFill>
+                  <a:schemeClr val="tx1"/>
+                </a:solidFill>
+                <a:effectLst/>
+                <a:latin typeface="Arial" panose="020B0604020202020204" pitchFamily="34" charset="0"/>
+              </a:rPr>
+            </a:br>
+            <a:r>
+              <a:rPr kumimoji="0" lang="en-US" altLang="en-US" sz="1800" b="1" i="0" u="none" strike="noStrike" cap="none" normalizeH="0" baseline="0" dirty="0" err="1">
+                <a:ln>
+                  <a:noFill/>
+                </a:ln>
+                <a:solidFill>
+                  <a:schemeClr val="tx1"/>
+                </a:solidFill>
+                <a:effectLst/>
+                <a:latin typeface="Arial" panose="020B0604020202020204" pitchFamily="34" charset="0"/>
+              </a:rPr>
+              <a:t>Autodesk.Members.Core</a:t>
+            </a:r>
+            <a:br>
+              <a:rPr kumimoji="0" lang="en-US" altLang="en-US" sz="1800" b="0" i="0" u="none" strike="noStrike" cap="none" normalizeH="0" baseline="0" dirty="0">
+                <a:ln>
+                  <a:noFill/>
+                </a:ln>
+                <a:solidFill>
+                  <a:schemeClr val="tx1"/>
+                </a:solidFill>
+                <a:effectLst/>
+                <a:latin typeface="Arial" panose="020B0604020202020204" pitchFamily="34" charset="0"/>
+              </a:rPr>
+            </a:br>
+            <a:r>
+              <a:rPr kumimoji="0" lang="en-US" altLang="en-US" sz="1800" b="0" i="0" u="none" strike="noStrike" cap="none" normalizeH="0" baseline="0" dirty="0">
+                <a:ln>
+                  <a:noFill/>
+                </a:ln>
+                <a:solidFill>
+                  <a:schemeClr val="tx1"/>
+                </a:solidFill>
+                <a:effectLst/>
+                <a:latin typeface="Arial" panose="020B0604020202020204" pitchFamily="34" charset="0"/>
+              </a:rPr>
+              <a:t>Encapsulates business rules, validation, and domain models.</a:t>
+            </a:r>
+          </a:p>
+          <a:p>
+            <a:pPr marL="0" marR="0" lvl="0" indent="0" algn="l" defTabSz="914400" rtl="0" eaLnBrk="0" fontAlgn="base" latinLnBrk="0" hangingPunct="0">
+              <a:lnSpc>
+                <a:spcPct val="100000"/>
+              </a:lnSpc>
+              <a:spcBef>
+                <a:spcPct val="0"/>
+              </a:spcBef>
+              <a:spcAft>
+                <a:spcPct val="0"/>
+              </a:spcAft>
+              <a:buClrTx/>
+              <a:buSzTx/>
+              <a:buFontTx/>
+              <a:buChar char="•"/>
+              <a:tabLst/>
+            </a:pPr>
+            <a:r>
+              <a:rPr kumimoji="0" lang="en-US" altLang="en-US" sz="1800" b="1" i="0" u="none" strike="noStrike" cap="none" normalizeH="0" baseline="0" dirty="0" err="1">
+                <a:ln>
+                  <a:noFill/>
+                </a:ln>
+                <a:solidFill>
+                  <a:schemeClr val="tx1"/>
+                </a:solidFill>
+                <a:effectLst/>
+                <a:latin typeface="Arial" panose="020B0604020202020204" pitchFamily="34" charset="0"/>
+              </a:rPr>
+              <a:t>Autodesk.Members.Infrastructure</a:t>
+            </a:r>
+            <a:br>
+              <a:rPr kumimoji="0" lang="en-US" altLang="en-US" sz="1800" b="0" i="0" u="none" strike="noStrike" cap="none" normalizeH="0" baseline="0" dirty="0">
+                <a:ln>
+                  <a:noFill/>
+                </a:ln>
+                <a:solidFill>
+                  <a:schemeClr val="tx1"/>
+                </a:solidFill>
+                <a:effectLst/>
+                <a:latin typeface="Arial" panose="020B0604020202020204" pitchFamily="34" charset="0"/>
+              </a:rPr>
+            </a:br>
+            <a:r>
+              <a:rPr kumimoji="0" lang="en-US" altLang="en-US" sz="1800" b="0" i="0" u="none" strike="noStrike" cap="none" normalizeH="0" baseline="0" dirty="0">
+                <a:ln>
+                  <a:noFill/>
+                </a:ln>
+                <a:solidFill>
+                  <a:schemeClr val="tx1"/>
+                </a:solidFill>
+                <a:effectLst/>
+                <a:latin typeface="Arial" panose="020B0604020202020204" pitchFamily="34" charset="0"/>
+              </a:rPr>
+              <a:t>Implements persistence with EF Core + SQLite (or your choice of store).</a:t>
+            </a:r>
+          </a:p>
+          <a:p>
+            <a:pPr marL="0" marR="0" lvl="0" indent="0" algn="l" defTabSz="914400" rtl="0" eaLnBrk="0" fontAlgn="base" latinLnBrk="0" hangingPunct="0">
+              <a:lnSpc>
+                <a:spcPct val="100000"/>
+              </a:lnSpc>
+              <a:spcBef>
+                <a:spcPct val="0"/>
+              </a:spcBef>
+              <a:spcAft>
+                <a:spcPct val="0"/>
+              </a:spcAft>
+              <a:buClrTx/>
+              <a:buSzTx/>
+              <a:buFontTx/>
+              <a:buChar char="•"/>
+              <a:tabLst/>
+            </a:pPr>
+            <a:r>
+              <a:rPr kumimoji="0" lang="en-US" altLang="en-US" sz="1800" b="1" i="0" u="none" strike="noStrike" cap="none" normalizeH="0" baseline="0" dirty="0" err="1">
+                <a:ln>
+                  <a:noFill/>
+                </a:ln>
+                <a:solidFill>
+                  <a:schemeClr val="tx1"/>
+                </a:solidFill>
+                <a:effectLst/>
+                <a:latin typeface="Arial" panose="020B0604020202020204" pitchFamily="34" charset="0"/>
+              </a:rPr>
+              <a:t>Autodesk.Members.Api</a:t>
+            </a:r>
+            <a:br>
+              <a:rPr kumimoji="0" lang="en-US" altLang="en-US" sz="1800" b="0" i="0" u="none" strike="noStrike" cap="none" normalizeH="0" baseline="0" dirty="0">
+                <a:ln>
+                  <a:noFill/>
+                </a:ln>
+                <a:solidFill>
+                  <a:schemeClr val="tx1"/>
+                </a:solidFill>
+                <a:effectLst/>
+                <a:latin typeface="Arial" panose="020B0604020202020204" pitchFamily="34" charset="0"/>
+              </a:rPr>
+            </a:br>
+            <a:r>
+              <a:rPr kumimoji="0" lang="en-US" altLang="en-US" sz="1800" b="0" i="0" u="none" strike="noStrike" cap="none" normalizeH="0" baseline="0" dirty="0">
+                <a:ln>
+                  <a:noFill/>
+                </a:ln>
+                <a:solidFill>
+                  <a:schemeClr val="tx1"/>
+                </a:solidFill>
+                <a:effectLst/>
+                <a:latin typeface="Arial" panose="020B0604020202020204" pitchFamily="34" charset="0"/>
+              </a:rPr>
+              <a:t>Exposes RESTful CRUD endpoints over </a:t>
+            </a:r>
+          </a:p>
+          <a:p>
+            <a:pPr marL="0" marR="0" lvl="0" indent="0" algn="l" defTabSz="914400" rtl="0" eaLnBrk="0" fontAlgn="base" latinLnBrk="0" hangingPunct="0">
+              <a:lnSpc>
+                <a:spcPct val="100000"/>
+              </a:lnSpc>
+              <a:spcBef>
+                <a:spcPct val="0"/>
+              </a:spcBef>
+              <a:spcAft>
+                <a:spcPct val="0"/>
+              </a:spcAft>
+              <a:buClrTx/>
+              <a:buSzTx/>
+              <a:buFontTx/>
+              <a:buChar char="•"/>
+              <a:tabLst/>
+            </a:pPr>
+            <a:r>
+              <a:rPr kumimoji="0" lang="en-US" altLang="en-US" sz="1800" b="1" i="0" u="none" strike="noStrike" cap="none" normalizeH="0" baseline="0" dirty="0" err="1">
+                <a:ln>
+                  <a:noFill/>
+                </a:ln>
+                <a:solidFill>
+                  <a:schemeClr val="tx1"/>
+                </a:solidFill>
+                <a:effectLst/>
+                <a:latin typeface="Arial" panose="020B0604020202020204" pitchFamily="34" charset="0"/>
+              </a:rPr>
+              <a:t>Autodesk.Members.Client</a:t>
+            </a:r>
+            <a:br>
+              <a:rPr kumimoji="0" lang="en-US" altLang="en-US" sz="1800" b="0" i="0" u="none" strike="noStrike" cap="none" normalizeH="0" baseline="0" dirty="0">
+                <a:ln>
+                  <a:noFill/>
+                </a:ln>
+                <a:solidFill>
+                  <a:schemeClr val="tx1"/>
+                </a:solidFill>
+                <a:effectLst/>
+                <a:latin typeface="Arial" panose="020B0604020202020204" pitchFamily="34" charset="0"/>
+              </a:rPr>
+            </a:br>
+            <a:r>
+              <a:rPr kumimoji="0" lang="en-US" altLang="en-US" sz="1800" b="0" i="0" u="none" strike="noStrike" cap="none" normalizeH="0" baseline="0" dirty="0">
+                <a:ln>
+                  <a:noFill/>
+                </a:ln>
+                <a:solidFill>
+                  <a:schemeClr val="tx1"/>
+                </a:solidFill>
+                <a:effectLst/>
+                <a:latin typeface="Arial" panose="020B0604020202020204" pitchFamily="34" charset="0"/>
+              </a:rPr>
+              <a:t>Blazor </a:t>
+            </a:r>
+            <a:r>
+              <a:rPr kumimoji="0" lang="en-US" altLang="en-US" sz="1800" b="0" i="0" u="none" strike="noStrike" cap="none" normalizeH="0" baseline="0" dirty="0" err="1">
+                <a:ln>
+                  <a:noFill/>
+                </a:ln>
+                <a:solidFill>
+                  <a:schemeClr val="tx1"/>
+                </a:solidFill>
+                <a:effectLst/>
+                <a:latin typeface="Arial" panose="020B0604020202020204" pitchFamily="34" charset="0"/>
+              </a:rPr>
+              <a:t>WebAssembly</a:t>
+            </a:r>
+            <a:r>
+              <a:rPr kumimoji="0" lang="en-US" altLang="en-US" sz="1800" b="0" i="0" u="none" strike="noStrike" cap="none" normalizeH="0" baseline="0" dirty="0">
+                <a:ln>
+                  <a:noFill/>
+                </a:ln>
+                <a:solidFill>
+                  <a:schemeClr val="tx1"/>
+                </a:solidFill>
+                <a:effectLst/>
+                <a:latin typeface="Arial" panose="020B0604020202020204" pitchFamily="34" charset="0"/>
+              </a:rPr>
+              <a:t> sample front-end that consumes the API.</a:t>
+            </a:r>
+          </a:p>
+          <a:p>
+            <a:pPr marL="0" marR="0" lvl="0" indent="0" algn="l" defTabSz="914400" rtl="0" eaLnBrk="0" fontAlgn="base" latinLnBrk="0" hangingPunct="0">
+              <a:lnSpc>
+                <a:spcPct val="100000"/>
+              </a:lnSpc>
+              <a:spcBef>
+                <a:spcPct val="0"/>
+              </a:spcBef>
+              <a:spcAft>
+                <a:spcPct val="0"/>
+              </a:spcAft>
+              <a:buClrTx/>
+              <a:buSzTx/>
+              <a:buFontTx/>
+              <a:buChar char="•"/>
+              <a:tabLst/>
+            </a:pPr>
+            <a:r>
+              <a:rPr kumimoji="0" lang="en-US" altLang="en-US" sz="1800" b="1" i="0" u="none" strike="noStrike" cap="none" normalizeH="0" baseline="0" dirty="0" err="1">
+                <a:ln>
+                  <a:noFill/>
+                </a:ln>
+                <a:solidFill>
+                  <a:schemeClr val="tx1"/>
+                </a:solidFill>
+                <a:effectLst/>
+                <a:latin typeface="Arial" panose="020B0604020202020204" pitchFamily="34" charset="0"/>
+              </a:rPr>
+              <a:t>Autodesk.Members.Tests</a:t>
+            </a:r>
+            <a:br>
+              <a:rPr kumimoji="0" lang="en-US" altLang="en-US" sz="1800" b="0" i="0" u="none" strike="noStrike" cap="none" normalizeH="0" baseline="0" dirty="0">
+                <a:ln>
+                  <a:noFill/>
+                </a:ln>
+                <a:solidFill>
+                  <a:schemeClr val="tx1"/>
+                </a:solidFill>
+                <a:effectLst/>
+                <a:latin typeface="Arial" panose="020B0604020202020204" pitchFamily="34" charset="0"/>
+              </a:rPr>
+            </a:br>
+            <a:r>
+              <a:rPr kumimoji="0" lang="en-US" altLang="en-US" sz="1800" b="0" i="0" u="none" strike="noStrike" cap="none" normalizeH="0" baseline="0" dirty="0" err="1">
+                <a:ln>
+                  <a:noFill/>
+                </a:ln>
+                <a:solidFill>
+                  <a:schemeClr val="tx1"/>
+                </a:solidFill>
+                <a:effectLst/>
+                <a:latin typeface="Arial" panose="020B0604020202020204" pitchFamily="34" charset="0"/>
+              </a:rPr>
+              <a:t>xUnit</a:t>
+            </a:r>
+            <a:r>
+              <a:rPr kumimoji="0" lang="en-US" altLang="en-US" sz="1800" b="0" i="0" u="none" strike="noStrike" cap="none" normalizeH="0" baseline="0" dirty="0">
+                <a:ln>
+                  <a:noFill/>
+                </a:ln>
+                <a:solidFill>
+                  <a:schemeClr val="tx1"/>
+                </a:solidFill>
+                <a:effectLst/>
+                <a:latin typeface="Arial" panose="020B0604020202020204" pitchFamily="34" charset="0"/>
+              </a:rPr>
+              <a:t> unit and integration tests covering domain logic, data access, and API.</a:t>
             </a:r>
           </a:p>
         </p:txBody>
@@ -4733,7 +4778,7 @@
     </p:spTree>
     <p:extLst>
       <p:ext uri="{BB962C8B-B14F-4D97-AF65-F5344CB8AC3E}">
-        <p14:creationId xmlns:p14="http://schemas.microsoft.com/office/powerpoint/2010/main" val="778288290"/>
+        <p14:creationId xmlns:p14="http://schemas.microsoft.com/office/powerpoint/2010/main" val="205807335"/>
       </p:ext>
     </p:extLst>
   </p:cSld>
@@ -5426,43 +5471,337 @@
       </p:sp>
       <p:sp>
         <p:nvSpPr>
-          <p:cNvPr id="3" name="Content Placeholder 2"/>
-          <p:cNvSpPr>
-            <a:spLocks noGrp="1"/>
+          <p:cNvPr id="5" name="Rectangle 2">
+            <a:extLst>
+              <a:ext uri="{FF2B5EF4-FFF2-40B4-BE49-F238E27FC236}">
+                <a16:creationId xmlns:a16="http://schemas.microsoft.com/office/drawing/2014/main" id="{A7690C0E-D3CD-48FC-820A-608C50F32991}"/>
+              </a:ext>
+            </a:extLst>
+          </p:cNvPr>
+          <p:cNvSpPr>
+            <a:spLocks noGrp="1" noChangeArrowheads="1"/>
           </p:cNvSpPr>
           <p:nvPr>
             <p:ph idx="1"/>
           </p:nvPr>
+        </p:nvSpPr>
+        <p:spPr bwMode="auto">
+          <a:xfrm>
+            <a:off x="3420425" y="688522"/>
+            <a:ext cx="5146464" cy="2308324"/>
+          </a:xfrm>
+          <a:prstGeom prst="rect">
+            <a:avLst/>
+          </a:prstGeom>
+          <a:noFill/>
+          <a:ln>
+            <a:noFill/>
+          </a:ln>
+          <a:effectLst/>
+          <a:extLst>
+            <a:ext uri="{909E8E84-426E-40DD-AFC4-6F175D3DCCD1}">
+              <a14:hiddenFill xmlns:a14="http://schemas.microsoft.com/office/drawing/2010/main">
+                <a:solidFill>
+                  <a:schemeClr val="accent1"/>
+                </a:solidFill>
+              </a14:hiddenFill>
+            </a:ext>
+            <a:ext uri="{91240B29-F687-4F45-9708-019B960494DF}">
+              <a14:hiddenLine xmlns:a14="http://schemas.microsoft.com/office/drawing/2010/main" w="9525">
+                <a:solidFill>
+                  <a:schemeClr val="tx1"/>
+                </a:solidFill>
+                <a:miter lim="800000"/>
+                <a:headEnd/>
+                <a:tailEnd/>
+              </a14:hiddenLine>
+            </a:ext>
+            <a:ext uri="{AF507438-7753-43E0-B8FC-AC1667EBCBE1}">
+              <a14:hiddenEffects xmlns:a14="http://schemas.microsoft.com/office/drawing/2010/main">
+                <a:effectLst>
+                  <a:outerShdw dist="35921" dir="2700000" algn="ctr" rotWithShape="0">
+                    <a:schemeClr val="bg2"/>
+                  </a:outerShdw>
+                </a:effectLst>
+              </a14:hiddenEffects>
+            </a:ext>
+          </a:extLst>
+        </p:spPr>
+        <p:txBody>
+          <a:bodyPr vert="horz" wrap="square" lIns="91440" tIns="45720" rIns="91440" bIns="45720" numCol="1" anchor="ctr" anchorCtr="0" compatLnSpc="1">
+            <a:prstTxWarp prst="textNoShape">
+              <a:avLst/>
+            </a:prstTxWarp>
+            <a:spAutoFit/>
+          </a:bodyPr>
+          <a:lstStyle/>
+          <a:p>
+            <a:pPr marL="0" marR="0" lvl="0" indent="0" algn="l" defTabSz="914400" rtl="0" eaLnBrk="0" fontAlgn="base" latinLnBrk="0" hangingPunct="0">
+              <a:lnSpc>
+                <a:spcPct val="100000"/>
+              </a:lnSpc>
+              <a:spcBef>
+                <a:spcPct val="0"/>
+              </a:spcBef>
+              <a:spcAft>
+                <a:spcPct val="0"/>
+              </a:spcAft>
+              <a:buClrTx/>
+              <a:buSzTx/>
+              <a:buFontTx/>
+              <a:buNone/>
+              <a:tabLst/>
+            </a:pPr>
+            <a:endParaRPr kumimoji="0" lang="en-US" altLang="en-US" sz="1800" b="0" i="0" u="none" strike="noStrike" cap="none" normalizeH="0" baseline="0" dirty="0">
+              <a:ln>
+                <a:noFill/>
+              </a:ln>
+              <a:solidFill>
+                <a:schemeClr val="tx1"/>
+              </a:solidFill>
+              <a:effectLst/>
+              <a:latin typeface="Arial" panose="020B0604020202020204" pitchFamily="34" charset="0"/>
+            </a:endParaRPr>
+          </a:p>
+          <a:p>
+            <a:pPr marL="0" marR="0" lvl="0" indent="0" algn="l" defTabSz="914400" rtl="0" eaLnBrk="0" fontAlgn="base" latinLnBrk="0" hangingPunct="0">
+              <a:lnSpc>
+                <a:spcPct val="100000"/>
+              </a:lnSpc>
+              <a:spcBef>
+                <a:spcPct val="0"/>
+              </a:spcBef>
+              <a:spcAft>
+                <a:spcPct val="0"/>
+              </a:spcAft>
+              <a:buClrTx/>
+              <a:buSzTx/>
+              <a:buFontTx/>
+              <a:buChar char="•"/>
+              <a:tabLst/>
+            </a:pPr>
+            <a:r>
+              <a:rPr kumimoji="0" lang="en-US" altLang="en-US" sz="1800" b="1" i="0" u="none" strike="noStrike" cap="none" normalizeH="0" baseline="0" dirty="0" err="1">
+                <a:ln>
+                  <a:noFill/>
+                </a:ln>
+                <a:solidFill>
+                  <a:schemeClr val="tx1"/>
+                </a:solidFill>
+                <a:effectLst/>
+                <a:latin typeface="Arial" panose="020B0604020202020204" pitchFamily="34" charset="0"/>
+              </a:rPr>
+              <a:t>IIdentifiable</a:t>
+            </a:r>
+            <a:br>
+              <a:rPr kumimoji="0" lang="en-US" altLang="en-US" sz="1800" b="0" i="0" u="none" strike="noStrike" cap="none" normalizeH="0" baseline="0" dirty="0">
+                <a:ln>
+                  <a:noFill/>
+                </a:ln>
+                <a:solidFill>
+                  <a:schemeClr val="tx1"/>
+                </a:solidFill>
+                <a:effectLst/>
+                <a:latin typeface="Arial" panose="020B0604020202020204" pitchFamily="34" charset="0"/>
+              </a:rPr>
+            </a:br>
+            <a:r>
+              <a:rPr kumimoji="0" lang="en-US" altLang="en-US" sz="1800" b="0" i="0" u="none" strike="noStrike" cap="none" normalizeH="0" baseline="0" dirty="0">
+                <a:ln>
+                  <a:noFill/>
+                </a:ln>
+                <a:solidFill>
+                  <a:schemeClr val="tx1"/>
+                </a:solidFill>
+                <a:effectLst/>
+                <a:latin typeface="Arial" panose="020B0604020202020204" pitchFamily="34" charset="0"/>
+              </a:rPr>
+              <a:t>Ensures every entity has a read-only.</a:t>
+            </a:r>
+          </a:p>
+          <a:p>
+            <a:pPr marL="0" marR="0" lvl="0" indent="0" algn="l" defTabSz="914400" rtl="0" eaLnBrk="0" fontAlgn="base" latinLnBrk="0" hangingPunct="0">
+              <a:lnSpc>
+                <a:spcPct val="100000"/>
+              </a:lnSpc>
+              <a:spcBef>
+                <a:spcPct val="0"/>
+              </a:spcBef>
+              <a:spcAft>
+                <a:spcPct val="0"/>
+              </a:spcAft>
+              <a:buClrTx/>
+              <a:buSzTx/>
+              <a:buFontTx/>
+              <a:buChar char="•"/>
+              <a:tabLst/>
+            </a:pPr>
+            <a:r>
+              <a:rPr kumimoji="0" lang="en-US" altLang="en-US" sz="1800" b="1" i="0" u="none" strike="noStrike" cap="none" normalizeH="0" baseline="0" dirty="0" err="1">
+                <a:ln>
+                  <a:noFill/>
+                </a:ln>
+                <a:solidFill>
+                  <a:schemeClr val="tx1"/>
+                </a:solidFill>
+                <a:effectLst/>
+                <a:latin typeface="Arial" panose="020B0604020202020204" pitchFamily="34" charset="0"/>
+              </a:rPr>
+              <a:t>IActivatable</a:t>
+            </a:r>
+            <a:br>
+              <a:rPr kumimoji="0" lang="en-US" altLang="en-US" sz="1800" b="0" i="0" u="none" strike="noStrike" cap="none" normalizeH="0" baseline="0" dirty="0">
+                <a:ln>
+                  <a:noFill/>
+                </a:ln>
+                <a:solidFill>
+                  <a:schemeClr val="tx1"/>
+                </a:solidFill>
+                <a:effectLst/>
+                <a:latin typeface="Arial" panose="020B0604020202020204" pitchFamily="34" charset="0"/>
+              </a:rPr>
+            </a:br>
+            <a:r>
+              <a:rPr kumimoji="0" lang="en-US" altLang="en-US" sz="1800" b="0" i="0" u="none" strike="noStrike" cap="none" normalizeH="0" baseline="0" dirty="0">
+                <a:ln>
+                  <a:noFill/>
+                </a:ln>
+                <a:solidFill>
+                  <a:schemeClr val="tx1"/>
+                </a:solidFill>
+                <a:effectLst/>
+                <a:latin typeface="Arial" panose="020B0604020202020204" pitchFamily="34" charset="0"/>
+              </a:rPr>
+              <a:t>Ensures every can be activable.</a:t>
+            </a:r>
+          </a:p>
+          <a:p>
+            <a:pPr marL="0" marR="0" lvl="0" indent="0" algn="l" defTabSz="914400" rtl="0" eaLnBrk="0" fontAlgn="base" latinLnBrk="0" hangingPunct="0">
+              <a:lnSpc>
+                <a:spcPct val="100000"/>
+              </a:lnSpc>
+              <a:spcBef>
+                <a:spcPct val="0"/>
+              </a:spcBef>
+              <a:spcAft>
+                <a:spcPct val="0"/>
+              </a:spcAft>
+              <a:buClrTx/>
+              <a:buSzTx/>
+              <a:buFontTx/>
+              <a:buChar char="•"/>
+              <a:tabLst/>
+            </a:pPr>
+            <a:r>
+              <a:rPr kumimoji="0" lang="en-US" altLang="en-US" sz="1800" b="1" i="0" u="none" strike="noStrike" cap="none" normalizeH="0" baseline="0" dirty="0" err="1">
+                <a:ln>
+                  <a:noFill/>
+                </a:ln>
+                <a:solidFill>
+                  <a:schemeClr val="tx1"/>
+                </a:solidFill>
+                <a:effectLst/>
+                <a:latin typeface="Arial" panose="020B0604020202020204" pitchFamily="34" charset="0"/>
+              </a:rPr>
+              <a:t>IEntity</a:t>
+            </a:r>
+            <a:br>
+              <a:rPr kumimoji="0" lang="en-US" altLang="en-US" sz="1800" b="0" i="0" u="none" strike="noStrike" cap="none" normalizeH="0" baseline="0" dirty="0">
+                <a:ln>
+                  <a:noFill/>
+                </a:ln>
+                <a:solidFill>
+                  <a:schemeClr val="tx1"/>
+                </a:solidFill>
+                <a:effectLst/>
+                <a:latin typeface="Arial" panose="020B0604020202020204" pitchFamily="34" charset="0"/>
+              </a:rPr>
+            </a:br>
+            <a:r>
+              <a:rPr kumimoji="0" lang="en-US" altLang="en-US" sz="1800" b="0" i="0" u="none" strike="noStrike" cap="none" normalizeH="0" baseline="0" dirty="0">
+                <a:ln>
+                  <a:noFill/>
+                </a:ln>
+                <a:solidFill>
+                  <a:schemeClr val="tx1"/>
+                </a:solidFill>
+                <a:effectLst/>
+                <a:latin typeface="Arial" panose="020B0604020202020204" pitchFamily="34" charset="0"/>
+              </a:rPr>
+              <a:t>Inherits both, serving as the base for all domain entities.</a:t>
+            </a:r>
+          </a:p>
+        </p:txBody>
+      </p:sp>
+      <p:sp>
+        <p:nvSpPr>
+          <p:cNvPr id="7" name="TextBox 6">
+            <a:extLst>
+              <a:ext uri="{FF2B5EF4-FFF2-40B4-BE49-F238E27FC236}">
+                <a16:creationId xmlns:a16="http://schemas.microsoft.com/office/drawing/2014/main" id="{B421C1D5-A708-C611-1557-9C78B4B8700B}"/>
+              </a:ext>
+            </a:extLst>
+          </p:cNvPr>
+          <p:cNvSpPr txBox="1"/>
+          <p:nvPr/>
         </p:nvSpPr>
         <p:spPr>
           <a:xfrm>
-            <a:off x="3607694" y="649480"/>
-            <a:ext cx="4916510" cy="5546047"/>
+            <a:off x="3168632" y="3330296"/>
+            <a:ext cx="5874833" cy="1569660"/>
           </a:xfrm>
+          <a:prstGeom prst="rect">
+            <a:avLst/>
+          </a:prstGeom>
+          <a:noFill/>
         </p:spPr>
         <p:txBody>
-          <a:bodyPr anchor="ctr">
-            <a:normAutofit/>
+          <a:bodyPr wrap="square">
+            <a:spAutoFit/>
           </a:bodyPr>
           <a:lstStyle/>
           <a:p>
-            <a:r>
-              <a:rPr lang="en-CA" sz="1700"/>
-              <a:t>IIdentifiable: string Id { get; } – Unique identifier for entities</a:t>
-            </a:r>
-          </a:p>
-          <a:p>
-            <a:pPr lvl="1"/>
-            <a:r>
-              <a:rPr lang="en-CA" sz="1700"/>
-              <a:t>IActivatable: bool Active { get; set; } – Toggle entity activation state</a:t>
-            </a:r>
-          </a:p>
-          <a:p>
-            <a:pPr lvl="1"/>
-            <a:r>
-              <a:rPr lang="en-CA" sz="1700"/>
-              <a:t>IEntity: Combines IIdentifiable + IActivatable</a:t>
+            <a:pPr marL="0" marR="0" lvl="0" indent="0" algn="l" defTabSz="914400" rtl="0" eaLnBrk="0" fontAlgn="base" latinLnBrk="0" hangingPunct="0">
+              <a:lnSpc>
+                <a:spcPct val="100000"/>
+              </a:lnSpc>
+              <a:spcBef>
+                <a:spcPct val="0"/>
+              </a:spcBef>
+              <a:spcAft>
+                <a:spcPct val="0"/>
+              </a:spcAft>
+              <a:buClrTx/>
+              <a:buSzTx/>
+              <a:buFontTx/>
+              <a:buNone/>
+              <a:tabLst/>
+            </a:pPr>
+            <a:r>
+              <a:rPr kumimoji="0" lang="en-US" altLang="en-US" sz="3200" b="0" i="1" u="none" strike="noStrike" cap="none" normalizeH="0" baseline="0" dirty="0">
+                <a:ln>
+                  <a:noFill/>
+                </a:ln>
+                <a:solidFill>
+                  <a:schemeClr val="tx1"/>
+                </a:solidFill>
+                <a:effectLst/>
+                <a:latin typeface="Arial" panose="020B0604020202020204" pitchFamily="34" charset="0"/>
+              </a:rPr>
+              <a:t>Benefit:</a:t>
+            </a:r>
+            <a:r>
+              <a:rPr kumimoji="0" lang="en-US" altLang="en-US" sz="3200" b="0" i="0" u="none" strike="noStrike" cap="none" normalizeH="0" baseline="0" dirty="0">
+                <a:ln>
+                  <a:noFill/>
+                </a:ln>
+                <a:solidFill>
+                  <a:schemeClr val="tx1"/>
+                </a:solidFill>
+                <a:effectLst/>
+                <a:latin typeface="Arial" panose="020B0604020202020204" pitchFamily="34" charset="0"/>
+              </a:rPr>
+              <a:t> Standardizes identity and lifecycle across your models.</a:t>
             </a:r>
           </a:p>
         </p:txBody>
@@ -5476,6 +5815,542 @@
 </file>
 
 <file path=ppt/slides/slide5.xml><?xml version="1.0" encoding="utf-8"?>
+<p:sld xmlns:a="http://schemas.openxmlformats.org/drawingml/2006/main" xmlns:r="http://schemas.openxmlformats.org/officeDocument/2006/relationships" xmlns:p="http://schemas.openxmlformats.org/presentationml/2006/main">
+  <p:cSld>
+    <p:bg>
+      <p:bgPr>
+        <a:solidFill>
+          <a:schemeClr val="bg1"/>
+        </a:solidFill>
+        <a:effectLst/>
+      </p:bgPr>
+    </p:bg>
+    <p:spTree>
+      <p:nvGrpSpPr>
+        <p:cNvPr id="1" name="">
+          <a:extLst>
+            <a:ext uri="{FF2B5EF4-FFF2-40B4-BE49-F238E27FC236}">
+              <a16:creationId xmlns:a16="http://schemas.microsoft.com/office/drawing/2014/main" id="{08BBFEB9-B96E-FDD2-C0F5-E3B695CF92F9}"/>
+            </a:ext>
+          </a:extLst>
+        </p:cNvPr>
+        <p:cNvGrpSpPr/>
+        <p:nvPr/>
+      </p:nvGrpSpPr>
+      <p:grpSpPr>
+        <a:xfrm>
+          <a:off x="0" y="0"/>
+          <a:ext cx="0" cy="0"/>
+          <a:chOff x="0" y="0"/>
+          <a:chExt cx="0" cy="0"/>
+        </a:xfrm>
+      </p:grpSpPr>
+      <p:sp useBgFill="1">
+        <p:nvSpPr>
+          <p:cNvPr id="8" name="Rectangle 7">
+            <a:extLst>
+              <a:ext uri="{FF2B5EF4-FFF2-40B4-BE49-F238E27FC236}">
+                <a16:creationId xmlns:a16="http://schemas.microsoft.com/office/drawing/2014/main" id="{1B15ED52-F352-441B-82BF-E0EA34836D08}"/>
+              </a:ext>
+              <a:ext uri="{C183D7F6-B498-43B3-948B-1728B52AA6E4}">
+                <adec:decorative xmlns:adec="http://schemas.microsoft.com/office/drawing/2017/decorative" val="1"/>
+              </a:ext>
+            </a:extLst>
+          </p:cNvPr>
+          <p:cNvSpPr>
+            <a:spLocks noGrp="1" noRot="1" noChangeAspect="1" noMove="1" noResize="1" noEditPoints="1" noAdjustHandles="1" noChangeArrowheads="1" noChangeShapeType="1" noTextEdit="1"/>
+          </p:cNvSpPr>
+          <p:nvPr>
+            <p:extLst>
+              <p:ext uri="{386F3935-93C4-4BCD-93E2-E3B085C9AB24}">
+                <p16:designElem xmlns:p16="http://schemas.microsoft.com/office/powerpoint/2015/main" val="1"/>
+              </p:ext>
+            </p:extLst>
+          </p:nvPr>
+        </p:nvSpPr>
+        <p:spPr>
+          <a:xfrm>
+            <a:off x="0" y="0"/>
+            <a:ext cx="9144000" cy="6858000"/>
+          </a:xfrm>
+          <a:prstGeom prst="rect">
+            <a:avLst/>
+          </a:prstGeom>
+          <a:ln w="12700" cap="flat" cmpd="sng" algn="ctr">
+            <a:noFill/>
+            <a:prstDash val="solid"/>
+            <a:miter lim="800000"/>
+          </a:ln>
+          <a:effectLst/>
+          <a:extLst>
+            <a:ext uri="{91240B29-F687-4F45-9708-019B960494DF}">
+              <a14:hiddenLine xmlns:a14="http://schemas.microsoft.com/office/drawing/2010/main" w="12700" cap="flat" cmpd="sng" algn="ctr">
+                <a:solidFill>
+                  <a:schemeClr val="accent1">
+                    <a:shade val="50000"/>
+                  </a:schemeClr>
+                </a:solidFill>
+                <a:prstDash val="solid"/>
+                <a:miter lim="800000"/>
+              </a14:hiddenLine>
+            </a:ext>
+          </a:extLst>
+        </p:spPr>
+        <p:style>
+          <a:lnRef idx="2">
+            <a:schemeClr val="accent1">
+              <a:shade val="50000"/>
+            </a:schemeClr>
+          </a:lnRef>
+          <a:fillRef idx="1">
+            <a:schemeClr val="accent1"/>
+          </a:fillRef>
+          <a:effectRef idx="0">
+            <a:schemeClr val="accent1"/>
+          </a:effectRef>
+          <a:fontRef idx="minor">
+            <a:schemeClr val="lt1"/>
+          </a:fontRef>
+        </p:style>
+        <p:txBody>
+          <a:bodyPr rtlCol="0" anchor="ctr"/>
+          <a:lstStyle/>
+          <a:p>
+            <a:pPr algn="ctr"/>
+            <a:endParaRPr lang="en-US"/>
+          </a:p>
+        </p:txBody>
+      </p:sp>
+      <p:sp>
+        <p:nvSpPr>
+          <p:cNvPr id="10" name="Rectangle 9">
+            <a:extLst>
+              <a:ext uri="{FF2B5EF4-FFF2-40B4-BE49-F238E27FC236}">
+                <a16:creationId xmlns:a16="http://schemas.microsoft.com/office/drawing/2014/main" id="{3B2E3793-BFE6-45A2-9B7B-E18844431C99}"/>
+              </a:ext>
+              <a:ext uri="{C183D7F6-B498-43B3-948B-1728B52AA6E4}">
+                <adec:decorative xmlns:adec="http://schemas.microsoft.com/office/drawing/2017/decorative" val="1"/>
+              </a:ext>
+            </a:extLst>
+          </p:cNvPr>
+          <p:cNvSpPr>
+            <a:spLocks noGrp="1" noRot="1" noChangeAspect="1" noMove="1" noResize="1" noEditPoints="1" noAdjustHandles="1" noChangeArrowheads="1" noChangeShapeType="1" noTextEdit="1"/>
+          </p:cNvSpPr>
+          <p:nvPr>
+            <p:extLst>
+              <p:ext uri="{386F3935-93C4-4BCD-93E2-E3B085C9AB24}">
+                <p16:designElem xmlns:p16="http://schemas.microsoft.com/office/powerpoint/2015/main" val="1"/>
+              </p:ext>
+            </p:extLst>
+          </p:nvPr>
+        </p:nvSpPr>
+        <p:spPr>
+          <a:xfrm flipH="1">
+            <a:off x="0" y="-1"/>
+            <a:ext cx="9143997" cy="1590742"/>
+          </a:xfrm>
+          <a:prstGeom prst="rect">
+            <a:avLst/>
+          </a:prstGeom>
+          <a:gradFill>
+            <a:gsLst>
+              <a:gs pos="0">
+                <a:srgbClr val="000000"/>
+              </a:gs>
+              <a:gs pos="100000">
+                <a:schemeClr val="accent1">
+                  <a:lumMod val="75000"/>
+                </a:schemeClr>
+              </a:gs>
+            </a:gsLst>
+            <a:lin ang="8400000" scaled="0"/>
+          </a:gradFill>
+          <a:ln>
+            <a:noFill/>
+          </a:ln>
+        </p:spPr>
+        <p:style>
+          <a:lnRef idx="2">
+            <a:schemeClr val="accent1">
+              <a:shade val="50000"/>
+            </a:schemeClr>
+          </a:lnRef>
+          <a:fillRef idx="1">
+            <a:schemeClr val="accent1"/>
+          </a:fillRef>
+          <a:effectRef idx="0">
+            <a:schemeClr val="accent1"/>
+          </a:effectRef>
+          <a:fontRef idx="minor">
+            <a:schemeClr val="lt1"/>
+          </a:fontRef>
+        </p:style>
+        <p:txBody>
+          <a:bodyPr rtlCol="0" anchor="ctr"/>
+          <a:lstStyle/>
+          <a:p>
+            <a:pPr algn="ctr"/>
+            <a:endParaRPr lang="en-US"/>
+          </a:p>
+        </p:txBody>
+      </p:sp>
+      <p:sp>
+        <p:nvSpPr>
+          <p:cNvPr id="12" name="Rectangle 11">
+            <a:extLst>
+              <a:ext uri="{FF2B5EF4-FFF2-40B4-BE49-F238E27FC236}">
+                <a16:creationId xmlns:a16="http://schemas.microsoft.com/office/drawing/2014/main" id="{BC4C4868-CB8F-4AF9-9CDB-8108F2C19B67}"/>
+              </a:ext>
+              <a:ext uri="{C183D7F6-B498-43B3-948B-1728B52AA6E4}">
+                <adec:decorative xmlns:adec="http://schemas.microsoft.com/office/drawing/2017/decorative" val="1"/>
+              </a:ext>
+            </a:extLst>
+          </p:cNvPr>
+          <p:cNvSpPr>
+            <a:spLocks noGrp="1" noRot="1" noChangeAspect="1" noMove="1" noResize="1" noEditPoints="1" noAdjustHandles="1" noChangeArrowheads="1" noChangeShapeType="1" noTextEdit="1"/>
+          </p:cNvSpPr>
+          <p:nvPr>
+            <p:extLst>
+              <p:ext uri="{386F3935-93C4-4BCD-93E2-E3B085C9AB24}">
+                <p16:designElem xmlns:p16="http://schemas.microsoft.com/office/powerpoint/2015/main" val="1"/>
+              </p:ext>
+            </p:extLst>
+          </p:nvPr>
+        </p:nvSpPr>
+        <p:spPr>
+          <a:xfrm rot="10800000" flipH="1">
+            <a:off x="-2" y="0"/>
+            <a:ext cx="6086479" cy="1590742"/>
+          </a:xfrm>
+          <a:prstGeom prst="rect">
+            <a:avLst/>
+          </a:prstGeom>
+          <a:gradFill>
+            <a:gsLst>
+              <a:gs pos="20000">
+                <a:schemeClr val="accent1">
+                  <a:alpha val="0"/>
+                </a:schemeClr>
+              </a:gs>
+              <a:gs pos="100000">
+                <a:schemeClr val="accent1">
+                  <a:lumMod val="50000"/>
+                  <a:alpha val="55000"/>
+                </a:schemeClr>
+              </a:gs>
+            </a:gsLst>
+            <a:lin ang="13800000" scaled="0"/>
+          </a:gradFill>
+          <a:ln>
+            <a:noFill/>
+          </a:ln>
+        </p:spPr>
+        <p:style>
+          <a:lnRef idx="2">
+            <a:schemeClr val="accent1">
+              <a:shade val="50000"/>
+            </a:schemeClr>
+          </a:lnRef>
+          <a:fillRef idx="1">
+            <a:schemeClr val="accent1"/>
+          </a:fillRef>
+          <a:effectRef idx="0">
+            <a:schemeClr val="accent1"/>
+          </a:effectRef>
+          <a:fontRef idx="minor">
+            <a:schemeClr val="lt1"/>
+          </a:fontRef>
+        </p:style>
+        <p:txBody>
+          <a:bodyPr rtlCol="0" anchor="ctr"/>
+          <a:lstStyle/>
+          <a:p>
+            <a:pPr algn="ctr"/>
+            <a:endParaRPr lang="en-US"/>
+          </a:p>
+        </p:txBody>
+      </p:sp>
+      <p:sp>
+        <p:nvSpPr>
+          <p:cNvPr id="14" name="Rectangle 13">
+            <a:extLst>
+              <a:ext uri="{FF2B5EF4-FFF2-40B4-BE49-F238E27FC236}">
+                <a16:creationId xmlns:a16="http://schemas.microsoft.com/office/drawing/2014/main" id="{375E0459-6403-40CD-989D-56A4407CA12E}"/>
+              </a:ext>
+              <a:ext uri="{C183D7F6-B498-43B3-948B-1728B52AA6E4}">
+                <adec:decorative xmlns:adec="http://schemas.microsoft.com/office/drawing/2017/decorative" val="1"/>
+              </a:ext>
+            </a:extLst>
+          </p:cNvPr>
+          <p:cNvSpPr>
+            <a:spLocks noGrp="1" noRot="1" noChangeAspect="1" noMove="1" noResize="1" noEditPoints="1" noAdjustHandles="1" noChangeArrowheads="1" noChangeShapeType="1" noTextEdit="1"/>
+          </p:cNvSpPr>
+          <p:nvPr>
+            <p:extLst>
+              <p:ext uri="{386F3935-93C4-4BCD-93E2-E3B085C9AB24}">
+                <p16:designElem xmlns:p16="http://schemas.microsoft.com/office/powerpoint/2015/main" val="1"/>
+              </p:ext>
+            </p:extLst>
+          </p:nvPr>
+        </p:nvSpPr>
+        <p:spPr>
+          <a:xfrm flipH="1">
+            <a:off x="6086474" y="-1"/>
+            <a:ext cx="3057523" cy="1590742"/>
+          </a:xfrm>
+          <a:prstGeom prst="rect">
+            <a:avLst/>
+          </a:prstGeom>
+          <a:gradFill>
+            <a:gsLst>
+              <a:gs pos="0">
+                <a:schemeClr val="accent1">
+                  <a:alpha val="66000"/>
+                </a:schemeClr>
+              </a:gs>
+              <a:gs pos="100000">
+                <a:srgbClr val="000000">
+                  <a:alpha val="30000"/>
+                </a:srgbClr>
+              </a:gs>
+            </a:gsLst>
+            <a:lin ang="13200000" scaled="0"/>
+          </a:gradFill>
+          <a:ln>
+            <a:noFill/>
+          </a:ln>
+        </p:spPr>
+        <p:style>
+          <a:lnRef idx="2">
+            <a:schemeClr val="accent1">
+              <a:shade val="50000"/>
+            </a:schemeClr>
+          </a:lnRef>
+          <a:fillRef idx="1">
+            <a:schemeClr val="accent1"/>
+          </a:fillRef>
+          <a:effectRef idx="0">
+            <a:schemeClr val="accent1"/>
+          </a:effectRef>
+          <a:fontRef idx="minor">
+            <a:schemeClr val="lt1"/>
+          </a:fontRef>
+        </p:style>
+        <p:txBody>
+          <a:bodyPr rtlCol="0" anchor="ctr"/>
+          <a:lstStyle/>
+          <a:p>
+            <a:pPr algn="ctr"/>
+            <a:endParaRPr lang="en-US"/>
+          </a:p>
+        </p:txBody>
+      </p:sp>
+      <p:sp>
+        <p:nvSpPr>
+          <p:cNvPr id="16" name="Rectangle 15">
+            <a:extLst>
+              <a:ext uri="{FF2B5EF4-FFF2-40B4-BE49-F238E27FC236}">
+                <a16:creationId xmlns:a16="http://schemas.microsoft.com/office/drawing/2014/main" id="{53E5B1A8-3AC9-4BD1-9BBC-78CA94F2D1BA}"/>
+              </a:ext>
+              <a:ext uri="{C183D7F6-B498-43B3-948B-1728B52AA6E4}">
+                <adec:decorative xmlns:adec="http://schemas.microsoft.com/office/drawing/2017/decorative" val="1"/>
+              </a:ext>
+            </a:extLst>
+          </p:cNvPr>
+          <p:cNvSpPr>
+            <a:spLocks noGrp="1" noRot="1" noChangeAspect="1" noMove="1" noResize="1" noEditPoints="1" noAdjustHandles="1" noChangeArrowheads="1" noChangeShapeType="1" noTextEdit="1"/>
+          </p:cNvSpPr>
+          <p:nvPr>
+            <p:extLst>
+              <p:ext uri="{386F3935-93C4-4BCD-93E2-E3B085C9AB24}">
+                <p16:designElem xmlns:p16="http://schemas.microsoft.com/office/powerpoint/2015/main" val="1"/>
+              </p:ext>
+            </p:extLst>
+          </p:nvPr>
+        </p:nvSpPr>
+        <p:spPr>
+          <a:xfrm>
+            <a:off x="344512" y="-1"/>
+            <a:ext cx="8799485" cy="1597433"/>
+          </a:xfrm>
+          <a:prstGeom prst="rect">
+            <a:avLst/>
+          </a:prstGeom>
+          <a:gradFill>
+            <a:gsLst>
+              <a:gs pos="50000">
+                <a:srgbClr val="000000">
+                  <a:alpha val="0"/>
+                </a:srgbClr>
+              </a:gs>
+              <a:gs pos="99000">
+                <a:schemeClr val="accent1">
+                  <a:lumMod val="50000"/>
+                  <a:alpha val="52000"/>
+                </a:schemeClr>
+              </a:gs>
+            </a:gsLst>
+            <a:lin ang="16800000" scaled="0"/>
+          </a:gradFill>
+          <a:ln>
+            <a:noFill/>
+          </a:ln>
+        </p:spPr>
+        <p:style>
+          <a:lnRef idx="2">
+            <a:schemeClr val="accent1">
+              <a:shade val="50000"/>
+            </a:schemeClr>
+          </a:lnRef>
+          <a:fillRef idx="1">
+            <a:schemeClr val="accent1"/>
+          </a:fillRef>
+          <a:effectRef idx="0">
+            <a:schemeClr val="accent1"/>
+          </a:effectRef>
+          <a:fontRef idx="minor">
+            <a:schemeClr val="lt1"/>
+          </a:fontRef>
+        </p:style>
+        <p:txBody>
+          <a:bodyPr rtlCol="0" anchor="ctr"/>
+          <a:lstStyle/>
+          <a:p>
+            <a:pPr algn="ctr"/>
+            <a:endParaRPr lang="en-US"/>
+          </a:p>
+        </p:txBody>
+      </p:sp>
+      <p:sp>
+        <p:nvSpPr>
+          <p:cNvPr id="2" name="Title 1">
+            <a:extLst>
+              <a:ext uri="{FF2B5EF4-FFF2-40B4-BE49-F238E27FC236}">
+                <a16:creationId xmlns:a16="http://schemas.microsoft.com/office/drawing/2014/main" id="{4C2E59CA-67ED-07F2-95EB-91A3ABE29178}"/>
+              </a:ext>
+            </a:extLst>
+          </p:cNvPr>
+          <p:cNvSpPr>
+            <a:spLocks noGrp="1"/>
+          </p:cNvSpPr>
+          <p:nvPr>
+            <p:ph type="title"/>
+          </p:nvPr>
+        </p:nvSpPr>
+        <p:spPr>
+          <a:xfrm>
+            <a:off x="1028699" y="294538"/>
+            <a:ext cx="7421963" cy="1033669"/>
+          </a:xfrm>
+        </p:spPr>
+        <p:txBody>
+          <a:bodyPr>
+            <a:normAutofit/>
+          </a:bodyPr>
+          <a:lstStyle/>
+          <a:p>
+            <a:r>
+              <a:rPr lang="en-CA" sz="3500">
+                <a:solidFill>
+                  <a:srgbClr val="FFFFFF"/>
+                </a:solidFill>
+              </a:rPr>
+              <a:t>Solution Structure</a:t>
+            </a:r>
+          </a:p>
+        </p:txBody>
+      </p:sp>
+      <p:sp>
+        <p:nvSpPr>
+          <p:cNvPr id="3" name="Content Placeholder 2">
+            <a:extLst>
+              <a:ext uri="{FF2B5EF4-FFF2-40B4-BE49-F238E27FC236}">
+                <a16:creationId xmlns:a16="http://schemas.microsoft.com/office/drawing/2014/main" id="{F02EA632-7E52-F933-5658-93F01F9A6AC8}"/>
+              </a:ext>
+            </a:extLst>
+          </p:cNvPr>
+          <p:cNvSpPr>
+            <a:spLocks noGrp="1"/>
+          </p:cNvSpPr>
+          <p:nvPr>
+            <p:ph idx="1"/>
+          </p:nvPr>
+        </p:nvSpPr>
+        <p:spPr>
+          <a:xfrm>
+            <a:off x="1028699" y="2318197"/>
+            <a:ext cx="7293023" cy="3683358"/>
+          </a:xfrm>
+        </p:spPr>
+        <p:txBody>
+          <a:bodyPr anchor="ctr">
+            <a:normAutofit/>
+          </a:bodyPr>
+          <a:lstStyle/>
+          <a:p>
+            <a:r>
+              <a:rPr lang="en-CA" sz="1700"/>
+              <a:t>Autodesk.MembersPlatform.sln – Root solution coordinating all projects</a:t>
+            </a:r>
+          </a:p>
+          <a:p>
+            <a:pPr lvl="1"/>
+            <a:r>
+              <a:rPr lang="en-CA" sz="1700"/>
+              <a:t>Domain.Interfaces.Entity – Abstractions (IIdentifiable, IActivatable, IEntity)</a:t>
+            </a:r>
+          </a:p>
+          <a:p>
+            <a:pPr lvl="1"/>
+            <a:r>
+              <a:rPr lang="en-CA" sz="1700"/>
+              <a:t>Autodesk.Members.Api – ASP.NET Core Web API (CRUD endpoints)</a:t>
+            </a:r>
+          </a:p>
+          <a:p>
+            <a:pPr lvl="1"/>
+            <a:r>
+              <a:rPr lang="en-CA" sz="1700"/>
+              <a:t>Autodesk.Members.Core – Domain logic and business rules</a:t>
+            </a:r>
+          </a:p>
+          <a:p>
+            <a:pPr lvl="1"/>
+            <a:r>
+              <a:rPr lang="en-CA" sz="1700"/>
+              <a:t>Autodesk.Members.Infrastructure – EF Core + SQLite (data access)</a:t>
+            </a:r>
+          </a:p>
+          <a:p>
+            <a:pPr lvl="1"/>
+            <a:r>
+              <a:rPr lang="en-CA" sz="1700"/>
+              <a:t>Autodesk.Members.Client – Blazor WebAssembly UI (sample consumer)</a:t>
+            </a:r>
+          </a:p>
+          <a:p>
+            <a:pPr lvl="1"/>
+            <a:r>
+              <a:rPr lang="en-CA" sz="1700"/>
+              <a:t>Autodesk.Members.Tests – xUnit unit &amp; integration tests</a:t>
+            </a:r>
+          </a:p>
+        </p:txBody>
+      </p:sp>
+    </p:spTree>
+    <p:extLst>
+      <p:ext uri="{BB962C8B-B14F-4D97-AF65-F5344CB8AC3E}">
+        <p14:creationId xmlns:p14="http://schemas.microsoft.com/office/powerpoint/2010/main" val="778288290"/>
+      </p:ext>
+    </p:extLst>
+  </p:cSld>
+  <p:clrMapOvr>
+    <a:masterClrMapping/>
+  </p:clrMapOvr>
+</p:sld>
+</file>
+
+<file path=ppt/slides/slide6.xml><?xml version="1.0" encoding="utf-8"?>
 <p:sld xmlns:a="http://schemas.openxmlformats.org/drawingml/2006/main" xmlns:r="http://schemas.openxmlformats.org/officeDocument/2006/relationships" xmlns:p="http://schemas.openxmlformats.org/presentationml/2006/main">
   <p:cSld>
     <p:bg>

--- a/Autodesk_MembersPlatform_Architecture.pptx
+++ b/Autodesk_MembersPlatform_Architecture.pptx
@@ -7,10 +7,6 @@
   <p:sldIdLst>
     <p:sldId id="256" r:id="rId2"/>
     <p:sldId id="257" r:id="rId3"/>
-    <p:sldId id="261" r:id="rId4"/>
-    <p:sldId id="258" r:id="rId5"/>
-    <p:sldId id="260" r:id="rId6"/>
-    <p:sldId id="259" r:id="rId7"/>
   </p:sldIdLst>
   <p:sldSz cx="9144000" cy="6858000" type="screen4x3"/>
   <p:notesSz cx="6858000" cy="9144000"/>
@@ -307,7 +303,7 @@
           <a:p>
             <a:fld id="{5BCAD085-E8A6-8845-BD4E-CB4CCA059FC4}" type="datetimeFigureOut">
               <a:rPr lang="en-US" smtClean="0"/>
-              <a:t>5/7/2025</a:t>
+              <a:t>5/13/2025</a:t>
             </a:fld>
             <a:endParaRPr lang="en-US"/>
           </a:p>
@@ -475,7 +471,7 @@
           <a:p>
             <a:fld id="{5BCAD085-E8A6-8845-BD4E-CB4CCA059FC4}" type="datetimeFigureOut">
               <a:rPr lang="en-US" smtClean="0"/>
-              <a:t>5/7/2025</a:t>
+              <a:t>5/13/2025</a:t>
             </a:fld>
             <a:endParaRPr lang="en-US"/>
           </a:p>
@@ -653,7 +649,7 @@
           <a:p>
             <a:fld id="{5BCAD085-E8A6-8845-BD4E-CB4CCA059FC4}" type="datetimeFigureOut">
               <a:rPr lang="en-US" smtClean="0"/>
-              <a:t>5/7/2025</a:t>
+              <a:t>5/13/2025</a:t>
             </a:fld>
             <a:endParaRPr lang="en-US"/>
           </a:p>
@@ -821,7 +817,7 @@
           <a:p>
             <a:fld id="{5BCAD085-E8A6-8845-BD4E-CB4CCA059FC4}" type="datetimeFigureOut">
               <a:rPr lang="en-US" smtClean="0"/>
-              <a:t>5/7/2025</a:t>
+              <a:t>5/13/2025</a:t>
             </a:fld>
             <a:endParaRPr lang="en-US"/>
           </a:p>
@@ -1066,7 +1062,7 @@
           <a:p>
             <a:fld id="{5BCAD085-E8A6-8845-BD4E-CB4CCA059FC4}" type="datetimeFigureOut">
               <a:rPr lang="en-US" smtClean="0"/>
-              <a:t>5/7/2025</a:t>
+              <a:t>5/13/2025</a:t>
             </a:fld>
             <a:endParaRPr lang="en-US"/>
           </a:p>
@@ -1351,7 +1347,7 @@
           <a:p>
             <a:fld id="{5BCAD085-E8A6-8845-BD4E-CB4CCA059FC4}" type="datetimeFigureOut">
               <a:rPr lang="en-US" smtClean="0"/>
-              <a:t>5/7/2025</a:t>
+              <a:t>5/13/2025</a:t>
             </a:fld>
             <a:endParaRPr lang="en-US"/>
           </a:p>
@@ -1770,7 +1766,7 @@
           <a:p>
             <a:fld id="{5BCAD085-E8A6-8845-BD4E-CB4CCA059FC4}" type="datetimeFigureOut">
               <a:rPr lang="en-US" smtClean="0"/>
-              <a:t>5/7/2025</a:t>
+              <a:t>5/13/2025</a:t>
             </a:fld>
             <a:endParaRPr lang="en-US"/>
           </a:p>
@@ -1887,7 +1883,7 @@
           <a:p>
             <a:fld id="{5BCAD085-E8A6-8845-BD4E-CB4CCA059FC4}" type="datetimeFigureOut">
               <a:rPr lang="en-US" smtClean="0"/>
-              <a:t>5/7/2025</a:t>
+              <a:t>5/13/2025</a:t>
             </a:fld>
             <a:endParaRPr lang="en-US"/>
           </a:p>
@@ -1982,7 +1978,7 @@
           <a:p>
             <a:fld id="{5BCAD085-E8A6-8845-BD4E-CB4CCA059FC4}" type="datetimeFigureOut">
               <a:rPr lang="en-US" smtClean="0"/>
-              <a:t>5/7/2025</a:t>
+              <a:t>5/13/2025</a:t>
             </a:fld>
             <a:endParaRPr lang="en-US"/>
           </a:p>
@@ -2257,7 +2253,7 @@
           <a:p>
             <a:fld id="{5BCAD085-E8A6-8845-BD4E-CB4CCA059FC4}" type="datetimeFigureOut">
               <a:rPr lang="en-US" smtClean="0"/>
-              <a:t>5/7/2025</a:t>
+              <a:t>5/13/2025</a:t>
             </a:fld>
             <a:endParaRPr lang="en-US"/>
           </a:p>
@@ -2509,7 +2505,7 @@
           <a:p>
             <a:fld id="{5BCAD085-E8A6-8845-BD4E-CB4CCA059FC4}" type="datetimeFigureOut">
               <a:rPr lang="en-US" smtClean="0"/>
-              <a:t>5/7/2025</a:t>
+              <a:t>5/13/2025</a:t>
             </a:fld>
             <a:endParaRPr lang="en-US"/>
           </a:p>
@@ -2720,7 +2716,7 @@
           <a:p>
             <a:fld id="{5BCAD085-E8A6-8845-BD4E-CB4CCA059FC4}" type="datetimeFigureOut">
               <a:rPr lang="en-US" smtClean="0"/>
-              <a:t>5/7/2025</a:t>
+              <a:t>5/13/2025</a:t>
             </a:fld>
             <a:endParaRPr lang="en-US"/>
           </a:p>
@@ -3623,70 +3619,6 @@
           </a:p>
         </p:txBody>
       </p:sp>
-      <p:sp>
-        <p:nvSpPr>
-          <p:cNvPr id="2" name="Title 1"/>
-          <p:cNvSpPr>
-            <a:spLocks noGrp="1"/>
-          </p:cNvSpPr>
-          <p:nvPr>
-            <p:ph type="ctrTitle"/>
-          </p:nvPr>
-        </p:nvSpPr>
-        <p:spPr>
-          <a:xfrm>
-            <a:off x="986118" y="735106"/>
-            <a:ext cx="7540322" cy="2928470"/>
-          </a:xfrm>
-        </p:spPr>
-        <p:txBody>
-          <a:bodyPr anchor="b">
-            <a:normAutofit/>
-          </a:bodyPr>
-          <a:lstStyle/>
-          <a:p>
-            <a:pPr algn="l"/>
-            <a:r>
-              <a:rPr lang="en-CA" sz="4200">
-                <a:solidFill>
-                  <a:srgbClr val="FFFFFF"/>
-                </a:solidFill>
-              </a:rPr>
-              <a:t>Autodesk.MembersPlatform Architecture</a:t>
-            </a:r>
-          </a:p>
-        </p:txBody>
-      </p:sp>
-      <p:sp>
-        <p:nvSpPr>
-          <p:cNvPr id="3" name="Subtitle 2"/>
-          <p:cNvSpPr>
-            <a:spLocks noGrp="1"/>
-          </p:cNvSpPr>
-          <p:nvPr>
-            <p:ph type="subTitle" idx="1"/>
-          </p:nvPr>
-        </p:nvSpPr>
-        <p:spPr>
-          <a:xfrm>
-            <a:off x="1013011" y="4870824"/>
-            <a:ext cx="7504463" cy="1458258"/>
-          </a:xfrm>
-        </p:spPr>
-        <p:txBody>
-          <a:bodyPr anchor="ctr">
-            <a:normAutofit/>
-          </a:bodyPr>
-          <a:lstStyle/>
-          <a:p>
-            <a:pPr algn="l"/>
-            <a:r>
-              <a:rPr lang="en-CA"/>
-              <a:t>Modular, .NET 9.0 solution for member management</a:t>
-            </a:r>
-          </a:p>
-        </p:txBody>
-      </p:sp>
     </p:spTree>
   </p:cSld>
   <p:clrMapOvr>
@@ -3698,562 +3630,12 @@
 <file path=ppt/slides/slide2.xml><?xml version="1.0" encoding="utf-8"?>
 <p:sld xmlns:a="http://schemas.openxmlformats.org/drawingml/2006/main" xmlns:r="http://schemas.openxmlformats.org/officeDocument/2006/relationships" xmlns:p="http://schemas.openxmlformats.org/presentationml/2006/main">
   <p:cSld>
-    <p:bg>
-      <p:bgPr>
-        <a:solidFill>
-          <a:schemeClr val="bg1"/>
-        </a:solidFill>
-        <a:effectLst/>
-      </p:bgPr>
-    </p:bg>
-    <p:spTree>
-      <p:nvGrpSpPr>
-        <p:cNvPr id="1" name=""/>
-        <p:cNvGrpSpPr/>
-        <p:nvPr/>
-      </p:nvGrpSpPr>
-      <p:grpSpPr>
-        <a:xfrm>
-          <a:off x="0" y="0"/>
-          <a:ext cx="0" cy="0"/>
-          <a:chOff x="0" y="0"/>
-          <a:chExt cx="0" cy="0"/>
-        </a:xfrm>
-      </p:grpSpPr>
-      <p:sp useBgFill="1">
-        <p:nvSpPr>
-          <p:cNvPr id="8" name="Rectangle 7">
-            <a:extLst>
-              <a:ext uri="{FF2B5EF4-FFF2-40B4-BE49-F238E27FC236}">
-                <a16:creationId xmlns:a16="http://schemas.microsoft.com/office/drawing/2014/main" id="{1B15ED52-F352-441B-82BF-E0EA34836D08}"/>
-              </a:ext>
-              <a:ext uri="{C183D7F6-B498-43B3-948B-1728B52AA6E4}">
-                <adec:decorative xmlns:adec="http://schemas.microsoft.com/office/drawing/2017/decorative" val="1"/>
-              </a:ext>
-            </a:extLst>
-          </p:cNvPr>
-          <p:cNvSpPr>
-            <a:spLocks noGrp="1" noRot="1" noChangeAspect="1" noMove="1" noResize="1" noEditPoints="1" noAdjustHandles="1" noChangeArrowheads="1" noChangeShapeType="1" noTextEdit="1"/>
-          </p:cNvSpPr>
-          <p:nvPr>
-            <p:extLst>
-              <p:ext uri="{386F3935-93C4-4BCD-93E2-E3B085C9AB24}">
-                <p16:designElem xmlns:p16="http://schemas.microsoft.com/office/powerpoint/2015/main" val="1"/>
-              </p:ext>
-            </p:extLst>
-          </p:nvPr>
-        </p:nvSpPr>
-        <p:spPr>
-          <a:xfrm>
-            <a:off x="0" y="0"/>
-            <a:ext cx="9144000" cy="6858000"/>
-          </a:xfrm>
-          <a:prstGeom prst="rect">
-            <a:avLst/>
-          </a:prstGeom>
-          <a:ln w="12700" cap="flat" cmpd="sng" algn="ctr">
-            <a:noFill/>
-            <a:prstDash val="solid"/>
-            <a:miter lim="800000"/>
-          </a:ln>
-          <a:effectLst/>
-          <a:extLst>
-            <a:ext uri="{91240B29-F687-4F45-9708-019B960494DF}">
-              <a14:hiddenLine xmlns:a14="http://schemas.microsoft.com/office/drawing/2010/main" w="12700" cap="flat" cmpd="sng" algn="ctr">
-                <a:solidFill>
-                  <a:schemeClr val="accent1">
-                    <a:shade val="50000"/>
-                  </a:schemeClr>
-                </a:solidFill>
-                <a:prstDash val="solid"/>
-                <a:miter lim="800000"/>
-              </a14:hiddenLine>
-            </a:ext>
-          </a:extLst>
-        </p:spPr>
-        <p:style>
-          <a:lnRef idx="2">
-            <a:schemeClr val="accent1">
-              <a:shade val="50000"/>
-            </a:schemeClr>
-          </a:lnRef>
-          <a:fillRef idx="1">
-            <a:schemeClr val="accent1"/>
-          </a:fillRef>
-          <a:effectRef idx="0">
-            <a:schemeClr val="accent1"/>
-          </a:effectRef>
-          <a:fontRef idx="minor">
-            <a:schemeClr val="lt1"/>
-          </a:fontRef>
-        </p:style>
-        <p:txBody>
-          <a:bodyPr rtlCol="0" anchor="ctr"/>
-          <a:lstStyle/>
-          <a:p>
-            <a:pPr algn="ctr"/>
-            <a:endParaRPr lang="en-US"/>
-          </a:p>
-        </p:txBody>
-      </p:sp>
-      <p:sp>
-        <p:nvSpPr>
-          <p:cNvPr id="10" name="Rectangle 9">
-            <a:extLst>
-              <a:ext uri="{FF2B5EF4-FFF2-40B4-BE49-F238E27FC236}">
-                <a16:creationId xmlns:a16="http://schemas.microsoft.com/office/drawing/2014/main" id="{3B2E3793-BFE6-45A2-9B7B-E18844431C99}"/>
-              </a:ext>
-              <a:ext uri="{C183D7F6-B498-43B3-948B-1728B52AA6E4}">
-                <adec:decorative xmlns:adec="http://schemas.microsoft.com/office/drawing/2017/decorative" val="1"/>
-              </a:ext>
-            </a:extLst>
-          </p:cNvPr>
-          <p:cNvSpPr>
-            <a:spLocks noGrp="1" noRot="1" noChangeAspect="1" noMove="1" noResize="1" noEditPoints="1" noAdjustHandles="1" noChangeArrowheads="1" noChangeShapeType="1" noTextEdit="1"/>
-          </p:cNvSpPr>
-          <p:nvPr>
-            <p:extLst>
-              <p:ext uri="{386F3935-93C4-4BCD-93E2-E3B085C9AB24}">
-                <p16:designElem xmlns:p16="http://schemas.microsoft.com/office/powerpoint/2015/main" val="1"/>
-              </p:ext>
-            </p:extLst>
-          </p:nvPr>
-        </p:nvSpPr>
-        <p:spPr>
-          <a:xfrm flipH="1">
-            <a:off x="0" y="-1"/>
-            <a:ext cx="9143997" cy="1590742"/>
-          </a:xfrm>
-          <a:prstGeom prst="rect">
-            <a:avLst/>
-          </a:prstGeom>
-          <a:gradFill>
-            <a:gsLst>
-              <a:gs pos="0">
-                <a:srgbClr val="000000"/>
-              </a:gs>
-              <a:gs pos="100000">
-                <a:schemeClr val="accent1">
-                  <a:lumMod val="75000"/>
-                </a:schemeClr>
-              </a:gs>
-            </a:gsLst>
-            <a:lin ang="8400000" scaled="0"/>
-          </a:gradFill>
-          <a:ln>
-            <a:noFill/>
-          </a:ln>
-        </p:spPr>
-        <p:style>
-          <a:lnRef idx="2">
-            <a:schemeClr val="accent1">
-              <a:shade val="50000"/>
-            </a:schemeClr>
-          </a:lnRef>
-          <a:fillRef idx="1">
-            <a:schemeClr val="accent1"/>
-          </a:fillRef>
-          <a:effectRef idx="0">
-            <a:schemeClr val="accent1"/>
-          </a:effectRef>
-          <a:fontRef idx="minor">
-            <a:schemeClr val="lt1"/>
-          </a:fontRef>
-        </p:style>
-        <p:txBody>
-          <a:bodyPr rtlCol="0" anchor="ctr"/>
-          <a:lstStyle/>
-          <a:p>
-            <a:pPr algn="ctr"/>
-            <a:endParaRPr lang="en-US"/>
-          </a:p>
-        </p:txBody>
-      </p:sp>
-      <p:sp>
-        <p:nvSpPr>
-          <p:cNvPr id="12" name="Rectangle 11">
-            <a:extLst>
-              <a:ext uri="{FF2B5EF4-FFF2-40B4-BE49-F238E27FC236}">
-                <a16:creationId xmlns:a16="http://schemas.microsoft.com/office/drawing/2014/main" id="{BC4C4868-CB8F-4AF9-9CDB-8108F2C19B67}"/>
-              </a:ext>
-              <a:ext uri="{C183D7F6-B498-43B3-948B-1728B52AA6E4}">
-                <adec:decorative xmlns:adec="http://schemas.microsoft.com/office/drawing/2017/decorative" val="1"/>
-              </a:ext>
-            </a:extLst>
-          </p:cNvPr>
-          <p:cNvSpPr>
-            <a:spLocks noGrp="1" noRot="1" noChangeAspect="1" noMove="1" noResize="1" noEditPoints="1" noAdjustHandles="1" noChangeArrowheads="1" noChangeShapeType="1" noTextEdit="1"/>
-          </p:cNvSpPr>
-          <p:nvPr>
-            <p:extLst>
-              <p:ext uri="{386F3935-93C4-4BCD-93E2-E3B085C9AB24}">
-                <p16:designElem xmlns:p16="http://schemas.microsoft.com/office/powerpoint/2015/main" val="1"/>
-              </p:ext>
-            </p:extLst>
-          </p:nvPr>
-        </p:nvSpPr>
-        <p:spPr>
-          <a:xfrm rot="10800000" flipH="1">
-            <a:off x="-2" y="0"/>
-            <a:ext cx="6086479" cy="1590742"/>
-          </a:xfrm>
-          <a:prstGeom prst="rect">
-            <a:avLst/>
-          </a:prstGeom>
-          <a:gradFill>
-            <a:gsLst>
-              <a:gs pos="20000">
-                <a:schemeClr val="accent1">
-                  <a:alpha val="0"/>
-                </a:schemeClr>
-              </a:gs>
-              <a:gs pos="100000">
-                <a:schemeClr val="accent1">
-                  <a:lumMod val="50000"/>
-                  <a:alpha val="55000"/>
-                </a:schemeClr>
-              </a:gs>
-            </a:gsLst>
-            <a:lin ang="13800000" scaled="0"/>
-          </a:gradFill>
-          <a:ln>
-            <a:noFill/>
-          </a:ln>
-        </p:spPr>
-        <p:style>
-          <a:lnRef idx="2">
-            <a:schemeClr val="accent1">
-              <a:shade val="50000"/>
-            </a:schemeClr>
-          </a:lnRef>
-          <a:fillRef idx="1">
-            <a:schemeClr val="accent1"/>
-          </a:fillRef>
-          <a:effectRef idx="0">
-            <a:schemeClr val="accent1"/>
-          </a:effectRef>
-          <a:fontRef idx="minor">
-            <a:schemeClr val="lt1"/>
-          </a:fontRef>
-        </p:style>
-        <p:txBody>
-          <a:bodyPr rtlCol="0" anchor="ctr"/>
-          <a:lstStyle/>
-          <a:p>
-            <a:pPr algn="ctr"/>
-            <a:endParaRPr lang="en-US"/>
-          </a:p>
-        </p:txBody>
-      </p:sp>
-      <p:sp>
-        <p:nvSpPr>
-          <p:cNvPr id="14" name="Rectangle 13">
-            <a:extLst>
-              <a:ext uri="{FF2B5EF4-FFF2-40B4-BE49-F238E27FC236}">
-                <a16:creationId xmlns:a16="http://schemas.microsoft.com/office/drawing/2014/main" id="{375E0459-6403-40CD-989D-56A4407CA12E}"/>
-              </a:ext>
-              <a:ext uri="{C183D7F6-B498-43B3-948B-1728B52AA6E4}">
-                <adec:decorative xmlns:adec="http://schemas.microsoft.com/office/drawing/2017/decorative" val="1"/>
-              </a:ext>
-            </a:extLst>
-          </p:cNvPr>
-          <p:cNvSpPr>
-            <a:spLocks noGrp="1" noRot="1" noChangeAspect="1" noMove="1" noResize="1" noEditPoints="1" noAdjustHandles="1" noChangeArrowheads="1" noChangeShapeType="1" noTextEdit="1"/>
-          </p:cNvSpPr>
-          <p:nvPr>
-            <p:extLst>
-              <p:ext uri="{386F3935-93C4-4BCD-93E2-E3B085C9AB24}">
-                <p16:designElem xmlns:p16="http://schemas.microsoft.com/office/powerpoint/2015/main" val="1"/>
-              </p:ext>
-            </p:extLst>
-          </p:nvPr>
-        </p:nvSpPr>
-        <p:spPr>
-          <a:xfrm flipH="1">
-            <a:off x="6086474" y="-1"/>
-            <a:ext cx="3057523" cy="1590742"/>
-          </a:xfrm>
-          <a:prstGeom prst="rect">
-            <a:avLst/>
-          </a:prstGeom>
-          <a:gradFill>
-            <a:gsLst>
-              <a:gs pos="0">
-                <a:schemeClr val="accent1">
-                  <a:alpha val="66000"/>
-                </a:schemeClr>
-              </a:gs>
-              <a:gs pos="100000">
-                <a:srgbClr val="000000">
-                  <a:alpha val="30000"/>
-                </a:srgbClr>
-              </a:gs>
-            </a:gsLst>
-            <a:lin ang="13200000" scaled="0"/>
-          </a:gradFill>
-          <a:ln>
-            <a:noFill/>
-          </a:ln>
-        </p:spPr>
-        <p:style>
-          <a:lnRef idx="2">
-            <a:schemeClr val="accent1">
-              <a:shade val="50000"/>
-            </a:schemeClr>
-          </a:lnRef>
-          <a:fillRef idx="1">
-            <a:schemeClr val="accent1"/>
-          </a:fillRef>
-          <a:effectRef idx="0">
-            <a:schemeClr val="accent1"/>
-          </a:effectRef>
-          <a:fontRef idx="minor">
-            <a:schemeClr val="lt1"/>
-          </a:fontRef>
-        </p:style>
-        <p:txBody>
-          <a:bodyPr rtlCol="0" anchor="ctr"/>
-          <a:lstStyle/>
-          <a:p>
-            <a:pPr algn="ctr"/>
-            <a:endParaRPr lang="en-US"/>
-          </a:p>
-        </p:txBody>
-      </p:sp>
-      <p:sp>
-        <p:nvSpPr>
-          <p:cNvPr id="16" name="Rectangle 15">
-            <a:extLst>
-              <a:ext uri="{FF2B5EF4-FFF2-40B4-BE49-F238E27FC236}">
-                <a16:creationId xmlns:a16="http://schemas.microsoft.com/office/drawing/2014/main" id="{53E5B1A8-3AC9-4BD1-9BBC-78CA94F2D1BA}"/>
-              </a:ext>
-              <a:ext uri="{C183D7F6-B498-43B3-948B-1728B52AA6E4}">
-                <adec:decorative xmlns:adec="http://schemas.microsoft.com/office/drawing/2017/decorative" val="1"/>
-              </a:ext>
-            </a:extLst>
-          </p:cNvPr>
-          <p:cNvSpPr>
-            <a:spLocks noGrp="1" noRot="1" noChangeAspect="1" noMove="1" noResize="1" noEditPoints="1" noAdjustHandles="1" noChangeArrowheads="1" noChangeShapeType="1" noTextEdit="1"/>
-          </p:cNvSpPr>
-          <p:nvPr>
-            <p:extLst>
-              <p:ext uri="{386F3935-93C4-4BCD-93E2-E3B085C9AB24}">
-                <p16:designElem xmlns:p16="http://schemas.microsoft.com/office/powerpoint/2015/main" val="1"/>
-              </p:ext>
-            </p:extLst>
-          </p:nvPr>
-        </p:nvSpPr>
-        <p:spPr>
-          <a:xfrm>
-            <a:off x="344512" y="-1"/>
-            <a:ext cx="8799485" cy="1597433"/>
-          </a:xfrm>
-          <a:prstGeom prst="rect">
-            <a:avLst/>
-          </a:prstGeom>
-          <a:gradFill>
-            <a:gsLst>
-              <a:gs pos="50000">
-                <a:srgbClr val="000000">
-                  <a:alpha val="0"/>
-                </a:srgbClr>
-              </a:gs>
-              <a:gs pos="99000">
-                <a:schemeClr val="accent1">
-                  <a:lumMod val="50000"/>
-                  <a:alpha val="52000"/>
-                </a:schemeClr>
-              </a:gs>
-            </a:gsLst>
-            <a:lin ang="16800000" scaled="0"/>
-          </a:gradFill>
-          <a:ln>
-            <a:noFill/>
-          </a:ln>
-        </p:spPr>
-        <p:style>
-          <a:lnRef idx="2">
-            <a:schemeClr val="accent1">
-              <a:shade val="50000"/>
-            </a:schemeClr>
-          </a:lnRef>
-          <a:fillRef idx="1">
-            <a:schemeClr val="accent1"/>
-          </a:fillRef>
-          <a:effectRef idx="0">
-            <a:schemeClr val="accent1"/>
-          </a:effectRef>
-          <a:fontRef idx="minor">
-            <a:schemeClr val="lt1"/>
-          </a:fontRef>
-        </p:style>
-        <p:txBody>
-          <a:bodyPr rtlCol="0" anchor="ctr"/>
-          <a:lstStyle/>
-          <a:p>
-            <a:pPr algn="ctr"/>
-            <a:endParaRPr lang="en-US"/>
-          </a:p>
-        </p:txBody>
-      </p:sp>
-      <p:sp>
-        <p:nvSpPr>
-          <p:cNvPr id="2" name="Title 1"/>
-          <p:cNvSpPr>
-            <a:spLocks noGrp="1"/>
-          </p:cNvSpPr>
-          <p:nvPr>
-            <p:ph type="title"/>
-          </p:nvPr>
-        </p:nvSpPr>
-        <p:spPr>
-          <a:xfrm>
-            <a:off x="1028699" y="294538"/>
-            <a:ext cx="7421963" cy="1033669"/>
-          </a:xfrm>
-        </p:spPr>
-        <p:txBody>
-          <a:bodyPr>
-            <a:normAutofit/>
-          </a:bodyPr>
-          <a:lstStyle/>
-          <a:p>
-            <a:r>
-              <a:rPr lang="en-CA" sz="3500">
-                <a:solidFill>
-                  <a:srgbClr val="FFFFFF"/>
-                </a:solidFill>
-              </a:rPr>
-              <a:t>Solution Structure</a:t>
-            </a:r>
-          </a:p>
-        </p:txBody>
-      </p:sp>
-      <p:sp>
-        <p:nvSpPr>
-          <p:cNvPr id="5" name="Rectangle 2">
-            <a:extLst>
-              <a:ext uri="{FF2B5EF4-FFF2-40B4-BE49-F238E27FC236}">
-                <a16:creationId xmlns:a16="http://schemas.microsoft.com/office/drawing/2014/main" id="{CB9C19AA-5755-5767-8012-27F6122D4FC9}"/>
-              </a:ext>
-            </a:extLst>
-          </p:cNvPr>
-          <p:cNvSpPr>
-            <a:spLocks noGrp="1" noChangeArrowheads="1"/>
-          </p:cNvSpPr>
-          <p:nvPr>
-            <p:ph idx="1"/>
-          </p:nvPr>
-        </p:nvSpPr>
-        <p:spPr bwMode="auto">
-          <a:xfrm>
-            <a:off x="684488" y="3792655"/>
-            <a:ext cx="7775023" cy="600164"/>
-          </a:xfrm>
-          <a:prstGeom prst="rect">
-            <a:avLst/>
-          </a:prstGeom>
-          <a:noFill/>
-          <a:ln>
-            <a:noFill/>
-          </a:ln>
-          <a:effectLst/>
-          <a:extLst>
-            <a:ext uri="{909E8E84-426E-40DD-AFC4-6F175D3DCCD1}">
-              <a14:hiddenFill xmlns:a14="http://schemas.microsoft.com/office/drawing/2010/main">
-                <a:solidFill>
-                  <a:schemeClr val="accent1"/>
-                </a:solidFill>
-              </a14:hiddenFill>
-            </a:ext>
-            <a:ext uri="{91240B29-F687-4F45-9708-019B960494DF}">
-              <a14:hiddenLine xmlns:a14="http://schemas.microsoft.com/office/drawing/2010/main" w="9525">
-                <a:solidFill>
-                  <a:schemeClr val="tx1"/>
-                </a:solidFill>
-                <a:miter lim="800000"/>
-                <a:headEnd/>
-                <a:tailEnd/>
-              </a14:hiddenLine>
-            </a:ext>
-            <a:ext uri="{AF507438-7753-43E0-B8FC-AC1667EBCBE1}">
-              <a14:hiddenEffects xmlns:a14="http://schemas.microsoft.com/office/drawing/2010/main">
-                <a:effectLst>
-                  <a:outerShdw dist="35921" dir="2700000" algn="ctr" rotWithShape="0">
-                    <a:schemeClr val="bg2"/>
-                  </a:outerShdw>
-                </a:effectLst>
-              </a14:hiddenEffects>
-            </a:ext>
-          </a:extLst>
-        </p:spPr>
-        <p:txBody>
-          <a:bodyPr vert="horz" wrap="square" lIns="91440" tIns="45720" rIns="91440" bIns="45720" numCol="1" anchor="ctr" anchorCtr="0" compatLnSpc="1">
-            <a:prstTxWarp prst="textNoShape">
-              <a:avLst/>
-            </a:prstTxWarp>
-            <a:spAutoFit/>
-          </a:bodyPr>
-          <a:lstStyle/>
-          <a:p>
-            <a:pPr marL="0" marR="0" lvl="0" indent="0" algn="l" defTabSz="914400" rtl="0" eaLnBrk="0" fontAlgn="base" latinLnBrk="0" hangingPunct="0">
-              <a:lnSpc>
-                <a:spcPct val="100000"/>
-              </a:lnSpc>
-              <a:spcBef>
-                <a:spcPct val="0"/>
-              </a:spcBef>
-              <a:spcAft>
-                <a:spcPct val="0"/>
-              </a:spcAft>
-              <a:buClrTx/>
-              <a:buSzTx/>
-              <a:buFontTx/>
-              <a:buChar char="•"/>
-              <a:tabLst/>
-            </a:pPr>
-            <a:r>
-              <a:rPr lang="en-US" sz="1100" dirty="0"/>
-              <a:t>The domain outlines the general characteristics for defining an entity, ensuring that every entity is identifiable and can be activated or deactivated. A single class called </a:t>
-            </a:r>
-            <a:r>
-              <a:rPr lang="en-US" sz="1100" b="1" dirty="0"/>
-              <a:t>Entity</a:t>
-            </a:r>
-            <a:r>
-              <a:rPr lang="en-US" sz="1100" dirty="0"/>
-              <a:t> is created to make it clear that all entities will have at least one identifier (ID) and the ability to be activated or deactivated, enabling a logical (soft) delete instead of a physical one.</a:t>
-            </a:r>
-            <a:endParaRPr kumimoji="0" lang="en-US" altLang="en-US" sz="1800" b="0" i="0" u="none" strike="noStrike" cap="none" normalizeH="0" baseline="0" dirty="0">
-              <a:ln>
-                <a:noFill/>
-              </a:ln>
-              <a:solidFill>
-                <a:schemeClr val="tx1"/>
-              </a:solidFill>
-              <a:effectLst/>
-              <a:latin typeface="Arial" panose="020B0604020202020204" pitchFamily="34" charset="0"/>
-            </a:endParaRPr>
-          </a:p>
-        </p:txBody>
-      </p:sp>
-    </p:spTree>
-  </p:cSld>
-  <p:clrMapOvr>
-    <a:masterClrMapping/>
-  </p:clrMapOvr>
-</p:sld>
-</file>
-
-<file path=ppt/slides/slide3.xml><?xml version="1.0" encoding="utf-8"?>
-<p:sld xmlns:a="http://schemas.openxmlformats.org/drawingml/2006/main" xmlns:r="http://schemas.openxmlformats.org/officeDocument/2006/relationships" xmlns:p="http://schemas.openxmlformats.org/presentationml/2006/main">
-  <p:cSld>
     <p:spTree>
       <p:nvGrpSpPr>
         <p:cNvPr id="1" name="">
           <a:extLst>
             <a:ext uri="{FF2B5EF4-FFF2-40B4-BE49-F238E27FC236}">
-              <a16:creationId xmlns:a16="http://schemas.microsoft.com/office/drawing/2014/main" id="{4BA363D4-8744-13AE-FF59-449E266B6E2F}"/>
+              <a16:creationId xmlns:a16="http://schemas.microsoft.com/office/drawing/2014/main" id="{1765CE6A-D0FA-441C-2AD5-78A674F640B3}"/>
             </a:ext>
           </a:extLst>
         </p:cNvPr>
@@ -4270,610 +3652,56 @@
       </p:grpSpPr>
       <p:sp>
         <p:nvSpPr>
-          <p:cNvPr id="2" name="Title 1">
+          <p:cNvPr id="4" name="Rectangle 3">
             <a:extLst>
               <a:ext uri="{FF2B5EF4-FFF2-40B4-BE49-F238E27FC236}">
-                <a16:creationId xmlns:a16="http://schemas.microsoft.com/office/drawing/2014/main" id="{E33AB8A5-16FA-6F13-E999-220180C15DB8}"/>
+                <a16:creationId xmlns:a16="http://schemas.microsoft.com/office/drawing/2014/main" id="{B311E445-9DD4-F579-A527-A9EC728371B2}"/>
               </a:ext>
             </a:extLst>
           </p:cNvPr>
-          <p:cNvSpPr>
-            <a:spLocks noGrp="1"/>
-          </p:cNvSpPr>
-          <p:nvPr>
-            <p:ph type="title"/>
-          </p:nvPr>
+          <p:cNvSpPr/>
+          <p:nvPr/>
         </p:nvSpPr>
         <p:spPr>
           <a:xfrm>
-            <a:off x="1028699" y="294538"/>
-            <a:ext cx="7421963" cy="1033669"/>
-          </a:xfrm>
-        </p:spPr>
-        <p:txBody>
-          <a:bodyPr>
-            <a:normAutofit/>
-          </a:bodyPr>
-          <a:lstStyle/>
-          <a:p>
-            <a:r>
-              <a:rPr lang="en-CA" sz="3500">
-                <a:solidFill>
-                  <a:srgbClr val="FFFFFF"/>
-                </a:solidFill>
-              </a:rPr>
-              <a:t>Solution Structure</a:t>
-            </a:r>
-          </a:p>
-        </p:txBody>
-      </p:sp>
-      <p:sp>
-        <p:nvSpPr>
-          <p:cNvPr id="5" name="Rectangle 2">
-            <a:extLst>
-              <a:ext uri="{FF2B5EF4-FFF2-40B4-BE49-F238E27FC236}">
-                <a16:creationId xmlns:a16="http://schemas.microsoft.com/office/drawing/2014/main" id="{D061539A-8493-1B8E-3592-A4D57065C88F}"/>
-              </a:ext>
-            </a:extLst>
-          </p:cNvPr>
-          <p:cNvSpPr>
-            <a:spLocks noGrp="1" noChangeArrowheads="1"/>
-          </p:cNvSpPr>
-          <p:nvPr>
-            <p:ph idx="1"/>
-          </p:nvPr>
-        </p:nvSpPr>
-        <p:spPr bwMode="auto">
-          <a:xfrm>
-            <a:off x="684488" y="2107578"/>
-            <a:ext cx="7775023" cy="3970318"/>
+            <a:off x="-6" y="-22694"/>
+            <a:ext cx="9144005" cy="6880693"/>
           </a:xfrm>
           <a:prstGeom prst="rect">
             <a:avLst/>
           </a:prstGeom>
-          <a:noFill/>
-          <a:ln>
-            <a:noFill/>
-          </a:ln>
-          <a:effectLst/>
-          <a:extLst>
-            <a:ext uri="{909E8E84-426E-40DD-AFC4-6F175D3DCCD1}">
-              <a14:hiddenFill xmlns:a14="http://schemas.microsoft.com/office/drawing/2010/main">
-                <a:solidFill>
-                  <a:schemeClr val="accent1"/>
-                </a:solidFill>
-              </a14:hiddenFill>
-            </a:ext>
-            <a:ext uri="{91240B29-F687-4F45-9708-019B960494DF}">
-              <a14:hiddenLine xmlns:a14="http://schemas.microsoft.com/office/drawing/2010/main" w="9525">
-                <a:solidFill>
-                  <a:schemeClr val="tx1"/>
-                </a:solidFill>
-                <a:miter lim="800000"/>
-                <a:headEnd/>
-                <a:tailEnd/>
-              </a14:hiddenLine>
-            </a:ext>
-            <a:ext uri="{AF507438-7753-43E0-B8FC-AC1667EBCBE1}">
-              <a14:hiddenEffects xmlns:a14="http://schemas.microsoft.com/office/drawing/2010/main">
-                <a:effectLst>
-                  <a:outerShdw dist="35921" dir="2700000" algn="ctr" rotWithShape="0">
-                    <a:schemeClr val="bg2"/>
-                  </a:outerShdw>
-                </a:effectLst>
-              </a14:hiddenEffects>
-            </a:ext>
-          </a:extLst>
-        </p:spPr>
-        <p:txBody>
-          <a:bodyPr vert="horz" wrap="square" lIns="91440" tIns="45720" rIns="91440" bIns="45720" numCol="1" anchor="ctr" anchorCtr="0" compatLnSpc="1">
-            <a:prstTxWarp prst="textNoShape">
-              <a:avLst/>
-            </a:prstTxWarp>
-            <a:spAutoFit/>
-          </a:bodyPr>
-          <a:lstStyle/>
-          <a:p>
-            <a:pPr marL="0" marR="0" lvl="0" indent="0" algn="l" defTabSz="914400" rtl="0" eaLnBrk="0" fontAlgn="base" latinLnBrk="0" hangingPunct="0">
-              <a:lnSpc>
-                <a:spcPct val="100000"/>
-              </a:lnSpc>
-              <a:spcBef>
-                <a:spcPct val="0"/>
-              </a:spcBef>
-              <a:spcAft>
-                <a:spcPct val="0"/>
-              </a:spcAft>
-              <a:buClrTx/>
-              <a:buSzTx/>
-              <a:buFontTx/>
-              <a:buChar char="•"/>
-              <a:tabLst/>
-            </a:pPr>
-            <a:r>
-              <a:rPr kumimoji="0" lang="en-US" altLang="en-US" sz="1800" b="1" i="0" u="none" strike="noStrike" cap="none" normalizeH="0" baseline="0" dirty="0">
-                <a:ln>
-                  <a:noFill/>
-                </a:ln>
-                <a:solidFill>
-                  <a:schemeClr val="tx1"/>
-                </a:solidFill>
-                <a:effectLst/>
-                <a:latin typeface="Arial" panose="020B0604020202020204" pitchFamily="34" charset="0"/>
-              </a:rPr>
-              <a:t>Autodesk.MembersPlatform.sln</a:t>
-            </a:r>
-            <a:br>
-              <a:rPr kumimoji="0" lang="en-US" altLang="en-US" sz="1800" b="0" i="0" u="none" strike="noStrike" cap="none" normalizeH="0" baseline="0" dirty="0">
-                <a:ln>
-                  <a:noFill/>
-                </a:ln>
-                <a:solidFill>
-                  <a:schemeClr val="tx1"/>
-                </a:solidFill>
-                <a:effectLst/>
-                <a:latin typeface="Arial" panose="020B0604020202020204" pitchFamily="34" charset="0"/>
-              </a:rPr>
-            </a:br>
-            <a:r>
-              <a:rPr kumimoji="0" lang="en-US" altLang="en-US" sz="1800" b="0" i="0" u="none" strike="noStrike" cap="none" normalizeH="0" baseline="0" dirty="0">
-                <a:ln>
-                  <a:noFill/>
-                </a:ln>
-                <a:solidFill>
-                  <a:schemeClr val="tx1"/>
-                </a:solidFill>
-                <a:effectLst/>
-                <a:latin typeface="Arial" panose="020B0604020202020204" pitchFamily="34" charset="0"/>
-              </a:rPr>
-              <a:t>Orchestrates all projects in one Visual Studio solution.</a:t>
-            </a:r>
-          </a:p>
-          <a:p>
-            <a:pPr marL="0" marR="0" lvl="0" indent="0" algn="l" defTabSz="914400" rtl="0" eaLnBrk="0" fontAlgn="base" latinLnBrk="0" hangingPunct="0">
-              <a:lnSpc>
-                <a:spcPct val="100000"/>
-              </a:lnSpc>
-              <a:spcBef>
-                <a:spcPct val="0"/>
-              </a:spcBef>
-              <a:spcAft>
-                <a:spcPct val="0"/>
-              </a:spcAft>
-              <a:buClrTx/>
-              <a:buSzTx/>
-              <a:buFontTx/>
-              <a:buChar char="•"/>
-              <a:tabLst/>
-            </a:pPr>
-            <a:r>
-              <a:rPr kumimoji="0" lang="en-US" altLang="en-US" sz="1800" b="1" i="0" u="none" strike="noStrike" cap="none" normalizeH="0" baseline="0" dirty="0" err="1">
-                <a:ln>
-                  <a:noFill/>
-                </a:ln>
-                <a:solidFill>
-                  <a:schemeClr val="tx1"/>
-                </a:solidFill>
-                <a:effectLst/>
-                <a:latin typeface="Arial" panose="020B0604020202020204" pitchFamily="34" charset="0"/>
-              </a:rPr>
-              <a:t>Domain.Interfaces.Entity</a:t>
-            </a:r>
-            <a:br>
-              <a:rPr kumimoji="0" lang="en-US" altLang="en-US" sz="1800" b="0" i="0" u="none" strike="noStrike" cap="none" normalizeH="0" baseline="0" dirty="0">
-                <a:ln>
-                  <a:noFill/>
-                </a:ln>
-                <a:solidFill>
-                  <a:schemeClr val="tx1"/>
-                </a:solidFill>
-                <a:effectLst/>
-                <a:latin typeface="Arial" panose="020B0604020202020204" pitchFamily="34" charset="0"/>
-              </a:rPr>
-            </a:br>
-            <a:r>
-              <a:rPr kumimoji="0" lang="en-US" altLang="en-US" sz="1800" b="1" i="0" u="none" strike="noStrike" cap="none" normalizeH="0" baseline="0" dirty="0" err="1">
-                <a:ln>
-                  <a:noFill/>
-                </a:ln>
-                <a:solidFill>
-                  <a:schemeClr val="tx1"/>
-                </a:solidFill>
-                <a:effectLst/>
-                <a:latin typeface="Arial" panose="020B0604020202020204" pitchFamily="34" charset="0"/>
-              </a:rPr>
-              <a:t>Autodesk.Members.Core</a:t>
-            </a:r>
-            <a:br>
-              <a:rPr kumimoji="0" lang="en-US" altLang="en-US" sz="1800" b="0" i="0" u="none" strike="noStrike" cap="none" normalizeH="0" baseline="0" dirty="0">
-                <a:ln>
-                  <a:noFill/>
-                </a:ln>
-                <a:solidFill>
-                  <a:schemeClr val="tx1"/>
-                </a:solidFill>
-                <a:effectLst/>
-                <a:latin typeface="Arial" panose="020B0604020202020204" pitchFamily="34" charset="0"/>
-              </a:rPr>
-            </a:br>
-            <a:r>
-              <a:rPr kumimoji="0" lang="en-US" altLang="en-US" sz="1800" b="0" i="0" u="none" strike="noStrike" cap="none" normalizeH="0" baseline="0" dirty="0">
-                <a:ln>
-                  <a:noFill/>
-                </a:ln>
-                <a:solidFill>
-                  <a:schemeClr val="tx1"/>
-                </a:solidFill>
-                <a:effectLst/>
-                <a:latin typeface="Arial" panose="020B0604020202020204" pitchFamily="34" charset="0"/>
-              </a:rPr>
-              <a:t>Encapsulates business rules, validation, and domain models.</a:t>
-            </a:r>
-          </a:p>
-          <a:p>
-            <a:pPr marL="0" marR="0" lvl="0" indent="0" algn="l" defTabSz="914400" rtl="0" eaLnBrk="0" fontAlgn="base" latinLnBrk="0" hangingPunct="0">
-              <a:lnSpc>
-                <a:spcPct val="100000"/>
-              </a:lnSpc>
-              <a:spcBef>
-                <a:spcPct val="0"/>
-              </a:spcBef>
-              <a:spcAft>
-                <a:spcPct val="0"/>
-              </a:spcAft>
-              <a:buClrTx/>
-              <a:buSzTx/>
-              <a:buFontTx/>
-              <a:buChar char="•"/>
-              <a:tabLst/>
-            </a:pPr>
-            <a:r>
-              <a:rPr kumimoji="0" lang="en-US" altLang="en-US" sz="1800" b="1" i="0" u="none" strike="noStrike" cap="none" normalizeH="0" baseline="0" dirty="0" err="1">
-                <a:ln>
-                  <a:noFill/>
-                </a:ln>
-                <a:solidFill>
-                  <a:schemeClr val="tx1"/>
-                </a:solidFill>
-                <a:effectLst/>
-                <a:latin typeface="Arial" panose="020B0604020202020204" pitchFamily="34" charset="0"/>
-              </a:rPr>
-              <a:t>Autodesk.Members.Infrastructure</a:t>
-            </a:r>
-            <a:br>
-              <a:rPr kumimoji="0" lang="en-US" altLang="en-US" sz="1800" b="0" i="0" u="none" strike="noStrike" cap="none" normalizeH="0" baseline="0" dirty="0">
-                <a:ln>
-                  <a:noFill/>
-                </a:ln>
-                <a:solidFill>
-                  <a:schemeClr val="tx1"/>
-                </a:solidFill>
-                <a:effectLst/>
-                <a:latin typeface="Arial" panose="020B0604020202020204" pitchFamily="34" charset="0"/>
-              </a:rPr>
-            </a:br>
-            <a:r>
-              <a:rPr kumimoji="0" lang="en-US" altLang="en-US" sz="1800" b="0" i="0" u="none" strike="noStrike" cap="none" normalizeH="0" baseline="0" dirty="0">
-                <a:ln>
-                  <a:noFill/>
-                </a:ln>
-                <a:solidFill>
-                  <a:schemeClr val="tx1"/>
-                </a:solidFill>
-                <a:effectLst/>
-                <a:latin typeface="Arial" panose="020B0604020202020204" pitchFamily="34" charset="0"/>
-              </a:rPr>
-              <a:t>Implements persistence with EF Core + SQLite (or your choice of store).</a:t>
-            </a:r>
-          </a:p>
-          <a:p>
-            <a:pPr marL="0" marR="0" lvl="0" indent="0" algn="l" defTabSz="914400" rtl="0" eaLnBrk="0" fontAlgn="base" latinLnBrk="0" hangingPunct="0">
-              <a:lnSpc>
-                <a:spcPct val="100000"/>
-              </a:lnSpc>
-              <a:spcBef>
-                <a:spcPct val="0"/>
-              </a:spcBef>
-              <a:spcAft>
-                <a:spcPct val="0"/>
-              </a:spcAft>
-              <a:buClrTx/>
-              <a:buSzTx/>
-              <a:buFontTx/>
-              <a:buChar char="•"/>
-              <a:tabLst/>
-            </a:pPr>
-            <a:r>
-              <a:rPr kumimoji="0" lang="en-US" altLang="en-US" sz="1800" b="1" i="0" u="none" strike="noStrike" cap="none" normalizeH="0" baseline="0" dirty="0" err="1">
-                <a:ln>
-                  <a:noFill/>
-                </a:ln>
-                <a:solidFill>
-                  <a:schemeClr val="tx1"/>
-                </a:solidFill>
-                <a:effectLst/>
-                <a:latin typeface="Arial" panose="020B0604020202020204" pitchFamily="34" charset="0"/>
-              </a:rPr>
-              <a:t>Autodesk.Members.Api</a:t>
-            </a:r>
-            <a:br>
-              <a:rPr kumimoji="0" lang="en-US" altLang="en-US" sz="1800" b="0" i="0" u="none" strike="noStrike" cap="none" normalizeH="0" baseline="0" dirty="0">
-                <a:ln>
-                  <a:noFill/>
-                </a:ln>
-                <a:solidFill>
-                  <a:schemeClr val="tx1"/>
-                </a:solidFill>
-                <a:effectLst/>
-                <a:latin typeface="Arial" panose="020B0604020202020204" pitchFamily="34" charset="0"/>
-              </a:rPr>
-            </a:br>
-            <a:r>
-              <a:rPr kumimoji="0" lang="en-US" altLang="en-US" sz="1800" b="0" i="0" u="none" strike="noStrike" cap="none" normalizeH="0" baseline="0" dirty="0">
-                <a:ln>
-                  <a:noFill/>
-                </a:ln>
-                <a:solidFill>
-                  <a:schemeClr val="tx1"/>
-                </a:solidFill>
-                <a:effectLst/>
-                <a:latin typeface="Arial" panose="020B0604020202020204" pitchFamily="34" charset="0"/>
-              </a:rPr>
-              <a:t>Exposes RESTful CRUD endpoints over </a:t>
-            </a:r>
-          </a:p>
-          <a:p>
-            <a:pPr marL="0" marR="0" lvl="0" indent="0" algn="l" defTabSz="914400" rtl="0" eaLnBrk="0" fontAlgn="base" latinLnBrk="0" hangingPunct="0">
-              <a:lnSpc>
-                <a:spcPct val="100000"/>
-              </a:lnSpc>
-              <a:spcBef>
-                <a:spcPct val="0"/>
-              </a:spcBef>
-              <a:spcAft>
-                <a:spcPct val="0"/>
-              </a:spcAft>
-              <a:buClrTx/>
-              <a:buSzTx/>
-              <a:buFontTx/>
-              <a:buChar char="•"/>
-              <a:tabLst/>
-            </a:pPr>
-            <a:r>
-              <a:rPr kumimoji="0" lang="en-US" altLang="en-US" sz="1800" b="1" i="0" u="none" strike="noStrike" cap="none" normalizeH="0" baseline="0" dirty="0" err="1">
-                <a:ln>
-                  <a:noFill/>
-                </a:ln>
-                <a:solidFill>
-                  <a:schemeClr val="tx1"/>
-                </a:solidFill>
-                <a:effectLst/>
-                <a:latin typeface="Arial" panose="020B0604020202020204" pitchFamily="34" charset="0"/>
-              </a:rPr>
-              <a:t>Autodesk.Members.Client</a:t>
-            </a:r>
-            <a:br>
-              <a:rPr kumimoji="0" lang="en-US" altLang="en-US" sz="1800" b="0" i="0" u="none" strike="noStrike" cap="none" normalizeH="0" baseline="0" dirty="0">
-                <a:ln>
-                  <a:noFill/>
-                </a:ln>
-                <a:solidFill>
-                  <a:schemeClr val="tx1"/>
-                </a:solidFill>
-                <a:effectLst/>
-                <a:latin typeface="Arial" panose="020B0604020202020204" pitchFamily="34" charset="0"/>
-              </a:rPr>
-            </a:br>
-            <a:r>
-              <a:rPr kumimoji="0" lang="en-US" altLang="en-US" sz="1800" b="0" i="0" u="none" strike="noStrike" cap="none" normalizeH="0" baseline="0" dirty="0">
-                <a:ln>
-                  <a:noFill/>
-                </a:ln>
-                <a:solidFill>
-                  <a:schemeClr val="tx1"/>
-                </a:solidFill>
-                <a:effectLst/>
-                <a:latin typeface="Arial" panose="020B0604020202020204" pitchFamily="34" charset="0"/>
-              </a:rPr>
-              <a:t>Blazor </a:t>
-            </a:r>
-            <a:r>
-              <a:rPr kumimoji="0" lang="en-US" altLang="en-US" sz="1800" b="0" i="0" u="none" strike="noStrike" cap="none" normalizeH="0" baseline="0" dirty="0" err="1">
-                <a:ln>
-                  <a:noFill/>
-                </a:ln>
-                <a:solidFill>
-                  <a:schemeClr val="tx1"/>
-                </a:solidFill>
-                <a:effectLst/>
-                <a:latin typeface="Arial" panose="020B0604020202020204" pitchFamily="34" charset="0"/>
-              </a:rPr>
-              <a:t>WebAssembly</a:t>
-            </a:r>
-            <a:r>
-              <a:rPr kumimoji="0" lang="en-US" altLang="en-US" sz="1800" b="0" i="0" u="none" strike="noStrike" cap="none" normalizeH="0" baseline="0" dirty="0">
-                <a:ln>
-                  <a:noFill/>
-                </a:ln>
-                <a:solidFill>
-                  <a:schemeClr val="tx1"/>
-                </a:solidFill>
-                <a:effectLst/>
-                <a:latin typeface="Arial" panose="020B0604020202020204" pitchFamily="34" charset="0"/>
-              </a:rPr>
-              <a:t> sample front-end that consumes the API.</a:t>
-            </a:r>
-          </a:p>
-          <a:p>
-            <a:pPr marL="0" marR="0" lvl="0" indent="0" algn="l" defTabSz="914400" rtl="0" eaLnBrk="0" fontAlgn="base" latinLnBrk="0" hangingPunct="0">
-              <a:lnSpc>
-                <a:spcPct val="100000"/>
-              </a:lnSpc>
-              <a:spcBef>
-                <a:spcPct val="0"/>
-              </a:spcBef>
-              <a:spcAft>
-                <a:spcPct val="0"/>
-              </a:spcAft>
-              <a:buClrTx/>
-              <a:buSzTx/>
-              <a:buFontTx/>
-              <a:buChar char="•"/>
-              <a:tabLst/>
-            </a:pPr>
-            <a:r>
-              <a:rPr kumimoji="0" lang="en-US" altLang="en-US" sz="1800" b="1" i="0" u="none" strike="noStrike" cap="none" normalizeH="0" baseline="0" dirty="0" err="1">
-                <a:ln>
-                  <a:noFill/>
-                </a:ln>
-                <a:solidFill>
-                  <a:schemeClr val="tx1"/>
-                </a:solidFill>
-                <a:effectLst/>
-                <a:latin typeface="Arial" panose="020B0604020202020204" pitchFamily="34" charset="0"/>
-              </a:rPr>
-              <a:t>Autodesk.Members.Tests</a:t>
-            </a:r>
-            <a:br>
-              <a:rPr kumimoji="0" lang="en-US" altLang="en-US" sz="1800" b="0" i="0" u="none" strike="noStrike" cap="none" normalizeH="0" baseline="0" dirty="0">
-                <a:ln>
-                  <a:noFill/>
-                </a:ln>
-                <a:solidFill>
-                  <a:schemeClr val="tx1"/>
-                </a:solidFill>
-                <a:effectLst/>
-                <a:latin typeface="Arial" panose="020B0604020202020204" pitchFamily="34" charset="0"/>
-              </a:rPr>
-            </a:br>
-            <a:r>
-              <a:rPr kumimoji="0" lang="en-US" altLang="en-US" sz="1800" b="0" i="0" u="none" strike="noStrike" cap="none" normalizeH="0" baseline="0" dirty="0" err="1">
-                <a:ln>
-                  <a:noFill/>
-                </a:ln>
-                <a:solidFill>
-                  <a:schemeClr val="tx1"/>
-                </a:solidFill>
-                <a:effectLst/>
-                <a:latin typeface="Arial" panose="020B0604020202020204" pitchFamily="34" charset="0"/>
-              </a:rPr>
-              <a:t>xUnit</a:t>
-            </a:r>
-            <a:r>
-              <a:rPr kumimoji="0" lang="en-US" altLang="en-US" sz="1800" b="0" i="0" u="none" strike="noStrike" cap="none" normalizeH="0" baseline="0" dirty="0">
-                <a:ln>
-                  <a:noFill/>
-                </a:ln>
-                <a:solidFill>
-                  <a:schemeClr val="tx1"/>
-                </a:solidFill>
-                <a:effectLst/>
-                <a:latin typeface="Arial" panose="020B0604020202020204" pitchFamily="34" charset="0"/>
-              </a:rPr>
-              <a:t> unit and integration tests covering domain logic, data access, and API.</a:t>
-            </a:r>
-          </a:p>
-        </p:txBody>
-      </p:sp>
-    </p:spTree>
-    <p:extLst>
-      <p:ext uri="{BB962C8B-B14F-4D97-AF65-F5344CB8AC3E}">
-        <p14:creationId xmlns:p14="http://schemas.microsoft.com/office/powerpoint/2010/main" val="205807335"/>
-      </p:ext>
-    </p:extLst>
-  </p:cSld>
-  <p:clrMapOvr>
-    <a:masterClrMapping/>
-  </p:clrMapOvr>
-</p:sld>
-</file>
-
-<file path=ppt/slides/slide4.xml><?xml version="1.0" encoding="utf-8"?>
-<p:sld xmlns:a="http://schemas.openxmlformats.org/drawingml/2006/main" xmlns:r="http://schemas.openxmlformats.org/officeDocument/2006/relationships" xmlns:p="http://schemas.openxmlformats.org/presentationml/2006/main">
-  <p:cSld>
-    <p:bg>
-      <p:bgPr>
-        <a:solidFill>
-          <a:schemeClr val="bg1"/>
-        </a:solidFill>
-        <a:effectLst/>
-      </p:bgPr>
-    </p:bg>
-    <p:spTree>
-      <p:nvGrpSpPr>
-        <p:cNvPr id="1" name=""/>
-        <p:cNvGrpSpPr/>
-        <p:nvPr/>
-      </p:nvGrpSpPr>
-      <p:grpSpPr>
-        <a:xfrm>
-          <a:off x="0" y="0"/>
-          <a:ext cx="0" cy="0"/>
-          <a:chOff x="0" y="0"/>
-          <a:chExt cx="0" cy="0"/>
-        </a:xfrm>
-      </p:grpSpPr>
-      <p:sp useBgFill="1">
-        <p:nvSpPr>
-          <p:cNvPr id="19" name="Rectangle 18">
-            <a:extLst>
-              <a:ext uri="{FF2B5EF4-FFF2-40B4-BE49-F238E27FC236}">
-                <a16:creationId xmlns:a16="http://schemas.microsoft.com/office/drawing/2014/main" id="{09588DA8-065E-4F6F-8EFD-43104AB2E0CF}"/>
-              </a:ext>
-              <a:ext uri="{C183D7F6-B498-43B3-948B-1728B52AA6E4}">
-                <adec:decorative xmlns:adec="http://schemas.microsoft.com/office/drawing/2017/decorative" val="1"/>
-              </a:ext>
-            </a:extLst>
-          </p:cNvPr>
-          <p:cNvSpPr>
-            <a:spLocks noGrp="1" noRot="1" noChangeAspect="1" noMove="1" noResize="1" noEditPoints="1" noAdjustHandles="1" noChangeArrowheads="1" noChangeShapeType="1" noTextEdit="1"/>
-          </p:cNvSpPr>
-          <p:nvPr>
-            <p:extLst>
-              <p:ext uri="{386F3935-93C4-4BCD-93E2-E3B085C9AB24}">
-                <p16:designElem xmlns:p16="http://schemas.microsoft.com/office/powerpoint/2015/main" val="1"/>
-              </p:ext>
-            </p:extLst>
-          </p:nvPr>
-        </p:nvSpPr>
-        <p:spPr>
-          <a:xfrm>
-            <a:off x="0" y="0"/>
-            <a:ext cx="9144000" cy="6858000"/>
-          </a:xfrm>
-          <a:prstGeom prst="rect">
-            <a:avLst/>
-          </a:prstGeom>
-          <a:ln w="12700" cap="flat" cmpd="sng" algn="ctr">
-            <a:noFill/>
-            <a:prstDash val="solid"/>
-            <a:miter lim="800000"/>
-          </a:ln>
-          <a:effectLst/>
-          <a:extLst>
-            <a:ext uri="{91240B29-F687-4F45-9708-019B960494DF}">
-              <a14:hiddenLine xmlns:a14="http://schemas.microsoft.com/office/drawing/2010/main" w="12700" cap="flat" cmpd="sng" algn="ctr">
-                <a:solidFill>
-                  <a:schemeClr val="accent1">
-                    <a:shade val="50000"/>
-                  </a:schemeClr>
-                </a:solidFill>
-                <a:prstDash val="solid"/>
-                <a:miter lim="800000"/>
-              </a14:hiddenLine>
-            </a:ext>
-          </a:extLst>
+          <a:gradFill>
+            <a:gsLst>
+              <a:gs pos="100000">
+                <a:srgbClr val="C8F0E8"/>
+              </a:gs>
+              <a:gs pos="50000">
+                <a:srgbClr val="E0F7F2"/>
+              </a:gs>
+              <a:gs pos="0">
+                <a:srgbClr val="FFFFFF">
+                  <a:lumMod val="97000"/>
+                </a:srgbClr>
+              </a:gs>
+              <a:gs pos="100000">
+                <a:schemeClr val="accent1">
+                  <a:tint val="50000"/>
+                  <a:shade val="100000"/>
+                  <a:satMod val="350000"/>
+                </a:schemeClr>
+              </a:gs>
+            </a:gsLst>
+            <a:lin ang="8100000" scaled="0"/>
+          </a:gradFill>
         </p:spPr>
         <p:style>
-          <a:lnRef idx="2">
-            <a:schemeClr val="accent1">
-              <a:shade val="50000"/>
-            </a:schemeClr>
+          <a:lnRef idx="1">
+            <a:schemeClr val="accent1"/>
           </a:lnRef>
-          <a:fillRef idx="1">
+          <a:fillRef idx="3">
             <a:schemeClr val="accent1"/>
           </a:fillRef>
-          <a:effectRef idx="0">
+          <a:effectRef idx="2">
             <a:schemeClr val="accent1"/>
           </a:effectRef>
           <a:fontRef idx="minor">
@@ -4885,2210 +3713,16 @@
           <a:lstStyle/>
           <a:p>
             <a:pPr algn="ctr"/>
-            <a:endParaRPr lang="en-US"/>
-          </a:p>
-        </p:txBody>
-      </p:sp>
-      <p:sp useBgFill="1">
-        <p:nvSpPr>
-          <p:cNvPr id="21" name="Rectangle 20">
-            <a:extLst>
-              <a:ext uri="{FF2B5EF4-FFF2-40B4-BE49-F238E27FC236}">
-                <a16:creationId xmlns:a16="http://schemas.microsoft.com/office/drawing/2014/main" id="{C4285719-470E-454C-AF62-8323075F1F5B}"/>
-              </a:ext>
-              <a:ext uri="{C183D7F6-B498-43B3-948B-1728B52AA6E4}">
-                <adec:decorative xmlns:adec="http://schemas.microsoft.com/office/drawing/2017/decorative" val="1"/>
-              </a:ext>
-            </a:extLst>
-          </p:cNvPr>
-          <p:cNvSpPr>
-            <a:spLocks noGrp="1" noRot="1" noChangeAspect="1" noMove="1" noResize="1" noEditPoints="1" noAdjustHandles="1" noChangeArrowheads="1" noChangeShapeType="1" noTextEdit="1"/>
-          </p:cNvSpPr>
-          <p:nvPr>
-            <p:extLst>
-              <p:ext uri="{386F3935-93C4-4BCD-93E2-E3B085C9AB24}">
-                <p16:designElem xmlns:p16="http://schemas.microsoft.com/office/powerpoint/2015/main" val="1"/>
-              </p:ext>
-            </p:extLst>
-          </p:nvPr>
-        </p:nvSpPr>
-        <p:spPr>
-          <a:xfrm>
-            <a:off x="0" y="0"/>
-            <a:ext cx="9141714" cy="6858000"/>
-          </a:xfrm>
-          <a:prstGeom prst="rect">
-            <a:avLst/>
-          </a:prstGeom>
-          <a:ln w="12700" cap="flat" cmpd="sng" algn="ctr">
-            <a:noFill/>
-            <a:prstDash val="solid"/>
-            <a:miter lim="800000"/>
-          </a:ln>
-          <a:effectLst/>
-          <a:extLst>
-            <a:ext uri="{91240B29-F687-4F45-9708-019B960494DF}">
-              <a14:hiddenLine xmlns:a14="http://schemas.microsoft.com/office/drawing/2010/main" w="12700" cap="flat" cmpd="sng" algn="ctr">
-                <a:solidFill>
-                  <a:schemeClr val="accent1">
-                    <a:shade val="50000"/>
-                  </a:schemeClr>
-                </a:solidFill>
-                <a:prstDash val="solid"/>
-                <a:miter lim="800000"/>
-              </a14:hiddenLine>
-            </a:ext>
-          </a:extLst>
-        </p:spPr>
-        <p:style>
-          <a:lnRef idx="2">
-            <a:schemeClr val="accent1">
-              <a:shade val="50000"/>
-            </a:schemeClr>
-          </a:lnRef>
-          <a:fillRef idx="1">
-            <a:schemeClr val="accent1"/>
-          </a:fillRef>
-          <a:effectRef idx="0">
-            <a:schemeClr val="accent1"/>
-          </a:effectRef>
-          <a:fontRef idx="minor">
-            <a:schemeClr val="lt1"/>
-          </a:fontRef>
-        </p:style>
-        <p:txBody>
-          <a:bodyPr rtlCol="0" anchor="ctr"/>
-          <a:lstStyle/>
-          <a:p>
-            <a:pPr algn="ctr"/>
-            <a:endParaRPr lang="en-US"/>
-          </a:p>
-        </p:txBody>
-      </p:sp>
-      <p:sp>
-        <p:nvSpPr>
-          <p:cNvPr id="22" name="Rectangle 21">
-            <a:extLst>
-              <a:ext uri="{FF2B5EF4-FFF2-40B4-BE49-F238E27FC236}">
-                <a16:creationId xmlns:a16="http://schemas.microsoft.com/office/drawing/2014/main" id="{CD9FE4EF-C4D8-49A0-B2FF-81D8DB7D8A24}"/>
-              </a:ext>
-              <a:ext uri="{C183D7F6-B498-43B3-948B-1728B52AA6E4}">
-                <adec:decorative xmlns:adec="http://schemas.microsoft.com/office/drawing/2017/decorative" val="1"/>
-              </a:ext>
-            </a:extLst>
-          </p:cNvPr>
-          <p:cNvSpPr>
-            <a:spLocks noGrp="1" noRot="1" noChangeAspect="1" noMove="1" noResize="1" noEditPoints="1" noAdjustHandles="1" noChangeArrowheads="1" noChangeShapeType="1" noTextEdit="1"/>
-          </p:cNvSpPr>
-          <p:nvPr>
-            <p:extLst>
-              <p:ext uri="{386F3935-93C4-4BCD-93E2-E3B085C9AB24}">
-                <p16:designElem xmlns:p16="http://schemas.microsoft.com/office/powerpoint/2015/main" val="1"/>
-              </p:ext>
-            </p:extLst>
-          </p:nvPr>
-        </p:nvSpPr>
-        <p:spPr>
-          <a:xfrm rot="5400000" flipH="1">
-            <a:off x="-1914813" y="1914812"/>
-            <a:ext cx="6858000" cy="3028377"/>
-          </a:xfrm>
-          <a:prstGeom prst="rect">
-            <a:avLst/>
-          </a:prstGeom>
-          <a:gradFill>
-            <a:gsLst>
-              <a:gs pos="8000">
-                <a:srgbClr val="000000"/>
-              </a:gs>
-              <a:gs pos="100000">
-                <a:schemeClr val="accent1">
-                  <a:lumMod val="75000"/>
-                </a:schemeClr>
-              </a:gs>
-            </a:gsLst>
-            <a:lin ang="3000000" scaled="0"/>
-          </a:gradFill>
-          <a:ln>
-            <a:noFill/>
-          </a:ln>
-        </p:spPr>
-        <p:style>
-          <a:lnRef idx="2">
-            <a:schemeClr val="accent1">
-              <a:shade val="50000"/>
-            </a:schemeClr>
-          </a:lnRef>
-          <a:fillRef idx="1">
-            <a:schemeClr val="accent1"/>
-          </a:fillRef>
-          <a:effectRef idx="0">
-            <a:schemeClr val="accent1"/>
-          </a:effectRef>
-          <a:fontRef idx="minor">
-            <a:schemeClr val="lt1"/>
-          </a:fontRef>
-        </p:style>
-        <p:txBody>
-          <a:bodyPr rtlCol="0" anchor="ctr"/>
-          <a:lstStyle/>
-          <a:p>
-            <a:pPr algn="ctr"/>
-            <a:endParaRPr lang="en-US"/>
-          </a:p>
-        </p:txBody>
-      </p:sp>
-      <p:sp>
-        <p:nvSpPr>
-          <p:cNvPr id="23" name="Rectangle 22">
-            <a:extLst>
-              <a:ext uri="{FF2B5EF4-FFF2-40B4-BE49-F238E27FC236}">
-                <a16:creationId xmlns:a16="http://schemas.microsoft.com/office/drawing/2014/main" id="{4300840D-0A0B-4512-BACA-B439D5B9C57C}"/>
-              </a:ext>
-              <a:ext uri="{C183D7F6-B498-43B3-948B-1728B52AA6E4}">
-                <adec:decorative xmlns:adec="http://schemas.microsoft.com/office/drawing/2017/decorative" val="1"/>
-              </a:ext>
-            </a:extLst>
-          </p:cNvPr>
-          <p:cNvSpPr>
-            <a:spLocks noGrp="1" noRot="1" noChangeAspect="1" noMove="1" noResize="1" noEditPoints="1" noAdjustHandles="1" noChangeArrowheads="1" noChangeShapeType="1" noTextEdit="1"/>
-          </p:cNvSpPr>
-          <p:nvPr>
-            <p:extLst>
-              <p:ext uri="{386F3935-93C4-4BCD-93E2-E3B085C9AB24}">
-                <p16:designElem xmlns:p16="http://schemas.microsoft.com/office/powerpoint/2015/main" val="1"/>
-              </p:ext>
-            </p:extLst>
-          </p:nvPr>
-        </p:nvSpPr>
-        <p:spPr>
-          <a:xfrm rot="5400000" flipH="1">
-            <a:off x="-1914814" y="1924949"/>
-            <a:ext cx="6857999" cy="3028379"/>
-          </a:xfrm>
-          <a:prstGeom prst="rect">
-            <a:avLst/>
-          </a:prstGeom>
-          <a:gradFill>
-            <a:gsLst>
-              <a:gs pos="0">
-                <a:srgbClr val="000000">
-                  <a:alpha val="0"/>
-                </a:srgbClr>
-              </a:gs>
-              <a:gs pos="99000">
-                <a:schemeClr val="accent1">
-                  <a:alpha val="46000"/>
-                </a:schemeClr>
-              </a:gs>
-            </a:gsLst>
-            <a:lin ang="1800000" scaled="0"/>
-          </a:gradFill>
-          <a:ln>
-            <a:noFill/>
-          </a:ln>
-        </p:spPr>
-        <p:style>
-          <a:lnRef idx="2">
-            <a:schemeClr val="accent1">
-              <a:shade val="50000"/>
-            </a:schemeClr>
-          </a:lnRef>
-          <a:fillRef idx="1">
-            <a:schemeClr val="accent1"/>
-          </a:fillRef>
-          <a:effectRef idx="0">
-            <a:schemeClr val="accent1"/>
-          </a:effectRef>
-          <a:fontRef idx="minor">
-            <a:schemeClr val="lt1"/>
-          </a:fontRef>
-        </p:style>
-        <p:txBody>
-          <a:bodyPr rtlCol="0" anchor="ctr"/>
-          <a:lstStyle/>
-          <a:p>
-            <a:pPr algn="ctr"/>
-            <a:endParaRPr lang="en-US"/>
-          </a:p>
-        </p:txBody>
-      </p:sp>
-      <p:sp>
-        <p:nvSpPr>
-          <p:cNvPr id="24" name="Rectangle 23">
-            <a:extLst>
-              <a:ext uri="{FF2B5EF4-FFF2-40B4-BE49-F238E27FC236}">
-                <a16:creationId xmlns:a16="http://schemas.microsoft.com/office/drawing/2014/main" id="{D2B78728-A580-49A7-84F9-6EF6F583ADE0}"/>
-              </a:ext>
-              <a:ext uri="{C183D7F6-B498-43B3-948B-1728B52AA6E4}">
-                <adec:decorative xmlns:adec="http://schemas.microsoft.com/office/drawing/2017/decorative" val="1"/>
-              </a:ext>
-            </a:extLst>
-          </p:cNvPr>
-          <p:cNvSpPr>
-            <a:spLocks noGrp="1" noRot="1" noChangeAspect="1" noMove="1" noResize="1" noEditPoints="1" noAdjustHandles="1" noChangeArrowheads="1" noChangeShapeType="1" noTextEdit="1"/>
-          </p:cNvSpPr>
-          <p:nvPr>
-            <p:extLst>
-              <p:ext uri="{386F3935-93C4-4BCD-93E2-E3B085C9AB24}">
-                <p16:designElem xmlns:p16="http://schemas.microsoft.com/office/powerpoint/2015/main" val="1"/>
-              </p:ext>
-            </p:extLst>
-          </p:nvPr>
-        </p:nvSpPr>
-        <p:spPr>
-          <a:xfrm rot="5400000" flipH="1">
-            <a:off x="263195" y="4092815"/>
-            <a:ext cx="2501979" cy="3028381"/>
-          </a:xfrm>
-          <a:prstGeom prst="rect">
-            <a:avLst/>
-          </a:prstGeom>
-          <a:gradFill>
-            <a:gsLst>
-              <a:gs pos="2000">
-                <a:schemeClr val="accent1">
-                  <a:alpha val="29000"/>
-                </a:schemeClr>
-              </a:gs>
-              <a:gs pos="100000">
-                <a:srgbClr val="000000">
-                  <a:alpha val="30000"/>
-                </a:srgbClr>
-              </a:gs>
-            </a:gsLst>
-            <a:lin ang="7800000" scaled="0"/>
-          </a:gradFill>
-          <a:ln>
-            <a:noFill/>
-          </a:ln>
-        </p:spPr>
-        <p:style>
-          <a:lnRef idx="2">
-            <a:schemeClr val="accent1">
-              <a:shade val="50000"/>
-            </a:schemeClr>
-          </a:lnRef>
-          <a:fillRef idx="1">
-            <a:schemeClr val="accent1"/>
-          </a:fillRef>
-          <a:effectRef idx="0">
-            <a:schemeClr val="accent1"/>
-          </a:effectRef>
-          <a:fontRef idx="minor">
-            <a:schemeClr val="lt1"/>
-          </a:fontRef>
-        </p:style>
-        <p:txBody>
-          <a:bodyPr rtlCol="0" anchor="ctr"/>
-          <a:lstStyle/>
-          <a:p>
-            <a:pPr algn="ctr"/>
-            <a:endParaRPr lang="en-US" dirty="0"/>
-          </a:p>
-        </p:txBody>
-      </p:sp>
-      <p:sp>
-        <p:nvSpPr>
-          <p:cNvPr id="18" name="Freeform: Shape 17">
-            <a:extLst>
-              <a:ext uri="{FF2B5EF4-FFF2-40B4-BE49-F238E27FC236}">
-                <a16:creationId xmlns:a16="http://schemas.microsoft.com/office/drawing/2014/main" id="{38FAA1A1-D861-433F-88FA-1E9D6FD31D11}"/>
-              </a:ext>
-              <a:ext uri="{C183D7F6-B498-43B3-948B-1728B52AA6E4}">
-                <adec:decorative xmlns:adec="http://schemas.microsoft.com/office/drawing/2017/decorative" val="1"/>
-              </a:ext>
-            </a:extLst>
-          </p:cNvPr>
-          <p:cNvSpPr>
-            <a:spLocks noGrp="1" noRot="1" noChangeAspect="1" noMove="1" noResize="1" noEditPoints="1" noAdjustHandles="1" noChangeArrowheads="1" noChangeShapeType="1" noTextEdit="1"/>
-          </p:cNvSpPr>
-          <p:nvPr>
-            <p:extLst>
-              <p:ext uri="{386F3935-93C4-4BCD-93E2-E3B085C9AB24}">
-                <p16:designElem xmlns:p16="http://schemas.microsoft.com/office/powerpoint/2015/main" val="1"/>
-              </p:ext>
-            </p:extLst>
-          </p:nvPr>
-        </p:nvSpPr>
-        <p:spPr>
-          <a:xfrm rot="20635413">
-            <a:off x="-376302" y="969718"/>
-            <a:ext cx="2925267" cy="4178958"/>
-          </a:xfrm>
-          <a:custGeom>
-            <a:avLst/>
-            <a:gdLst>
-              <a:gd name="connsiteX0" fmla="*/ 2432225 w 3900357"/>
-              <a:gd name="connsiteY0" fmla="*/ 93939 h 4178958"/>
-              <a:gd name="connsiteX1" fmla="*/ 3900357 w 3900357"/>
-              <a:gd name="connsiteY1" fmla="*/ 2089479 h 4178958"/>
-              <a:gd name="connsiteX2" fmla="*/ 1810878 w 3900357"/>
-              <a:gd name="connsiteY2" fmla="*/ 4178958 h 4178958"/>
-              <a:gd name="connsiteX3" fmla="*/ 78249 w 3900357"/>
-              <a:gd name="connsiteY3" fmla="*/ 3257727 h 4178958"/>
-              <a:gd name="connsiteX4" fmla="*/ 0 w 3900357"/>
-              <a:gd name="connsiteY4" fmla="*/ 3128923 h 4178958"/>
-              <a:gd name="connsiteX5" fmla="*/ 831324 w 3900357"/>
-              <a:gd name="connsiteY5" fmla="*/ 244281 h 4178958"/>
-              <a:gd name="connsiteX6" fmla="*/ 997559 w 3900357"/>
-              <a:gd name="connsiteY6" fmla="*/ 164202 h 4178958"/>
-              <a:gd name="connsiteX7" fmla="*/ 1810878 w 3900357"/>
-              <a:gd name="connsiteY7" fmla="*/ 0 h 4178958"/>
-              <a:gd name="connsiteX8" fmla="*/ 2432225 w 3900357"/>
-              <a:gd name="connsiteY8" fmla="*/ 93939 h 4178958"/>
-            </a:gdLst>
-            <a:ahLst/>
-            <a:cxnLst>
-              <a:cxn ang="0">
-                <a:pos x="connsiteX0" y="connsiteY0"/>
-              </a:cxn>
-              <a:cxn ang="0">
-                <a:pos x="connsiteX1" y="connsiteY1"/>
-              </a:cxn>
-              <a:cxn ang="0">
-                <a:pos x="connsiteX2" y="connsiteY2"/>
-              </a:cxn>
-              <a:cxn ang="0">
-                <a:pos x="connsiteX3" y="connsiteY3"/>
-              </a:cxn>
-              <a:cxn ang="0">
-                <a:pos x="connsiteX4" y="connsiteY4"/>
-              </a:cxn>
-              <a:cxn ang="0">
-                <a:pos x="connsiteX5" y="connsiteY5"/>
-              </a:cxn>
-              <a:cxn ang="0">
-                <a:pos x="connsiteX6" y="connsiteY6"/>
-              </a:cxn>
-              <a:cxn ang="0">
-                <a:pos x="connsiteX7" y="connsiteY7"/>
-              </a:cxn>
-              <a:cxn ang="0">
-                <a:pos x="connsiteX8" y="connsiteY8"/>
-              </a:cxn>
-            </a:cxnLst>
-            <a:rect l="l" t="t" r="r" b="b"/>
-            <a:pathLst>
-              <a:path w="3900357" h="4178958">
-                <a:moveTo>
-                  <a:pt x="2432225" y="93939"/>
-                </a:moveTo>
-                <a:cubicBezTo>
-                  <a:pt x="3282786" y="358491"/>
-                  <a:pt x="3900357" y="1151865"/>
-                  <a:pt x="3900357" y="2089479"/>
-                </a:cubicBezTo>
-                <a:cubicBezTo>
-                  <a:pt x="3900357" y="3243466"/>
-                  <a:pt x="2964865" y="4178958"/>
-                  <a:pt x="1810878" y="4178958"/>
-                </a:cubicBezTo>
-                <a:cubicBezTo>
-                  <a:pt x="1089636" y="4178958"/>
-                  <a:pt x="453744" y="3813531"/>
-                  <a:pt x="78249" y="3257727"/>
-                </a:cubicBezTo>
-                <a:lnTo>
-                  <a:pt x="0" y="3128923"/>
-                </a:lnTo>
-                <a:lnTo>
-                  <a:pt x="831324" y="244281"/>
-                </a:lnTo>
-                <a:lnTo>
-                  <a:pt x="997559" y="164202"/>
-                </a:lnTo>
-                <a:cubicBezTo>
-                  <a:pt x="1247540" y="58468"/>
-                  <a:pt x="1522381" y="0"/>
-                  <a:pt x="1810878" y="0"/>
-                </a:cubicBezTo>
-                <a:cubicBezTo>
-                  <a:pt x="2027251" y="0"/>
-                  <a:pt x="2235942" y="32888"/>
-                  <a:pt x="2432225" y="93939"/>
-                </a:cubicBezTo>
-                <a:close/>
-              </a:path>
-            </a:pathLst>
-          </a:custGeom>
-          <a:gradFill>
-            <a:gsLst>
-              <a:gs pos="29000">
-                <a:srgbClr val="000000">
-                  <a:alpha val="0"/>
-                </a:srgbClr>
-              </a:gs>
-              <a:gs pos="100000">
-                <a:schemeClr val="accent1">
-                  <a:alpha val="43000"/>
-                </a:schemeClr>
-              </a:gs>
-            </a:gsLst>
-            <a:lin ang="1800000" scaled="0"/>
-          </a:gradFill>
-          <a:ln>
-            <a:noFill/>
-          </a:ln>
-        </p:spPr>
-        <p:style>
-          <a:lnRef idx="2">
-            <a:schemeClr val="accent1">
-              <a:shade val="50000"/>
-            </a:schemeClr>
-          </a:lnRef>
-          <a:fillRef idx="1">
-            <a:schemeClr val="accent1"/>
-          </a:fillRef>
-          <a:effectRef idx="0">
-            <a:schemeClr val="accent1"/>
-          </a:effectRef>
-          <a:fontRef idx="minor">
-            <a:schemeClr val="lt1"/>
-          </a:fontRef>
-        </p:style>
-        <p:txBody>
-          <a:bodyPr wrap="square" rtlCol="0" anchor="ctr">
-            <a:noAutofit/>
-          </a:bodyPr>
-          <a:lstStyle/>
-          <a:p>
-            <a:pPr algn="ctr"/>
-            <a:endParaRPr lang="en-US" dirty="0"/>
-          </a:p>
-        </p:txBody>
-      </p:sp>
-      <p:sp>
-        <p:nvSpPr>
-          <p:cNvPr id="20" name="Rectangle 19">
-            <a:extLst>
-              <a:ext uri="{FF2B5EF4-FFF2-40B4-BE49-F238E27FC236}">
-                <a16:creationId xmlns:a16="http://schemas.microsoft.com/office/drawing/2014/main" id="{8D71EDA1-87BF-4D5D-AB79-F346FD19278A}"/>
-              </a:ext>
-              <a:ext uri="{C183D7F6-B498-43B3-948B-1728B52AA6E4}">
-                <adec:decorative xmlns:adec="http://schemas.microsoft.com/office/drawing/2017/decorative" val="1"/>
-              </a:ext>
-            </a:extLst>
-          </p:cNvPr>
-          <p:cNvSpPr>
-            <a:spLocks noGrp="1" noRot="1" noChangeAspect="1" noMove="1" noResize="1" noEditPoints="1" noAdjustHandles="1" noChangeArrowheads="1" noChangeShapeType="1" noTextEdit="1"/>
-          </p:cNvSpPr>
-          <p:nvPr>
-            <p:extLst>
-              <p:ext uri="{386F3935-93C4-4BCD-93E2-E3B085C9AB24}">
-                <p16:designElem xmlns:p16="http://schemas.microsoft.com/office/powerpoint/2015/main" val="1"/>
-              </p:ext>
-            </p:extLst>
-          </p:nvPr>
-        </p:nvSpPr>
-        <p:spPr>
-          <a:xfrm rot="5400000" flipH="1">
-            <a:off x="-1914820" y="1904672"/>
-            <a:ext cx="6858003" cy="3028376"/>
-          </a:xfrm>
-          <a:prstGeom prst="rect">
-            <a:avLst/>
-          </a:prstGeom>
-          <a:gradFill>
-            <a:gsLst>
-              <a:gs pos="0">
-                <a:srgbClr val="000000">
-                  <a:alpha val="0"/>
-                </a:srgbClr>
-              </a:gs>
-              <a:gs pos="99000">
-                <a:schemeClr val="accent1">
-                  <a:lumMod val="60000"/>
-                  <a:lumOff val="40000"/>
-                  <a:alpha val="11000"/>
-                </a:schemeClr>
-              </a:gs>
-            </a:gsLst>
-            <a:lin ang="7200000" scaled="0"/>
-          </a:gradFill>
-          <a:ln>
-            <a:noFill/>
-          </a:ln>
-        </p:spPr>
-        <p:style>
-          <a:lnRef idx="2">
-            <a:schemeClr val="accent1">
-              <a:shade val="50000"/>
-            </a:schemeClr>
-          </a:lnRef>
-          <a:fillRef idx="1">
-            <a:schemeClr val="accent1"/>
-          </a:fillRef>
-          <a:effectRef idx="0">
-            <a:schemeClr val="accent1"/>
-          </a:effectRef>
-          <a:fontRef idx="minor">
-            <a:schemeClr val="lt1"/>
-          </a:fontRef>
-        </p:style>
-        <p:txBody>
-          <a:bodyPr rtlCol="0" anchor="ctr"/>
-          <a:lstStyle/>
-          <a:p>
-            <a:pPr algn="ctr"/>
-            <a:endParaRPr lang="en-US"/>
-          </a:p>
-        </p:txBody>
-      </p:sp>
-      <p:sp>
-        <p:nvSpPr>
-          <p:cNvPr id="2" name="Title 1"/>
-          <p:cNvSpPr>
-            <a:spLocks noGrp="1"/>
-          </p:cNvSpPr>
-          <p:nvPr>
-            <p:ph type="title"/>
-          </p:nvPr>
-        </p:nvSpPr>
-        <p:spPr>
-          <a:xfrm>
-            <a:off x="350041" y="586855"/>
-            <a:ext cx="2401025" cy="3387497"/>
-          </a:xfrm>
-        </p:spPr>
-        <p:txBody>
-          <a:bodyPr anchor="b">
-            <a:normAutofit/>
-          </a:bodyPr>
-          <a:lstStyle/>
-          <a:p>
-            <a:pPr algn="r"/>
-            <a:r>
-              <a:rPr lang="en-CA" sz="3500">
-                <a:solidFill>
-                  <a:srgbClr val="FFFFFF"/>
-                </a:solidFill>
-              </a:rPr>
-              <a:t>Domain Interfaces</a:t>
-            </a:r>
-          </a:p>
-        </p:txBody>
-      </p:sp>
-      <p:sp>
-        <p:nvSpPr>
-          <p:cNvPr id="5" name="Rectangle 2">
-            <a:extLst>
-              <a:ext uri="{FF2B5EF4-FFF2-40B4-BE49-F238E27FC236}">
-                <a16:creationId xmlns:a16="http://schemas.microsoft.com/office/drawing/2014/main" id="{A7690C0E-D3CD-48FC-820A-608C50F32991}"/>
-              </a:ext>
-            </a:extLst>
-          </p:cNvPr>
-          <p:cNvSpPr>
-            <a:spLocks noGrp="1" noChangeArrowheads="1"/>
-          </p:cNvSpPr>
-          <p:nvPr>
-            <p:ph idx="1"/>
-          </p:nvPr>
-        </p:nvSpPr>
-        <p:spPr bwMode="auto">
-          <a:xfrm>
-            <a:off x="3420425" y="688522"/>
-            <a:ext cx="5146464" cy="2308324"/>
-          </a:xfrm>
-          <a:prstGeom prst="rect">
-            <a:avLst/>
-          </a:prstGeom>
-          <a:noFill/>
-          <a:ln>
-            <a:noFill/>
-          </a:ln>
-          <a:effectLst/>
-          <a:extLst>
-            <a:ext uri="{909E8E84-426E-40DD-AFC4-6F175D3DCCD1}">
-              <a14:hiddenFill xmlns:a14="http://schemas.microsoft.com/office/drawing/2010/main">
-                <a:solidFill>
-                  <a:schemeClr val="accent1"/>
-                </a:solidFill>
-              </a14:hiddenFill>
-            </a:ext>
-            <a:ext uri="{91240B29-F687-4F45-9708-019B960494DF}">
-              <a14:hiddenLine xmlns:a14="http://schemas.microsoft.com/office/drawing/2010/main" w="9525">
-                <a:solidFill>
-                  <a:schemeClr val="tx1"/>
-                </a:solidFill>
-                <a:miter lim="800000"/>
-                <a:headEnd/>
-                <a:tailEnd/>
-              </a14:hiddenLine>
-            </a:ext>
-            <a:ext uri="{AF507438-7753-43E0-B8FC-AC1667EBCBE1}">
-              <a14:hiddenEffects xmlns:a14="http://schemas.microsoft.com/office/drawing/2010/main">
-                <a:effectLst>
-                  <a:outerShdw dist="35921" dir="2700000" algn="ctr" rotWithShape="0">
-                    <a:schemeClr val="bg2"/>
-                  </a:outerShdw>
-                </a:effectLst>
-              </a14:hiddenEffects>
-            </a:ext>
-          </a:extLst>
-        </p:spPr>
-        <p:txBody>
-          <a:bodyPr vert="horz" wrap="square" lIns="91440" tIns="45720" rIns="91440" bIns="45720" numCol="1" anchor="ctr" anchorCtr="0" compatLnSpc="1">
-            <a:prstTxWarp prst="textNoShape">
-              <a:avLst/>
-            </a:prstTxWarp>
-            <a:spAutoFit/>
-          </a:bodyPr>
-          <a:lstStyle/>
-          <a:p>
-            <a:pPr marL="0" marR="0" lvl="0" indent="0" algn="l" defTabSz="914400" rtl="0" eaLnBrk="0" fontAlgn="base" latinLnBrk="0" hangingPunct="0">
-              <a:lnSpc>
-                <a:spcPct val="100000"/>
-              </a:lnSpc>
-              <a:spcBef>
-                <a:spcPct val="0"/>
-              </a:spcBef>
-              <a:spcAft>
-                <a:spcPct val="0"/>
-              </a:spcAft>
-              <a:buClrTx/>
-              <a:buSzTx/>
-              <a:buFontTx/>
-              <a:buNone/>
-              <a:tabLst/>
-            </a:pPr>
-            <a:endParaRPr kumimoji="0" lang="en-US" altLang="en-US" sz="1800" b="0" i="0" u="none" strike="noStrike" cap="none" normalizeH="0" baseline="0" dirty="0">
-              <a:ln>
-                <a:noFill/>
-              </a:ln>
-              <a:solidFill>
-                <a:schemeClr val="tx1"/>
-              </a:solidFill>
-              <a:effectLst/>
-              <a:latin typeface="Arial" panose="020B0604020202020204" pitchFamily="34" charset="0"/>
-            </a:endParaRPr>
-          </a:p>
-          <a:p>
-            <a:pPr marL="0" marR="0" lvl="0" indent="0" algn="l" defTabSz="914400" rtl="0" eaLnBrk="0" fontAlgn="base" latinLnBrk="0" hangingPunct="0">
-              <a:lnSpc>
-                <a:spcPct val="100000"/>
-              </a:lnSpc>
-              <a:spcBef>
-                <a:spcPct val="0"/>
-              </a:spcBef>
-              <a:spcAft>
-                <a:spcPct val="0"/>
-              </a:spcAft>
-              <a:buClrTx/>
-              <a:buSzTx/>
-              <a:buFontTx/>
-              <a:buChar char="•"/>
-              <a:tabLst/>
-            </a:pPr>
-            <a:r>
-              <a:rPr kumimoji="0" lang="en-US" altLang="en-US" sz="1800" b="1" i="0" u="none" strike="noStrike" cap="none" normalizeH="0" baseline="0" dirty="0" err="1">
-                <a:ln>
-                  <a:noFill/>
-                </a:ln>
-                <a:solidFill>
-                  <a:schemeClr val="tx1"/>
-                </a:solidFill>
-                <a:effectLst/>
-                <a:latin typeface="Arial" panose="020B0604020202020204" pitchFamily="34" charset="0"/>
-              </a:rPr>
-              <a:t>IIdentifiable</a:t>
-            </a:r>
-            <a:br>
-              <a:rPr kumimoji="0" lang="en-US" altLang="en-US" sz="1800" b="0" i="0" u="none" strike="noStrike" cap="none" normalizeH="0" baseline="0" dirty="0">
-                <a:ln>
-                  <a:noFill/>
-                </a:ln>
-                <a:solidFill>
-                  <a:schemeClr val="tx1"/>
-                </a:solidFill>
-                <a:effectLst/>
-                <a:latin typeface="Arial" panose="020B0604020202020204" pitchFamily="34" charset="0"/>
-              </a:rPr>
-            </a:br>
-            <a:r>
-              <a:rPr kumimoji="0" lang="en-US" altLang="en-US" sz="1800" b="0" i="0" u="none" strike="noStrike" cap="none" normalizeH="0" baseline="0" dirty="0">
-                <a:ln>
-                  <a:noFill/>
-                </a:ln>
-                <a:solidFill>
-                  <a:schemeClr val="tx1"/>
-                </a:solidFill>
-                <a:effectLst/>
-                <a:latin typeface="Arial" panose="020B0604020202020204" pitchFamily="34" charset="0"/>
-              </a:rPr>
-              <a:t>Ensures every entity has a read-only.</a:t>
-            </a:r>
-          </a:p>
-          <a:p>
-            <a:pPr marL="0" marR="0" lvl="0" indent="0" algn="l" defTabSz="914400" rtl="0" eaLnBrk="0" fontAlgn="base" latinLnBrk="0" hangingPunct="0">
-              <a:lnSpc>
-                <a:spcPct val="100000"/>
-              </a:lnSpc>
-              <a:spcBef>
-                <a:spcPct val="0"/>
-              </a:spcBef>
-              <a:spcAft>
-                <a:spcPct val="0"/>
-              </a:spcAft>
-              <a:buClrTx/>
-              <a:buSzTx/>
-              <a:buFontTx/>
-              <a:buChar char="•"/>
-              <a:tabLst/>
-            </a:pPr>
-            <a:r>
-              <a:rPr kumimoji="0" lang="en-US" altLang="en-US" sz="1800" b="1" i="0" u="none" strike="noStrike" cap="none" normalizeH="0" baseline="0" dirty="0" err="1">
-                <a:ln>
-                  <a:noFill/>
-                </a:ln>
-                <a:solidFill>
-                  <a:schemeClr val="tx1"/>
-                </a:solidFill>
-                <a:effectLst/>
-                <a:latin typeface="Arial" panose="020B0604020202020204" pitchFamily="34" charset="0"/>
-              </a:rPr>
-              <a:t>IActivatable</a:t>
-            </a:r>
-            <a:br>
-              <a:rPr kumimoji="0" lang="en-US" altLang="en-US" sz="1800" b="0" i="0" u="none" strike="noStrike" cap="none" normalizeH="0" baseline="0" dirty="0">
-                <a:ln>
-                  <a:noFill/>
-                </a:ln>
-                <a:solidFill>
-                  <a:schemeClr val="tx1"/>
-                </a:solidFill>
-                <a:effectLst/>
-                <a:latin typeface="Arial" panose="020B0604020202020204" pitchFamily="34" charset="0"/>
-              </a:rPr>
-            </a:br>
-            <a:r>
-              <a:rPr kumimoji="0" lang="en-US" altLang="en-US" sz="1800" b="0" i="0" u="none" strike="noStrike" cap="none" normalizeH="0" baseline="0" dirty="0">
-                <a:ln>
-                  <a:noFill/>
-                </a:ln>
-                <a:solidFill>
-                  <a:schemeClr val="tx1"/>
-                </a:solidFill>
-                <a:effectLst/>
-                <a:latin typeface="Arial" panose="020B0604020202020204" pitchFamily="34" charset="0"/>
-              </a:rPr>
-              <a:t>Ensures every can be activable.</a:t>
-            </a:r>
-          </a:p>
-          <a:p>
-            <a:pPr marL="0" marR="0" lvl="0" indent="0" algn="l" defTabSz="914400" rtl="0" eaLnBrk="0" fontAlgn="base" latinLnBrk="0" hangingPunct="0">
-              <a:lnSpc>
-                <a:spcPct val="100000"/>
-              </a:lnSpc>
-              <a:spcBef>
-                <a:spcPct val="0"/>
-              </a:spcBef>
-              <a:spcAft>
-                <a:spcPct val="0"/>
-              </a:spcAft>
-              <a:buClrTx/>
-              <a:buSzTx/>
-              <a:buFontTx/>
-              <a:buChar char="•"/>
-              <a:tabLst/>
-            </a:pPr>
-            <a:r>
-              <a:rPr kumimoji="0" lang="en-US" altLang="en-US" sz="1800" b="1" i="0" u="none" strike="noStrike" cap="none" normalizeH="0" baseline="0" dirty="0" err="1">
-                <a:ln>
-                  <a:noFill/>
-                </a:ln>
-                <a:solidFill>
-                  <a:schemeClr val="tx1"/>
-                </a:solidFill>
-                <a:effectLst/>
-                <a:latin typeface="Arial" panose="020B0604020202020204" pitchFamily="34" charset="0"/>
-              </a:rPr>
-              <a:t>IEntity</a:t>
-            </a:r>
-            <a:br>
-              <a:rPr kumimoji="0" lang="en-US" altLang="en-US" sz="1800" b="0" i="0" u="none" strike="noStrike" cap="none" normalizeH="0" baseline="0" dirty="0">
-                <a:ln>
-                  <a:noFill/>
-                </a:ln>
-                <a:solidFill>
-                  <a:schemeClr val="tx1"/>
-                </a:solidFill>
-                <a:effectLst/>
-                <a:latin typeface="Arial" panose="020B0604020202020204" pitchFamily="34" charset="0"/>
-              </a:rPr>
-            </a:br>
-            <a:r>
-              <a:rPr kumimoji="0" lang="en-US" altLang="en-US" sz="1800" b="0" i="0" u="none" strike="noStrike" cap="none" normalizeH="0" baseline="0" dirty="0">
-                <a:ln>
-                  <a:noFill/>
-                </a:ln>
-                <a:solidFill>
-                  <a:schemeClr val="tx1"/>
-                </a:solidFill>
-                <a:effectLst/>
-                <a:latin typeface="Arial" panose="020B0604020202020204" pitchFamily="34" charset="0"/>
-              </a:rPr>
-              <a:t>Inherits both, serving as the base for all domain entities.</a:t>
-            </a:r>
-          </a:p>
-        </p:txBody>
-      </p:sp>
-      <p:sp>
-        <p:nvSpPr>
-          <p:cNvPr id="7" name="TextBox 6">
-            <a:extLst>
-              <a:ext uri="{FF2B5EF4-FFF2-40B4-BE49-F238E27FC236}">
-                <a16:creationId xmlns:a16="http://schemas.microsoft.com/office/drawing/2014/main" id="{B421C1D5-A708-C611-1557-9C78B4B8700B}"/>
-              </a:ext>
-            </a:extLst>
-          </p:cNvPr>
-          <p:cNvSpPr txBox="1"/>
-          <p:nvPr/>
-        </p:nvSpPr>
-        <p:spPr>
-          <a:xfrm>
-            <a:off x="3168632" y="3330296"/>
-            <a:ext cx="5874833" cy="1569660"/>
-          </a:xfrm>
-          <a:prstGeom prst="rect">
-            <a:avLst/>
-          </a:prstGeom>
-          <a:noFill/>
-        </p:spPr>
-        <p:txBody>
-          <a:bodyPr wrap="square">
-            <a:spAutoFit/>
-          </a:bodyPr>
-          <a:lstStyle/>
-          <a:p>
-            <a:pPr marL="0" marR="0" lvl="0" indent="0" algn="l" defTabSz="914400" rtl="0" eaLnBrk="0" fontAlgn="base" latinLnBrk="0" hangingPunct="0">
-              <a:lnSpc>
-                <a:spcPct val="100000"/>
-              </a:lnSpc>
-              <a:spcBef>
-                <a:spcPct val="0"/>
-              </a:spcBef>
-              <a:spcAft>
-                <a:spcPct val="0"/>
-              </a:spcAft>
-              <a:buClrTx/>
-              <a:buSzTx/>
-              <a:buFontTx/>
-              <a:buNone/>
-              <a:tabLst/>
-            </a:pPr>
-            <a:r>
-              <a:rPr kumimoji="0" lang="en-US" altLang="en-US" sz="3200" b="0" i="1" u="none" strike="noStrike" cap="none" normalizeH="0" baseline="0" dirty="0">
-                <a:ln>
-                  <a:noFill/>
-                </a:ln>
-                <a:solidFill>
-                  <a:schemeClr val="tx1"/>
-                </a:solidFill>
-                <a:effectLst/>
-                <a:latin typeface="Arial" panose="020B0604020202020204" pitchFamily="34" charset="0"/>
-              </a:rPr>
-              <a:t>Benefit:</a:t>
-            </a:r>
-            <a:r>
-              <a:rPr kumimoji="0" lang="en-US" altLang="en-US" sz="3200" b="0" i="0" u="none" strike="noStrike" cap="none" normalizeH="0" baseline="0" dirty="0">
-                <a:ln>
-                  <a:noFill/>
-                </a:ln>
-                <a:solidFill>
-                  <a:schemeClr val="tx1"/>
-                </a:solidFill>
-                <a:effectLst/>
-                <a:latin typeface="Arial" panose="020B0604020202020204" pitchFamily="34" charset="0"/>
-              </a:rPr>
-              <a:t> Standardizes identity and lifecycle across your models.</a:t>
-            </a:r>
-          </a:p>
-        </p:txBody>
-      </p:sp>
-    </p:spTree>
-  </p:cSld>
-  <p:clrMapOvr>
-    <a:masterClrMapping/>
-  </p:clrMapOvr>
-</p:sld>
-</file>
-
-<file path=ppt/slides/slide5.xml><?xml version="1.0" encoding="utf-8"?>
-<p:sld xmlns:a="http://schemas.openxmlformats.org/drawingml/2006/main" xmlns:r="http://schemas.openxmlformats.org/officeDocument/2006/relationships" xmlns:p="http://schemas.openxmlformats.org/presentationml/2006/main">
-  <p:cSld>
-    <p:bg>
-      <p:bgPr>
-        <a:solidFill>
-          <a:schemeClr val="bg1"/>
-        </a:solidFill>
-        <a:effectLst/>
-      </p:bgPr>
-    </p:bg>
-    <p:spTree>
-      <p:nvGrpSpPr>
-        <p:cNvPr id="1" name="">
-          <a:extLst>
-            <a:ext uri="{FF2B5EF4-FFF2-40B4-BE49-F238E27FC236}">
-              <a16:creationId xmlns:a16="http://schemas.microsoft.com/office/drawing/2014/main" id="{08BBFEB9-B96E-FDD2-C0F5-E3B695CF92F9}"/>
-            </a:ext>
-          </a:extLst>
-        </p:cNvPr>
-        <p:cNvGrpSpPr/>
-        <p:nvPr/>
-      </p:nvGrpSpPr>
-      <p:grpSpPr>
-        <a:xfrm>
-          <a:off x="0" y="0"/>
-          <a:ext cx="0" cy="0"/>
-          <a:chOff x="0" y="0"/>
-          <a:chExt cx="0" cy="0"/>
-        </a:xfrm>
-      </p:grpSpPr>
-      <p:sp useBgFill="1">
-        <p:nvSpPr>
-          <p:cNvPr id="8" name="Rectangle 7">
-            <a:extLst>
-              <a:ext uri="{FF2B5EF4-FFF2-40B4-BE49-F238E27FC236}">
-                <a16:creationId xmlns:a16="http://schemas.microsoft.com/office/drawing/2014/main" id="{1B15ED52-F352-441B-82BF-E0EA34836D08}"/>
-              </a:ext>
-              <a:ext uri="{C183D7F6-B498-43B3-948B-1728B52AA6E4}">
-                <adec:decorative xmlns:adec="http://schemas.microsoft.com/office/drawing/2017/decorative" val="1"/>
-              </a:ext>
-            </a:extLst>
-          </p:cNvPr>
-          <p:cNvSpPr>
-            <a:spLocks noGrp="1" noRot="1" noChangeAspect="1" noMove="1" noResize="1" noEditPoints="1" noAdjustHandles="1" noChangeArrowheads="1" noChangeShapeType="1" noTextEdit="1"/>
-          </p:cNvSpPr>
-          <p:nvPr>
-            <p:extLst>
-              <p:ext uri="{386F3935-93C4-4BCD-93E2-E3B085C9AB24}">
-                <p16:designElem xmlns:p16="http://schemas.microsoft.com/office/powerpoint/2015/main" val="1"/>
-              </p:ext>
-            </p:extLst>
-          </p:nvPr>
-        </p:nvSpPr>
-        <p:spPr>
-          <a:xfrm>
-            <a:off x="0" y="0"/>
-            <a:ext cx="9144000" cy="6858000"/>
-          </a:xfrm>
-          <a:prstGeom prst="rect">
-            <a:avLst/>
-          </a:prstGeom>
-          <a:ln w="12700" cap="flat" cmpd="sng" algn="ctr">
-            <a:noFill/>
-            <a:prstDash val="solid"/>
-            <a:miter lim="800000"/>
-          </a:ln>
-          <a:effectLst/>
-          <a:extLst>
-            <a:ext uri="{91240B29-F687-4F45-9708-019B960494DF}">
-              <a14:hiddenLine xmlns:a14="http://schemas.microsoft.com/office/drawing/2010/main" w="12700" cap="flat" cmpd="sng" algn="ctr">
-                <a:solidFill>
-                  <a:schemeClr val="accent1">
-                    <a:shade val="50000"/>
-                  </a:schemeClr>
-                </a:solidFill>
-                <a:prstDash val="solid"/>
-                <a:miter lim="800000"/>
-              </a14:hiddenLine>
-            </a:ext>
-          </a:extLst>
-        </p:spPr>
-        <p:style>
-          <a:lnRef idx="2">
-            <a:schemeClr val="accent1">
-              <a:shade val="50000"/>
-            </a:schemeClr>
-          </a:lnRef>
-          <a:fillRef idx="1">
-            <a:schemeClr val="accent1"/>
-          </a:fillRef>
-          <a:effectRef idx="0">
-            <a:schemeClr val="accent1"/>
-          </a:effectRef>
-          <a:fontRef idx="minor">
-            <a:schemeClr val="lt1"/>
-          </a:fontRef>
-        </p:style>
-        <p:txBody>
-          <a:bodyPr rtlCol="0" anchor="ctr"/>
-          <a:lstStyle/>
-          <a:p>
-            <a:pPr algn="ctr"/>
-            <a:endParaRPr lang="en-US"/>
-          </a:p>
-        </p:txBody>
-      </p:sp>
-      <p:sp>
-        <p:nvSpPr>
-          <p:cNvPr id="10" name="Rectangle 9">
-            <a:extLst>
-              <a:ext uri="{FF2B5EF4-FFF2-40B4-BE49-F238E27FC236}">
-                <a16:creationId xmlns:a16="http://schemas.microsoft.com/office/drawing/2014/main" id="{3B2E3793-BFE6-45A2-9B7B-E18844431C99}"/>
-              </a:ext>
-              <a:ext uri="{C183D7F6-B498-43B3-948B-1728B52AA6E4}">
-                <adec:decorative xmlns:adec="http://schemas.microsoft.com/office/drawing/2017/decorative" val="1"/>
-              </a:ext>
-            </a:extLst>
-          </p:cNvPr>
-          <p:cNvSpPr>
-            <a:spLocks noGrp="1" noRot="1" noChangeAspect="1" noMove="1" noResize="1" noEditPoints="1" noAdjustHandles="1" noChangeArrowheads="1" noChangeShapeType="1" noTextEdit="1"/>
-          </p:cNvSpPr>
-          <p:nvPr>
-            <p:extLst>
-              <p:ext uri="{386F3935-93C4-4BCD-93E2-E3B085C9AB24}">
-                <p16:designElem xmlns:p16="http://schemas.microsoft.com/office/powerpoint/2015/main" val="1"/>
-              </p:ext>
-            </p:extLst>
-          </p:nvPr>
-        </p:nvSpPr>
-        <p:spPr>
-          <a:xfrm flipH="1">
-            <a:off x="0" y="-1"/>
-            <a:ext cx="9143997" cy="1590742"/>
-          </a:xfrm>
-          <a:prstGeom prst="rect">
-            <a:avLst/>
-          </a:prstGeom>
-          <a:gradFill>
-            <a:gsLst>
-              <a:gs pos="0">
-                <a:srgbClr val="000000"/>
-              </a:gs>
-              <a:gs pos="100000">
-                <a:schemeClr val="accent1">
-                  <a:lumMod val="75000"/>
-                </a:schemeClr>
-              </a:gs>
-            </a:gsLst>
-            <a:lin ang="8400000" scaled="0"/>
-          </a:gradFill>
-          <a:ln>
-            <a:noFill/>
-          </a:ln>
-        </p:spPr>
-        <p:style>
-          <a:lnRef idx="2">
-            <a:schemeClr val="accent1">
-              <a:shade val="50000"/>
-            </a:schemeClr>
-          </a:lnRef>
-          <a:fillRef idx="1">
-            <a:schemeClr val="accent1"/>
-          </a:fillRef>
-          <a:effectRef idx="0">
-            <a:schemeClr val="accent1"/>
-          </a:effectRef>
-          <a:fontRef idx="minor">
-            <a:schemeClr val="lt1"/>
-          </a:fontRef>
-        </p:style>
-        <p:txBody>
-          <a:bodyPr rtlCol="0" anchor="ctr"/>
-          <a:lstStyle/>
-          <a:p>
-            <a:pPr algn="ctr"/>
-            <a:endParaRPr lang="en-US"/>
-          </a:p>
-        </p:txBody>
-      </p:sp>
-      <p:sp>
-        <p:nvSpPr>
-          <p:cNvPr id="12" name="Rectangle 11">
-            <a:extLst>
-              <a:ext uri="{FF2B5EF4-FFF2-40B4-BE49-F238E27FC236}">
-                <a16:creationId xmlns:a16="http://schemas.microsoft.com/office/drawing/2014/main" id="{BC4C4868-CB8F-4AF9-9CDB-8108F2C19B67}"/>
-              </a:ext>
-              <a:ext uri="{C183D7F6-B498-43B3-948B-1728B52AA6E4}">
-                <adec:decorative xmlns:adec="http://schemas.microsoft.com/office/drawing/2017/decorative" val="1"/>
-              </a:ext>
-            </a:extLst>
-          </p:cNvPr>
-          <p:cNvSpPr>
-            <a:spLocks noGrp="1" noRot="1" noChangeAspect="1" noMove="1" noResize="1" noEditPoints="1" noAdjustHandles="1" noChangeArrowheads="1" noChangeShapeType="1" noTextEdit="1"/>
-          </p:cNvSpPr>
-          <p:nvPr>
-            <p:extLst>
-              <p:ext uri="{386F3935-93C4-4BCD-93E2-E3B085C9AB24}">
-                <p16:designElem xmlns:p16="http://schemas.microsoft.com/office/powerpoint/2015/main" val="1"/>
-              </p:ext>
-            </p:extLst>
-          </p:nvPr>
-        </p:nvSpPr>
-        <p:spPr>
-          <a:xfrm rot="10800000" flipH="1">
-            <a:off x="-2" y="0"/>
-            <a:ext cx="6086479" cy="1590742"/>
-          </a:xfrm>
-          <a:prstGeom prst="rect">
-            <a:avLst/>
-          </a:prstGeom>
-          <a:gradFill>
-            <a:gsLst>
-              <a:gs pos="20000">
-                <a:schemeClr val="accent1">
-                  <a:alpha val="0"/>
-                </a:schemeClr>
-              </a:gs>
-              <a:gs pos="100000">
-                <a:schemeClr val="accent1">
-                  <a:lumMod val="50000"/>
-                  <a:alpha val="55000"/>
-                </a:schemeClr>
-              </a:gs>
-            </a:gsLst>
-            <a:lin ang="13800000" scaled="0"/>
-          </a:gradFill>
-          <a:ln>
-            <a:noFill/>
-          </a:ln>
-        </p:spPr>
-        <p:style>
-          <a:lnRef idx="2">
-            <a:schemeClr val="accent1">
-              <a:shade val="50000"/>
-            </a:schemeClr>
-          </a:lnRef>
-          <a:fillRef idx="1">
-            <a:schemeClr val="accent1"/>
-          </a:fillRef>
-          <a:effectRef idx="0">
-            <a:schemeClr val="accent1"/>
-          </a:effectRef>
-          <a:fontRef idx="minor">
-            <a:schemeClr val="lt1"/>
-          </a:fontRef>
-        </p:style>
-        <p:txBody>
-          <a:bodyPr rtlCol="0" anchor="ctr"/>
-          <a:lstStyle/>
-          <a:p>
-            <a:pPr algn="ctr"/>
-            <a:endParaRPr lang="en-US"/>
-          </a:p>
-        </p:txBody>
-      </p:sp>
-      <p:sp>
-        <p:nvSpPr>
-          <p:cNvPr id="14" name="Rectangle 13">
-            <a:extLst>
-              <a:ext uri="{FF2B5EF4-FFF2-40B4-BE49-F238E27FC236}">
-                <a16:creationId xmlns:a16="http://schemas.microsoft.com/office/drawing/2014/main" id="{375E0459-6403-40CD-989D-56A4407CA12E}"/>
-              </a:ext>
-              <a:ext uri="{C183D7F6-B498-43B3-948B-1728B52AA6E4}">
-                <adec:decorative xmlns:adec="http://schemas.microsoft.com/office/drawing/2017/decorative" val="1"/>
-              </a:ext>
-            </a:extLst>
-          </p:cNvPr>
-          <p:cNvSpPr>
-            <a:spLocks noGrp="1" noRot="1" noChangeAspect="1" noMove="1" noResize="1" noEditPoints="1" noAdjustHandles="1" noChangeArrowheads="1" noChangeShapeType="1" noTextEdit="1"/>
-          </p:cNvSpPr>
-          <p:nvPr>
-            <p:extLst>
-              <p:ext uri="{386F3935-93C4-4BCD-93E2-E3B085C9AB24}">
-                <p16:designElem xmlns:p16="http://schemas.microsoft.com/office/powerpoint/2015/main" val="1"/>
-              </p:ext>
-            </p:extLst>
-          </p:nvPr>
-        </p:nvSpPr>
-        <p:spPr>
-          <a:xfrm flipH="1">
-            <a:off x="6086474" y="-1"/>
-            <a:ext cx="3057523" cy="1590742"/>
-          </a:xfrm>
-          <a:prstGeom prst="rect">
-            <a:avLst/>
-          </a:prstGeom>
-          <a:gradFill>
-            <a:gsLst>
-              <a:gs pos="0">
-                <a:schemeClr val="accent1">
-                  <a:alpha val="66000"/>
-                </a:schemeClr>
-              </a:gs>
-              <a:gs pos="100000">
-                <a:srgbClr val="000000">
-                  <a:alpha val="30000"/>
-                </a:srgbClr>
-              </a:gs>
-            </a:gsLst>
-            <a:lin ang="13200000" scaled="0"/>
-          </a:gradFill>
-          <a:ln>
-            <a:noFill/>
-          </a:ln>
-        </p:spPr>
-        <p:style>
-          <a:lnRef idx="2">
-            <a:schemeClr val="accent1">
-              <a:shade val="50000"/>
-            </a:schemeClr>
-          </a:lnRef>
-          <a:fillRef idx="1">
-            <a:schemeClr val="accent1"/>
-          </a:fillRef>
-          <a:effectRef idx="0">
-            <a:schemeClr val="accent1"/>
-          </a:effectRef>
-          <a:fontRef idx="minor">
-            <a:schemeClr val="lt1"/>
-          </a:fontRef>
-        </p:style>
-        <p:txBody>
-          <a:bodyPr rtlCol="0" anchor="ctr"/>
-          <a:lstStyle/>
-          <a:p>
-            <a:pPr algn="ctr"/>
-            <a:endParaRPr lang="en-US"/>
-          </a:p>
-        </p:txBody>
-      </p:sp>
-      <p:sp>
-        <p:nvSpPr>
-          <p:cNvPr id="16" name="Rectangle 15">
-            <a:extLst>
-              <a:ext uri="{FF2B5EF4-FFF2-40B4-BE49-F238E27FC236}">
-                <a16:creationId xmlns:a16="http://schemas.microsoft.com/office/drawing/2014/main" id="{53E5B1A8-3AC9-4BD1-9BBC-78CA94F2D1BA}"/>
-              </a:ext>
-              <a:ext uri="{C183D7F6-B498-43B3-948B-1728B52AA6E4}">
-                <adec:decorative xmlns:adec="http://schemas.microsoft.com/office/drawing/2017/decorative" val="1"/>
-              </a:ext>
-            </a:extLst>
-          </p:cNvPr>
-          <p:cNvSpPr>
-            <a:spLocks noGrp="1" noRot="1" noChangeAspect="1" noMove="1" noResize="1" noEditPoints="1" noAdjustHandles="1" noChangeArrowheads="1" noChangeShapeType="1" noTextEdit="1"/>
-          </p:cNvSpPr>
-          <p:nvPr>
-            <p:extLst>
-              <p:ext uri="{386F3935-93C4-4BCD-93E2-E3B085C9AB24}">
-                <p16:designElem xmlns:p16="http://schemas.microsoft.com/office/powerpoint/2015/main" val="1"/>
-              </p:ext>
-            </p:extLst>
-          </p:nvPr>
-        </p:nvSpPr>
-        <p:spPr>
-          <a:xfrm>
-            <a:off x="344512" y="-1"/>
-            <a:ext cx="8799485" cy="1597433"/>
-          </a:xfrm>
-          <a:prstGeom prst="rect">
-            <a:avLst/>
-          </a:prstGeom>
-          <a:gradFill>
-            <a:gsLst>
-              <a:gs pos="50000">
-                <a:srgbClr val="000000">
-                  <a:alpha val="0"/>
-                </a:srgbClr>
-              </a:gs>
-              <a:gs pos="99000">
-                <a:schemeClr val="accent1">
-                  <a:lumMod val="50000"/>
-                  <a:alpha val="52000"/>
-                </a:schemeClr>
-              </a:gs>
-            </a:gsLst>
-            <a:lin ang="16800000" scaled="0"/>
-          </a:gradFill>
-          <a:ln>
-            <a:noFill/>
-          </a:ln>
-        </p:spPr>
-        <p:style>
-          <a:lnRef idx="2">
-            <a:schemeClr val="accent1">
-              <a:shade val="50000"/>
-            </a:schemeClr>
-          </a:lnRef>
-          <a:fillRef idx="1">
-            <a:schemeClr val="accent1"/>
-          </a:fillRef>
-          <a:effectRef idx="0">
-            <a:schemeClr val="accent1"/>
-          </a:effectRef>
-          <a:fontRef idx="minor">
-            <a:schemeClr val="lt1"/>
-          </a:fontRef>
-        </p:style>
-        <p:txBody>
-          <a:bodyPr rtlCol="0" anchor="ctr"/>
-          <a:lstStyle/>
-          <a:p>
-            <a:pPr algn="ctr"/>
-            <a:endParaRPr lang="en-US"/>
-          </a:p>
-        </p:txBody>
-      </p:sp>
-      <p:sp>
-        <p:nvSpPr>
-          <p:cNvPr id="2" name="Title 1">
-            <a:extLst>
-              <a:ext uri="{FF2B5EF4-FFF2-40B4-BE49-F238E27FC236}">
-                <a16:creationId xmlns:a16="http://schemas.microsoft.com/office/drawing/2014/main" id="{4C2E59CA-67ED-07F2-95EB-91A3ABE29178}"/>
-              </a:ext>
-            </a:extLst>
-          </p:cNvPr>
-          <p:cNvSpPr>
-            <a:spLocks noGrp="1"/>
-          </p:cNvSpPr>
-          <p:nvPr>
-            <p:ph type="title"/>
-          </p:nvPr>
-        </p:nvSpPr>
-        <p:spPr>
-          <a:xfrm>
-            <a:off x="1028699" y="294538"/>
-            <a:ext cx="7421963" cy="1033669"/>
-          </a:xfrm>
-        </p:spPr>
-        <p:txBody>
-          <a:bodyPr>
-            <a:normAutofit/>
-          </a:bodyPr>
-          <a:lstStyle/>
-          <a:p>
-            <a:r>
-              <a:rPr lang="en-CA" sz="3500">
-                <a:solidFill>
-                  <a:srgbClr val="FFFFFF"/>
-                </a:solidFill>
-              </a:rPr>
-              <a:t>Solution Structure</a:t>
-            </a:r>
-          </a:p>
-        </p:txBody>
-      </p:sp>
-      <p:sp>
-        <p:nvSpPr>
-          <p:cNvPr id="3" name="Content Placeholder 2">
-            <a:extLst>
-              <a:ext uri="{FF2B5EF4-FFF2-40B4-BE49-F238E27FC236}">
-                <a16:creationId xmlns:a16="http://schemas.microsoft.com/office/drawing/2014/main" id="{F02EA632-7E52-F933-5658-93F01F9A6AC8}"/>
-              </a:ext>
-            </a:extLst>
-          </p:cNvPr>
-          <p:cNvSpPr>
-            <a:spLocks noGrp="1"/>
-          </p:cNvSpPr>
-          <p:nvPr>
-            <p:ph idx="1"/>
-          </p:nvPr>
-        </p:nvSpPr>
-        <p:spPr>
-          <a:xfrm>
-            <a:off x="1028699" y="2318197"/>
-            <a:ext cx="7293023" cy="3683358"/>
-          </a:xfrm>
-        </p:spPr>
-        <p:txBody>
-          <a:bodyPr anchor="ctr">
-            <a:normAutofit/>
-          </a:bodyPr>
-          <a:lstStyle/>
-          <a:p>
-            <a:r>
-              <a:rPr lang="en-CA" sz="1700"/>
-              <a:t>Autodesk.MembersPlatform.sln – Root solution coordinating all projects</a:t>
-            </a:r>
-          </a:p>
-          <a:p>
-            <a:pPr lvl="1"/>
-            <a:r>
-              <a:rPr lang="en-CA" sz="1700"/>
-              <a:t>Domain.Interfaces.Entity – Abstractions (IIdentifiable, IActivatable, IEntity)</a:t>
-            </a:r>
-          </a:p>
-          <a:p>
-            <a:pPr lvl="1"/>
-            <a:r>
-              <a:rPr lang="en-CA" sz="1700"/>
-              <a:t>Autodesk.Members.Api – ASP.NET Core Web API (CRUD endpoints)</a:t>
-            </a:r>
-          </a:p>
-          <a:p>
-            <a:pPr lvl="1"/>
-            <a:r>
-              <a:rPr lang="en-CA" sz="1700"/>
-              <a:t>Autodesk.Members.Core – Domain logic and business rules</a:t>
-            </a:r>
-          </a:p>
-          <a:p>
-            <a:pPr lvl="1"/>
-            <a:r>
-              <a:rPr lang="en-CA" sz="1700"/>
-              <a:t>Autodesk.Members.Infrastructure – EF Core + SQLite (data access)</a:t>
-            </a:r>
-          </a:p>
-          <a:p>
-            <a:pPr lvl="1"/>
-            <a:r>
-              <a:rPr lang="en-CA" sz="1700"/>
-              <a:t>Autodesk.Members.Client – Blazor WebAssembly UI (sample consumer)</a:t>
-            </a:r>
-          </a:p>
-          <a:p>
-            <a:pPr lvl="1"/>
-            <a:r>
-              <a:rPr lang="en-CA" sz="1700"/>
-              <a:t>Autodesk.Members.Tests – xUnit unit &amp; integration tests</a:t>
-            </a:r>
+            <a:endParaRPr lang="en-CA"/>
           </a:p>
         </p:txBody>
       </p:sp>
     </p:spTree>
     <p:extLst>
       <p:ext uri="{BB962C8B-B14F-4D97-AF65-F5344CB8AC3E}">
-        <p14:creationId xmlns:p14="http://schemas.microsoft.com/office/powerpoint/2010/main" val="778288290"/>
+        <p14:creationId xmlns:p14="http://schemas.microsoft.com/office/powerpoint/2010/main" val="4097868121"/>
       </p:ext>
     </p:extLst>
-  </p:cSld>
-  <p:clrMapOvr>
-    <a:masterClrMapping/>
-  </p:clrMapOvr>
-</p:sld>
-</file>
-
-<file path=ppt/slides/slide6.xml><?xml version="1.0" encoding="utf-8"?>
-<p:sld xmlns:a="http://schemas.openxmlformats.org/drawingml/2006/main" xmlns:r="http://schemas.openxmlformats.org/officeDocument/2006/relationships" xmlns:p="http://schemas.openxmlformats.org/presentationml/2006/main">
-  <p:cSld>
-    <p:bg>
-      <p:bgPr>
-        <a:solidFill>
-          <a:schemeClr val="bg1"/>
-        </a:solidFill>
-        <a:effectLst/>
-      </p:bgPr>
-    </p:bg>
-    <p:spTree>
-      <p:nvGrpSpPr>
-        <p:cNvPr id="1" name=""/>
-        <p:cNvGrpSpPr/>
-        <p:nvPr/>
-      </p:nvGrpSpPr>
-      <p:grpSpPr>
-        <a:xfrm>
-          <a:off x="0" y="0"/>
-          <a:ext cx="0" cy="0"/>
-          <a:chOff x="0" y="0"/>
-          <a:chExt cx="0" cy="0"/>
-        </a:xfrm>
-      </p:grpSpPr>
-      <p:sp useBgFill="1">
-        <p:nvSpPr>
-          <p:cNvPr id="8" name="Rectangle 7">
-            <a:extLst>
-              <a:ext uri="{FF2B5EF4-FFF2-40B4-BE49-F238E27FC236}">
-                <a16:creationId xmlns:a16="http://schemas.microsoft.com/office/drawing/2014/main" id="{09588DA8-065E-4F6F-8EFD-43104AB2E0CF}"/>
-              </a:ext>
-              <a:ext uri="{C183D7F6-B498-43B3-948B-1728B52AA6E4}">
-                <adec:decorative xmlns:adec="http://schemas.microsoft.com/office/drawing/2017/decorative" val="1"/>
-              </a:ext>
-            </a:extLst>
-          </p:cNvPr>
-          <p:cNvSpPr>
-            <a:spLocks noGrp="1" noRot="1" noChangeAspect="1" noMove="1" noResize="1" noEditPoints="1" noAdjustHandles="1" noChangeArrowheads="1" noChangeShapeType="1" noTextEdit="1"/>
-          </p:cNvSpPr>
-          <p:nvPr>
-            <p:extLst>
-              <p:ext uri="{386F3935-93C4-4BCD-93E2-E3B085C9AB24}">
-                <p16:designElem xmlns:p16="http://schemas.microsoft.com/office/powerpoint/2015/main" val="1"/>
-              </p:ext>
-            </p:extLst>
-          </p:nvPr>
-        </p:nvSpPr>
-        <p:spPr>
-          <a:xfrm>
-            <a:off x="0" y="0"/>
-            <a:ext cx="9144000" cy="6858000"/>
-          </a:xfrm>
-          <a:prstGeom prst="rect">
-            <a:avLst/>
-          </a:prstGeom>
-          <a:ln w="12700" cap="flat" cmpd="sng" algn="ctr">
-            <a:noFill/>
-            <a:prstDash val="solid"/>
-            <a:miter lim="800000"/>
-          </a:ln>
-          <a:effectLst/>
-          <a:extLst>
-            <a:ext uri="{91240B29-F687-4F45-9708-019B960494DF}">
-              <a14:hiddenLine xmlns:a14="http://schemas.microsoft.com/office/drawing/2010/main" w="12700" cap="flat" cmpd="sng" algn="ctr">
-                <a:solidFill>
-                  <a:schemeClr val="accent1">
-                    <a:shade val="50000"/>
-                  </a:schemeClr>
-                </a:solidFill>
-                <a:prstDash val="solid"/>
-                <a:miter lim="800000"/>
-              </a14:hiddenLine>
-            </a:ext>
-          </a:extLst>
-        </p:spPr>
-        <p:style>
-          <a:lnRef idx="2">
-            <a:schemeClr val="accent1">
-              <a:shade val="50000"/>
-            </a:schemeClr>
-          </a:lnRef>
-          <a:fillRef idx="1">
-            <a:schemeClr val="accent1"/>
-          </a:fillRef>
-          <a:effectRef idx="0">
-            <a:schemeClr val="accent1"/>
-          </a:effectRef>
-          <a:fontRef idx="minor">
-            <a:schemeClr val="lt1"/>
-          </a:fontRef>
-        </p:style>
-        <p:txBody>
-          <a:bodyPr rtlCol="0" anchor="ctr"/>
-          <a:lstStyle/>
-          <a:p>
-            <a:pPr algn="ctr"/>
-            <a:endParaRPr lang="en-US"/>
-          </a:p>
-        </p:txBody>
-      </p:sp>
-      <p:sp useBgFill="1">
-        <p:nvSpPr>
-          <p:cNvPr id="10" name="Rectangle 9">
-            <a:extLst>
-              <a:ext uri="{FF2B5EF4-FFF2-40B4-BE49-F238E27FC236}">
-                <a16:creationId xmlns:a16="http://schemas.microsoft.com/office/drawing/2014/main" id="{C4285719-470E-454C-AF62-8323075F1F5B}"/>
-              </a:ext>
-              <a:ext uri="{C183D7F6-B498-43B3-948B-1728B52AA6E4}">
-                <adec:decorative xmlns:adec="http://schemas.microsoft.com/office/drawing/2017/decorative" val="1"/>
-              </a:ext>
-            </a:extLst>
-          </p:cNvPr>
-          <p:cNvSpPr>
-            <a:spLocks noGrp="1" noRot="1" noChangeAspect="1" noMove="1" noResize="1" noEditPoints="1" noAdjustHandles="1" noChangeArrowheads="1" noChangeShapeType="1" noTextEdit="1"/>
-          </p:cNvSpPr>
-          <p:nvPr>
-            <p:extLst>
-              <p:ext uri="{386F3935-93C4-4BCD-93E2-E3B085C9AB24}">
-                <p16:designElem xmlns:p16="http://schemas.microsoft.com/office/powerpoint/2015/main" val="1"/>
-              </p:ext>
-            </p:extLst>
-          </p:nvPr>
-        </p:nvSpPr>
-        <p:spPr>
-          <a:xfrm>
-            <a:off x="0" y="0"/>
-            <a:ext cx="9141714" cy="6858000"/>
-          </a:xfrm>
-          <a:prstGeom prst="rect">
-            <a:avLst/>
-          </a:prstGeom>
-          <a:ln w="12700" cap="flat" cmpd="sng" algn="ctr">
-            <a:noFill/>
-            <a:prstDash val="solid"/>
-            <a:miter lim="800000"/>
-          </a:ln>
-          <a:effectLst/>
-          <a:extLst>
-            <a:ext uri="{91240B29-F687-4F45-9708-019B960494DF}">
-              <a14:hiddenLine xmlns:a14="http://schemas.microsoft.com/office/drawing/2010/main" w="12700" cap="flat" cmpd="sng" algn="ctr">
-                <a:solidFill>
-                  <a:schemeClr val="accent1">
-                    <a:shade val="50000"/>
-                  </a:schemeClr>
-                </a:solidFill>
-                <a:prstDash val="solid"/>
-                <a:miter lim="800000"/>
-              </a14:hiddenLine>
-            </a:ext>
-          </a:extLst>
-        </p:spPr>
-        <p:style>
-          <a:lnRef idx="2">
-            <a:schemeClr val="accent1">
-              <a:shade val="50000"/>
-            </a:schemeClr>
-          </a:lnRef>
-          <a:fillRef idx="1">
-            <a:schemeClr val="accent1"/>
-          </a:fillRef>
-          <a:effectRef idx="0">
-            <a:schemeClr val="accent1"/>
-          </a:effectRef>
-          <a:fontRef idx="minor">
-            <a:schemeClr val="lt1"/>
-          </a:fontRef>
-        </p:style>
-        <p:txBody>
-          <a:bodyPr rtlCol="0" anchor="ctr"/>
-          <a:lstStyle/>
-          <a:p>
-            <a:pPr algn="ctr"/>
-            <a:endParaRPr lang="en-US"/>
-          </a:p>
-        </p:txBody>
-      </p:sp>
-      <p:sp>
-        <p:nvSpPr>
-          <p:cNvPr id="12" name="Rectangle 11">
-            <a:extLst>
-              <a:ext uri="{FF2B5EF4-FFF2-40B4-BE49-F238E27FC236}">
-                <a16:creationId xmlns:a16="http://schemas.microsoft.com/office/drawing/2014/main" id="{CD9FE4EF-C4D8-49A0-B2FF-81D8DB7D8A24}"/>
-              </a:ext>
-              <a:ext uri="{C183D7F6-B498-43B3-948B-1728B52AA6E4}">
-                <adec:decorative xmlns:adec="http://schemas.microsoft.com/office/drawing/2017/decorative" val="1"/>
-              </a:ext>
-            </a:extLst>
-          </p:cNvPr>
-          <p:cNvSpPr>
-            <a:spLocks noGrp="1" noRot="1" noChangeAspect="1" noMove="1" noResize="1" noEditPoints="1" noAdjustHandles="1" noChangeArrowheads="1" noChangeShapeType="1" noTextEdit="1"/>
-          </p:cNvSpPr>
-          <p:nvPr>
-            <p:extLst>
-              <p:ext uri="{386F3935-93C4-4BCD-93E2-E3B085C9AB24}">
-                <p16:designElem xmlns:p16="http://schemas.microsoft.com/office/powerpoint/2015/main" val="1"/>
-              </p:ext>
-            </p:extLst>
-          </p:nvPr>
-        </p:nvSpPr>
-        <p:spPr>
-          <a:xfrm rot="5400000" flipH="1">
-            <a:off x="-1914813" y="1914812"/>
-            <a:ext cx="6858000" cy="3028377"/>
-          </a:xfrm>
-          <a:prstGeom prst="rect">
-            <a:avLst/>
-          </a:prstGeom>
-          <a:gradFill>
-            <a:gsLst>
-              <a:gs pos="8000">
-                <a:srgbClr val="000000"/>
-              </a:gs>
-              <a:gs pos="100000">
-                <a:schemeClr val="accent1">
-                  <a:lumMod val="75000"/>
-                </a:schemeClr>
-              </a:gs>
-            </a:gsLst>
-            <a:lin ang="3000000" scaled="0"/>
-          </a:gradFill>
-          <a:ln>
-            <a:noFill/>
-          </a:ln>
-        </p:spPr>
-        <p:style>
-          <a:lnRef idx="2">
-            <a:schemeClr val="accent1">
-              <a:shade val="50000"/>
-            </a:schemeClr>
-          </a:lnRef>
-          <a:fillRef idx="1">
-            <a:schemeClr val="accent1"/>
-          </a:fillRef>
-          <a:effectRef idx="0">
-            <a:schemeClr val="accent1"/>
-          </a:effectRef>
-          <a:fontRef idx="minor">
-            <a:schemeClr val="lt1"/>
-          </a:fontRef>
-        </p:style>
-        <p:txBody>
-          <a:bodyPr rtlCol="0" anchor="ctr"/>
-          <a:lstStyle/>
-          <a:p>
-            <a:pPr algn="ctr"/>
-            <a:endParaRPr lang="en-US"/>
-          </a:p>
-        </p:txBody>
-      </p:sp>
-      <p:sp>
-        <p:nvSpPr>
-          <p:cNvPr id="14" name="Rectangle 13">
-            <a:extLst>
-              <a:ext uri="{FF2B5EF4-FFF2-40B4-BE49-F238E27FC236}">
-                <a16:creationId xmlns:a16="http://schemas.microsoft.com/office/drawing/2014/main" id="{4300840D-0A0B-4512-BACA-B439D5B9C57C}"/>
-              </a:ext>
-              <a:ext uri="{C183D7F6-B498-43B3-948B-1728B52AA6E4}">
-                <adec:decorative xmlns:adec="http://schemas.microsoft.com/office/drawing/2017/decorative" val="1"/>
-              </a:ext>
-            </a:extLst>
-          </p:cNvPr>
-          <p:cNvSpPr>
-            <a:spLocks noGrp="1" noRot="1" noChangeAspect="1" noMove="1" noResize="1" noEditPoints="1" noAdjustHandles="1" noChangeArrowheads="1" noChangeShapeType="1" noTextEdit="1"/>
-          </p:cNvSpPr>
-          <p:nvPr>
-            <p:extLst>
-              <p:ext uri="{386F3935-93C4-4BCD-93E2-E3B085C9AB24}">
-                <p16:designElem xmlns:p16="http://schemas.microsoft.com/office/powerpoint/2015/main" val="1"/>
-              </p:ext>
-            </p:extLst>
-          </p:nvPr>
-        </p:nvSpPr>
-        <p:spPr>
-          <a:xfrm rot="5400000" flipH="1">
-            <a:off x="-1914814" y="1924949"/>
-            <a:ext cx="6857999" cy="3028379"/>
-          </a:xfrm>
-          <a:prstGeom prst="rect">
-            <a:avLst/>
-          </a:prstGeom>
-          <a:gradFill>
-            <a:gsLst>
-              <a:gs pos="0">
-                <a:srgbClr val="000000">
-                  <a:alpha val="0"/>
-                </a:srgbClr>
-              </a:gs>
-              <a:gs pos="99000">
-                <a:schemeClr val="accent1">
-                  <a:alpha val="46000"/>
-                </a:schemeClr>
-              </a:gs>
-            </a:gsLst>
-            <a:lin ang="1800000" scaled="0"/>
-          </a:gradFill>
-          <a:ln>
-            <a:noFill/>
-          </a:ln>
-        </p:spPr>
-        <p:style>
-          <a:lnRef idx="2">
-            <a:schemeClr val="accent1">
-              <a:shade val="50000"/>
-            </a:schemeClr>
-          </a:lnRef>
-          <a:fillRef idx="1">
-            <a:schemeClr val="accent1"/>
-          </a:fillRef>
-          <a:effectRef idx="0">
-            <a:schemeClr val="accent1"/>
-          </a:effectRef>
-          <a:fontRef idx="minor">
-            <a:schemeClr val="lt1"/>
-          </a:fontRef>
-        </p:style>
-        <p:txBody>
-          <a:bodyPr rtlCol="0" anchor="ctr"/>
-          <a:lstStyle/>
-          <a:p>
-            <a:pPr algn="ctr"/>
-            <a:endParaRPr lang="en-US"/>
-          </a:p>
-        </p:txBody>
-      </p:sp>
-      <p:sp>
-        <p:nvSpPr>
-          <p:cNvPr id="16" name="Rectangle 15">
-            <a:extLst>
-              <a:ext uri="{FF2B5EF4-FFF2-40B4-BE49-F238E27FC236}">
-                <a16:creationId xmlns:a16="http://schemas.microsoft.com/office/drawing/2014/main" id="{D2B78728-A580-49A7-84F9-6EF6F583ADE0}"/>
-              </a:ext>
-              <a:ext uri="{C183D7F6-B498-43B3-948B-1728B52AA6E4}">
-                <adec:decorative xmlns:adec="http://schemas.microsoft.com/office/drawing/2017/decorative" val="1"/>
-              </a:ext>
-            </a:extLst>
-          </p:cNvPr>
-          <p:cNvSpPr>
-            <a:spLocks noGrp="1" noRot="1" noChangeAspect="1" noMove="1" noResize="1" noEditPoints="1" noAdjustHandles="1" noChangeArrowheads="1" noChangeShapeType="1" noTextEdit="1"/>
-          </p:cNvSpPr>
-          <p:nvPr>
-            <p:extLst>
-              <p:ext uri="{386F3935-93C4-4BCD-93E2-E3B085C9AB24}">
-                <p16:designElem xmlns:p16="http://schemas.microsoft.com/office/powerpoint/2015/main" val="1"/>
-              </p:ext>
-            </p:extLst>
-          </p:nvPr>
-        </p:nvSpPr>
-        <p:spPr>
-          <a:xfrm rot="5400000" flipH="1">
-            <a:off x="263195" y="4092815"/>
-            <a:ext cx="2501979" cy="3028381"/>
-          </a:xfrm>
-          <a:prstGeom prst="rect">
-            <a:avLst/>
-          </a:prstGeom>
-          <a:gradFill>
-            <a:gsLst>
-              <a:gs pos="2000">
-                <a:schemeClr val="accent1">
-                  <a:alpha val="29000"/>
-                </a:schemeClr>
-              </a:gs>
-              <a:gs pos="100000">
-                <a:srgbClr val="000000">
-                  <a:alpha val="30000"/>
-                </a:srgbClr>
-              </a:gs>
-            </a:gsLst>
-            <a:lin ang="7800000" scaled="0"/>
-          </a:gradFill>
-          <a:ln>
-            <a:noFill/>
-          </a:ln>
-        </p:spPr>
-        <p:style>
-          <a:lnRef idx="2">
-            <a:schemeClr val="accent1">
-              <a:shade val="50000"/>
-            </a:schemeClr>
-          </a:lnRef>
-          <a:fillRef idx="1">
-            <a:schemeClr val="accent1"/>
-          </a:fillRef>
-          <a:effectRef idx="0">
-            <a:schemeClr val="accent1"/>
-          </a:effectRef>
-          <a:fontRef idx="minor">
-            <a:schemeClr val="lt1"/>
-          </a:fontRef>
-        </p:style>
-        <p:txBody>
-          <a:bodyPr rtlCol="0" anchor="ctr"/>
-          <a:lstStyle/>
-          <a:p>
-            <a:pPr algn="ctr"/>
-            <a:endParaRPr lang="en-US" dirty="0"/>
-          </a:p>
-        </p:txBody>
-      </p:sp>
-      <p:sp>
-        <p:nvSpPr>
-          <p:cNvPr id="25" name="Freeform: Shape 24">
-            <a:extLst>
-              <a:ext uri="{FF2B5EF4-FFF2-40B4-BE49-F238E27FC236}">
-                <a16:creationId xmlns:a16="http://schemas.microsoft.com/office/drawing/2014/main" id="{38FAA1A1-D861-433F-88FA-1E9D6FD31D11}"/>
-              </a:ext>
-              <a:ext uri="{C183D7F6-B498-43B3-948B-1728B52AA6E4}">
-                <adec:decorative xmlns:adec="http://schemas.microsoft.com/office/drawing/2017/decorative" val="1"/>
-              </a:ext>
-            </a:extLst>
-          </p:cNvPr>
-          <p:cNvSpPr>
-            <a:spLocks noGrp="1" noRot="1" noChangeAspect="1" noMove="1" noResize="1" noEditPoints="1" noAdjustHandles="1" noChangeArrowheads="1" noChangeShapeType="1" noTextEdit="1"/>
-          </p:cNvSpPr>
-          <p:nvPr>
-            <p:extLst>
-              <p:ext uri="{386F3935-93C4-4BCD-93E2-E3B085C9AB24}">
-                <p16:designElem xmlns:p16="http://schemas.microsoft.com/office/powerpoint/2015/main" val="1"/>
-              </p:ext>
-            </p:extLst>
-          </p:nvPr>
-        </p:nvSpPr>
-        <p:spPr>
-          <a:xfrm rot="20635413">
-            <a:off x="-376302" y="969718"/>
-            <a:ext cx="2925267" cy="4178958"/>
-          </a:xfrm>
-          <a:custGeom>
-            <a:avLst/>
-            <a:gdLst>
-              <a:gd name="connsiteX0" fmla="*/ 2432225 w 3900357"/>
-              <a:gd name="connsiteY0" fmla="*/ 93939 h 4178958"/>
-              <a:gd name="connsiteX1" fmla="*/ 3900357 w 3900357"/>
-              <a:gd name="connsiteY1" fmla="*/ 2089479 h 4178958"/>
-              <a:gd name="connsiteX2" fmla="*/ 1810878 w 3900357"/>
-              <a:gd name="connsiteY2" fmla="*/ 4178958 h 4178958"/>
-              <a:gd name="connsiteX3" fmla="*/ 78249 w 3900357"/>
-              <a:gd name="connsiteY3" fmla="*/ 3257727 h 4178958"/>
-              <a:gd name="connsiteX4" fmla="*/ 0 w 3900357"/>
-              <a:gd name="connsiteY4" fmla="*/ 3128923 h 4178958"/>
-              <a:gd name="connsiteX5" fmla="*/ 831324 w 3900357"/>
-              <a:gd name="connsiteY5" fmla="*/ 244281 h 4178958"/>
-              <a:gd name="connsiteX6" fmla="*/ 997559 w 3900357"/>
-              <a:gd name="connsiteY6" fmla="*/ 164202 h 4178958"/>
-              <a:gd name="connsiteX7" fmla="*/ 1810878 w 3900357"/>
-              <a:gd name="connsiteY7" fmla="*/ 0 h 4178958"/>
-              <a:gd name="connsiteX8" fmla="*/ 2432225 w 3900357"/>
-              <a:gd name="connsiteY8" fmla="*/ 93939 h 4178958"/>
-            </a:gdLst>
-            <a:ahLst/>
-            <a:cxnLst>
-              <a:cxn ang="0">
-                <a:pos x="connsiteX0" y="connsiteY0"/>
-              </a:cxn>
-              <a:cxn ang="0">
-                <a:pos x="connsiteX1" y="connsiteY1"/>
-              </a:cxn>
-              <a:cxn ang="0">
-                <a:pos x="connsiteX2" y="connsiteY2"/>
-              </a:cxn>
-              <a:cxn ang="0">
-                <a:pos x="connsiteX3" y="connsiteY3"/>
-              </a:cxn>
-              <a:cxn ang="0">
-                <a:pos x="connsiteX4" y="connsiteY4"/>
-              </a:cxn>
-              <a:cxn ang="0">
-                <a:pos x="connsiteX5" y="connsiteY5"/>
-              </a:cxn>
-              <a:cxn ang="0">
-                <a:pos x="connsiteX6" y="connsiteY6"/>
-              </a:cxn>
-              <a:cxn ang="0">
-                <a:pos x="connsiteX7" y="connsiteY7"/>
-              </a:cxn>
-              <a:cxn ang="0">
-                <a:pos x="connsiteX8" y="connsiteY8"/>
-              </a:cxn>
-            </a:cxnLst>
-            <a:rect l="l" t="t" r="r" b="b"/>
-            <a:pathLst>
-              <a:path w="3900357" h="4178958">
-                <a:moveTo>
-                  <a:pt x="2432225" y="93939"/>
-                </a:moveTo>
-                <a:cubicBezTo>
-                  <a:pt x="3282786" y="358491"/>
-                  <a:pt x="3900357" y="1151865"/>
-                  <a:pt x="3900357" y="2089479"/>
-                </a:cubicBezTo>
-                <a:cubicBezTo>
-                  <a:pt x="3900357" y="3243466"/>
-                  <a:pt x="2964865" y="4178958"/>
-                  <a:pt x="1810878" y="4178958"/>
-                </a:cubicBezTo>
-                <a:cubicBezTo>
-                  <a:pt x="1089636" y="4178958"/>
-                  <a:pt x="453744" y="3813531"/>
-                  <a:pt x="78249" y="3257727"/>
-                </a:cubicBezTo>
-                <a:lnTo>
-                  <a:pt x="0" y="3128923"/>
-                </a:lnTo>
-                <a:lnTo>
-                  <a:pt x="831324" y="244281"/>
-                </a:lnTo>
-                <a:lnTo>
-                  <a:pt x="997559" y="164202"/>
-                </a:lnTo>
-                <a:cubicBezTo>
-                  <a:pt x="1247540" y="58468"/>
-                  <a:pt x="1522381" y="0"/>
-                  <a:pt x="1810878" y="0"/>
-                </a:cubicBezTo>
-                <a:cubicBezTo>
-                  <a:pt x="2027251" y="0"/>
-                  <a:pt x="2235942" y="32888"/>
-                  <a:pt x="2432225" y="93939"/>
-                </a:cubicBezTo>
-                <a:close/>
-              </a:path>
-            </a:pathLst>
-          </a:custGeom>
-          <a:gradFill>
-            <a:gsLst>
-              <a:gs pos="29000">
-                <a:srgbClr val="000000">
-                  <a:alpha val="0"/>
-                </a:srgbClr>
-              </a:gs>
-              <a:gs pos="100000">
-                <a:schemeClr val="accent1">
-                  <a:alpha val="43000"/>
-                </a:schemeClr>
-              </a:gs>
-            </a:gsLst>
-            <a:lin ang="1800000" scaled="0"/>
-          </a:gradFill>
-          <a:ln>
-            <a:noFill/>
-          </a:ln>
-        </p:spPr>
-        <p:style>
-          <a:lnRef idx="2">
-            <a:schemeClr val="accent1">
-              <a:shade val="50000"/>
-            </a:schemeClr>
-          </a:lnRef>
-          <a:fillRef idx="1">
-            <a:schemeClr val="accent1"/>
-          </a:fillRef>
-          <a:effectRef idx="0">
-            <a:schemeClr val="accent1"/>
-          </a:effectRef>
-          <a:fontRef idx="minor">
-            <a:schemeClr val="lt1"/>
-          </a:fontRef>
-        </p:style>
-        <p:txBody>
-          <a:bodyPr wrap="square" rtlCol="0" anchor="ctr">
-            <a:noAutofit/>
-          </a:bodyPr>
-          <a:lstStyle/>
-          <a:p>
-            <a:pPr algn="ctr"/>
-            <a:endParaRPr lang="en-US" dirty="0"/>
-          </a:p>
-        </p:txBody>
-      </p:sp>
-      <p:sp>
-        <p:nvSpPr>
-          <p:cNvPr id="26" name="Rectangle 25">
-            <a:extLst>
-              <a:ext uri="{FF2B5EF4-FFF2-40B4-BE49-F238E27FC236}">
-                <a16:creationId xmlns:a16="http://schemas.microsoft.com/office/drawing/2014/main" id="{8D71EDA1-87BF-4D5D-AB79-F346FD19278A}"/>
-              </a:ext>
-              <a:ext uri="{C183D7F6-B498-43B3-948B-1728B52AA6E4}">
-                <adec:decorative xmlns:adec="http://schemas.microsoft.com/office/drawing/2017/decorative" val="1"/>
-              </a:ext>
-            </a:extLst>
-          </p:cNvPr>
-          <p:cNvSpPr>
-            <a:spLocks noGrp="1" noRot="1" noChangeAspect="1" noMove="1" noResize="1" noEditPoints="1" noAdjustHandles="1" noChangeArrowheads="1" noChangeShapeType="1" noTextEdit="1"/>
-          </p:cNvSpPr>
-          <p:nvPr>
-            <p:extLst>
-              <p:ext uri="{386F3935-93C4-4BCD-93E2-E3B085C9AB24}">
-                <p16:designElem xmlns:p16="http://schemas.microsoft.com/office/powerpoint/2015/main" val="1"/>
-              </p:ext>
-            </p:extLst>
-          </p:nvPr>
-        </p:nvSpPr>
-        <p:spPr>
-          <a:xfrm rot="5400000" flipH="1">
-            <a:off x="-1914820" y="1904672"/>
-            <a:ext cx="6858003" cy="3028376"/>
-          </a:xfrm>
-          <a:prstGeom prst="rect">
-            <a:avLst/>
-          </a:prstGeom>
-          <a:gradFill>
-            <a:gsLst>
-              <a:gs pos="0">
-                <a:srgbClr val="000000">
-                  <a:alpha val="0"/>
-                </a:srgbClr>
-              </a:gs>
-              <a:gs pos="99000">
-                <a:schemeClr val="accent1">
-                  <a:lumMod val="60000"/>
-                  <a:lumOff val="40000"/>
-                  <a:alpha val="11000"/>
-                </a:schemeClr>
-              </a:gs>
-            </a:gsLst>
-            <a:lin ang="7200000" scaled="0"/>
-          </a:gradFill>
-          <a:ln>
-            <a:noFill/>
-          </a:ln>
-        </p:spPr>
-        <p:style>
-          <a:lnRef idx="2">
-            <a:schemeClr val="accent1">
-              <a:shade val="50000"/>
-            </a:schemeClr>
-          </a:lnRef>
-          <a:fillRef idx="1">
-            <a:schemeClr val="accent1"/>
-          </a:fillRef>
-          <a:effectRef idx="0">
-            <a:schemeClr val="accent1"/>
-          </a:effectRef>
-          <a:fontRef idx="minor">
-            <a:schemeClr val="lt1"/>
-          </a:fontRef>
-        </p:style>
-        <p:txBody>
-          <a:bodyPr rtlCol="0" anchor="ctr"/>
-          <a:lstStyle/>
-          <a:p>
-            <a:pPr algn="ctr"/>
-            <a:endParaRPr lang="en-US"/>
-          </a:p>
-        </p:txBody>
-      </p:sp>
-      <p:sp>
-        <p:nvSpPr>
-          <p:cNvPr id="2" name="Title 1"/>
-          <p:cNvSpPr>
-            <a:spLocks noGrp="1"/>
-          </p:cNvSpPr>
-          <p:nvPr>
-            <p:ph type="title"/>
-          </p:nvPr>
-        </p:nvSpPr>
-        <p:spPr>
-          <a:xfrm>
-            <a:off x="350041" y="586855"/>
-            <a:ext cx="2401025" cy="3387497"/>
-          </a:xfrm>
-        </p:spPr>
-        <p:txBody>
-          <a:bodyPr anchor="b">
-            <a:normAutofit/>
-          </a:bodyPr>
-          <a:lstStyle/>
-          <a:p>
-            <a:pPr algn="r"/>
-            <a:r>
-              <a:rPr lang="en-CA" sz="3000">
-                <a:solidFill>
-                  <a:srgbClr val="FFFFFF"/>
-                </a:solidFill>
-              </a:rPr>
-              <a:t>Layers &amp; Dependencies</a:t>
-            </a:r>
-          </a:p>
-        </p:txBody>
-      </p:sp>
-      <p:sp>
-        <p:nvSpPr>
-          <p:cNvPr id="3" name="Content Placeholder 2"/>
-          <p:cNvSpPr>
-            <a:spLocks noGrp="1"/>
-          </p:cNvSpPr>
-          <p:nvPr>
-            <p:ph idx="1"/>
-          </p:nvPr>
-        </p:nvSpPr>
-        <p:spPr>
-          <a:xfrm>
-            <a:off x="3607694" y="649480"/>
-            <a:ext cx="4916510" cy="5546047"/>
-          </a:xfrm>
-        </p:spPr>
-        <p:txBody>
-          <a:bodyPr anchor="ctr">
-            <a:normAutofit/>
-          </a:bodyPr>
-          <a:lstStyle/>
-          <a:p>
-            <a:r>
-              <a:rPr lang="fr-FR" sz="1700"/>
-              <a:t>Core ↔ Interfaces</a:t>
-            </a:r>
-          </a:p>
-          <a:p>
-            <a:pPr lvl="1"/>
-            <a:r>
-              <a:rPr lang="fr-FR" sz="1700"/>
-              <a:t>Infrastructure → Core</a:t>
-            </a:r>
-          </a:p>
-          <a:p>
-            <a:pPr lvl="1"/>
-            <a:r>
-              <a:rPr lang="fr-FR" sz="1700"/>
-              <a:t>Api → Core + Infrastructure</a:t>
-            </a:r>
-          </a:p>
-          <a:p>
-            <a:pPr lvl="1"/>
-            <a:r>
-              <a:rPr lang="fr-FR" sz="1700"/>
-              <a:t>Client → Api</a:t>
-            </a:r>
-          </a:p>
-          <a:p>
-            <a:pPr lvl="1"/>
-            <a:r>
-              <a:rPr lang="fr-FR" sz="1700"/>
-              <a:t>Tests → Core + Infrastructure + Api</a:t>
-            </a:r>
-          </a:p>
-        </p:txBody>
-      </p:sp>
-    </p:spTree>
   </p:cSld>
   <p:clrMapOvr>
     <a:masterClrMapping/>
